--- a/docs/tuxpipes.pptx
+++ b/docs/tuxpipes.pptx
@@ -42,7 +42,7 @@
       </p:grpSpPr>
       <p:sp>
         <p:nvSpPr>
-          <p:cNvPr id="134" name="PlaceHolder 1"/>
+          <p:cNvPr id="131" name="PlaceHolder 1"/>
           <p:cNvSpPr>
             <a:spLocks noGrp="1"/>
           </p:cNvSpPr>
@@ -68,27 +68,24 @@
             <a:noAutofit/>
           </a:bodyPr>
           <a:p>
+            <a:pPr algn="ctr">
+              <a:buNone/>
+            </a:pPr>
             <a:r>
-              <a:rPr b="0" lang="en-US" sz="1800" spc="-1" strike="noStrike">
-                <a:solidFill>
-                  <a:srgbClr val="000000"/>
-                </a:solidFill>
+              <a:rPr b="0" lang="en-US" sz="4400" spc="-1" strike="noStrike">
                 <a:latin typeface="Arial"/>
               </a:rPr>
               <a:t>Click to move the slide</a:t>
             </a:r>
-            <a:endParaRPr b="0" lang="en-US" sz="1800" spc="-1" strike="noStrike">
-              <a:solidFill>
-                <a:srgbClr val="000000"/>
-              </a:solidFill>
-              <a:latin typeface="Arial"/>
-            </a:endParaRPr>
-          </a:p>
-        </p:txBody>
-      </p:sp>
-      <p:sp>
-        <p:nvSpPr>
-          <p:cNvPr id="135" name="PlaceHolder 2"/>
+            <a:endParaRPr b="0" lang="en-US" sz="4400" spc="-1" strike="noStrike">
+              <a:latin typeface="Arial"/>
+            </a:endParaRPr>
+          </a:p>
+        </p:txBody>
+      </p:sp>
+      <p:sp>
+        <p:nvSpPr>
+          <p:cNvPr id="132" name="PlaceHolder 2"/>
           <p:cNvSpPr>
             <a:spLocks noGrp="1"/>
           </p:cNvSpPr>
@@ -128,7 +125,7 @@
       </p:sp>
       <p:sp>
         <p:nvSpPr>
-          <p:cNvPr id="136" name="PlaceHolder 3"/>
+          <p:cNvPr id="133" name="PlaceHolder 3"/>
           <p:cNvSpPr>
             <a:spLocks noGrp="1"/>
           </p:cNvSpPr>
@@ -168,7 +165,7 @@
       </p:sp>
       <p:sp>
         <p:nvSpPr>
-          <p:cNvPr id="137" name="PlaceHolder 4"/>
+          <p:cNvPr id="134" name="PlaceHolder 4"/>
           <p:cNvSpPr>
             <a:spLocks noGrp="1"/>
           </p:cNvSpPr>
@@ -219,7 +216,7 @@
       </p:sp>
       <p:sp>
         <p:nvSpPr>
-          <p:cNvPr id="138" name="PlaceHolder 5"/>
+          <p:cNvPr id="135" name="PlaceHolder 5"/>
           <p:cNvSpPr>
             <a:spLocks noGrp="1"/>
           </p:cNvSpPr>
@@ -266,7 +263,7 @@
       </p:sp>
       <p:sp>
         <p:nvSpPr>
-          <p:cNvPr id="139" name="PlaceHolder 6"/>
+          <p:cNvPr id="136" name="PlaceHolder 6"/>
           <p:cNvSpPr>
             <a:spLocks noGrp="1"/>
           </p:cNvSpPr>
@@ -303,7 +300,7 @@
             <a:pPr algn="r">
               <a:buNone/>
             </a:pPr>
-            <a:fld id="{F63CF49C-D5C0-44C1-8832-727539F90AE9}" type="slidenum">
+            <a:fld id="{941CCBEB-8589-4B20-ABF8-73A53ED2DCA3}" type="slidenum">
               <a:rPr b="0" lang="en-US" sz="1400" spc="-1" strike="noStrike">
                 <a:latin typeface="Times New Roman"/>
               </a:rPr>
@@ -340,7 +337,7 @@
       </p:grpSpPr>
       <p:sp>
         <p:nvSpPr>
-          <p:cNvPr id="157" name="PlaceHolder 1"/>
+          <p:cNvPr id="154" name="PlaceHolder 1"/>
           <p:cNvSpPr>
             <a:spLocks noGrp="1"/>
           </p:cNvSpPr>
@@ -351,19 +348,19 @@
         <p:spPr>
           <a:xfrm>
             <a:off x="685800" y="1143000"/>
-            <a:ext cx="5486040" cy="3085920"/>
-          </a:xfrm>
-          <a:prstGeom prst="rect">
-            <a:avLst/>
-          </a:prstGeom>
-          <a:ln w="0">
-            <a:noFill/>
-          </a:ln>
-        </p:spPr>
-      </p:sp>
-      <p:sp>
-        <p:nvSpPr>
-          <p:cNvPr id="158" name="PlaceHolder 2"/>
+            <a:ext cx="5485680" cy="3085560"/>
+          </a:xfrm>
+          <a:prstGeom prst="rect">
+            <a:avLst/>
+          </a:prstGeom>
+          <a:ln w="0">
+            <a:noFill/>
+          </a:ln>
+        </p:spPr>
+      </p:sp>
+      <p:sp>
+        <p:nvSpPr>
+          <p:cNvPr id="155" name="PlaceHolder 2"/>
           <p:cNvSpPr>
             <a:spLocks noGrp="1"/>
           </p:cNvSpPr>
@@ -374,18 +371,18 @@
         <p:spPr>
           <a:xfrm>
             <a:off x="685800" y="4400640"/>
-            <a:ext cx="5486040" cy="3600000"/>
-          </a:xfrm>
-          <a:prstGeom prst="rect">
-            <a:avLst/>
-          </a:prstGeom>
-          <a:noFill/>
-          <a:ln w="0">
-            <a:noFill/>
-          </a:ln>
-        </p:spPr>
-        <p:txBody>
-          <a:bodyPr anchor="t">
+            <a:ext cx="5485680" cy="3599640"/>
+          </a:xfrm>
+          <a:prstGeom prst="rect">
+            <a:avLst/>
+          </a:prstGeom>
+          <a:noFill/>
+          <a:ln w="0">
+            <a:noFill/>
+          </a:ln>
+        </p:spPr>
+        <p:txBody>
+          <a:bodyPr lIns="0" rIns="0" tIns="0" bIns="0" anchor="t">
             <a:noAutofit/>
           </a:bodyPr>
           <a:p>
@@ -394,6 +391,9 @@
                 <a:spcPct val="100000"/>
               </a:lnSpc>
               <a:buNone/>
+              <a:tabLst>
+                <a:tab algn="l" pos="0"/>
+              </a:tabLst>
             </a:pPr>
             <a:r>
               <a:rPr b="0" lang="en-US" sz="1200" spc="-1" strike="noStrike">
@@ -414,6 +414,9 @@
                 <a:spcPct val="100000"/>
               </a:lnSpc>
               <a:buNone/>
+              <a:tabLst>
+                <a:tab algn="l" pos="0"/>
+              </a:tabLst>
             </a:pPr>
             <a:endParaRPr b="0" lang="en-US" sz="1200" spc="-1" strike="noStrike">
               <a:latin typeface="Arial"/>
@@ -425,6 +428,9 @@
                 <a:spcPct val="100000"/>
               </a:lnSpc>
               <a:buNone/>
+              <a:tabLst>
+                <a:tab algn="l" pos="0"/>
+              </a:tabLst>
             </a:pPr>
             <a:r>
               <a:rPr b="0" lang="en-US" sz="2000" spc="-1" strike="noStrike">
@@ -442,6 +448,9 @@
                 <a:spcPct val="100000"/>
               </a:lnSpc>
               <a:buNone/>
+              <a:tabLst>
+                <a:tab algn="l" pos="0"/>
+              </a:tabLst>
             </a:pPr>
             <a:endParaRPr b="0" lang="en-US" sz="2000" spc="-1" strike="noStrike">
               <a:latin typeface="Arial"/>
@@ -453,6 +462,9 @@
                 <a:spcPct val="100000"/>
               </a:lnSpc>
               <a:buNone/>
+              <a:tabLst>
+                <a:tab algn="l" pos="0"/>
+              </a:tabLst>
             </a:pPr>
             <a:r>
               <a:rPr b="0" lang="en-US" sz="2000" spc="-1" strike="noStrike">
@@ -470,6 +482,9 @@
                 <a:spcPct val="100000"/>
               </a:lnSpc>
               <a:buNone/>
+              <a:tabLst>
+                <a:tab algn="l" pos="0"/>
+              </a:tabLst>
             </a:pPr>
             <a:endParaRPr b="0" lang="en-US" sz="2000" spc="-1" strike="noStrike">
               <a:latin typeface="Arial"/>
@@ -481,6 +496,9 @@
                 <a:spcPct val="100000"/>
               </a:lnSpc>
               <a:buNone/>
+              <a:tabLst>
+                <a:tab algn="l" pos="0"/>
+              </a:tabLst>
             </a:pPr>
             <a:r>
               <a:rPr b="0" lang="en-US" sz="2000" spc="-1" strike="noStrike">
@@ -498,6 +516,9 @@
                 <a:spcPct val="100000"/>
               </a:lnSpc>
               <a:buNone/>
+              <a:tabLst>
+                <a:tab algn="l" pos="0"/>
+              </a:tabLst>
             </a:pPr>
             <a:endParaRPr b="0" lang="en-US" sz="2000" spc="-1" strike="noStrike">
               <a:latin typeface="Arial"/>
@@ -509,6 +530,9 @@
                 <a:spcPct val="100000"/>
               </a:lnSpc>
               <a:buNone/>
+              <a:tabLst>
+                <a:tab algn="l" pos="0"/>
+              </a:tabLst>
             </a:pPr>
             <a:endParaRPr b="0" lang="en-US" sz="2000" spc="-1" strike="noStrike">
               <a:latin typeface="Arial"/>
@@ -518,7 +542,7 @@
       </p:sp>
       <p:sp>
         <p:nvSpPr>
-          <p:cNvPr id="159" name="PlaceHolder 3"/>
+          <p:cNvPr id="156" name="PlaceHolder 3"/>
           <p:cNvSpPr>
             <a:spLocks noGrp="1"/>
           </p:cNvSpPr>
@@ -529,18 +553,18 @@
         <p:spPr>
           <a:xfrm>
             <a:off x="3884760" y="8685360"/>
-            <a:ext cx="2971440" cy="458280"/>
-          </a:xfrm>
-          <a:prstGeom prst="rect">
-            <a:avLst/>
-          </a:prstGeom>
-          <a:noFill/>
-          <a:ln w="0">
-            <a:noFill/>
-          </a:ln>
-        </p:spPr>
-        <p:txBody>
-          <a:bodyPr anchor="b">
+            <a:ext cx="2971080" cy="457920"/>
+          </a:xfrm>
+          <a:prstGeom prst="rect">
+            <a:avLst/>
+          </a:prstGeom>
+          <a:noFill/>
+          <a:ln w="0">
+            <a:noFill/>
+          </a:ln>
+        </p:spPr>
+        <p:txBody>
+          <a:bodyPr lIns="0" rIns="0" tIns="0" bIns="0" anchor="b">
             <a:noAutofit/>
           </a:bodyPr>
           <a:lstStyle>
@@ -564,7 +588,7 @@
               </a:lnSpc>
               <a:buNone/>
             </a:pPr>
-            <a:fld id="{FCCEC448-19F5-4F22-A9B2-5DEF5F1702E1}" type="slidenum">
+            <a:fld id="{20E6FE4F-8CC6-437A-BA88-28EAEF733372}" type="slidenum">
               <a:rPr b="0" lang="en-US" sz="1200" spc="-1" strike="noStrike">
                 <a:solidFill>
                   <a:srgbClr val="000000"/>
@@ -603,7 +627,7 @@
       </p:grpSpPr>
       <p:sp>
         <p:nvSpPr>
-          <p:cNvPr id="160" name="PlaceHolder 1"/>
+          <p:cNvPr id="157" name="PlaceHolder 1"/>
           <p:cNvSpPr>
             <a:spLocks noGrp="1"/>
           </p:cNvSpPr>
@@ -614,19 +638,19 @@
         <p:spPr>
           <a:xfrm>
             <a:off x="685800" y="1143000"/>
-            <a:ext cx="5486040" cy="3085920"/>
-          </a:xfrm>
-          <a:prstGeom prst="rect">
-            <a:avLst/>
-          </a:prstGeom>
-          <a:ln w="0">
-            <a:noFill/>
-          </a:ln>
-        </p:spPr>
-      </p:sp>
-      <p:sp>
-        <p:nvSpPr>
-          <p:cNvPr id="161" name="PlaceHolder 2"/>
+            <a:ext cx="5485680" cy="3085560"/>
+          </a:xfrm>
+          <a:prstGeom prst="rect">
+            <a:avLst/>
+          </a:prstGeom>
+          <a:ln w="0">
+            <a:noFill/>
+          </a:ln>
+        </p:spPr>
+      </p:sp>
+      <p:sp>
+        <p:nvSpPr>
+          <p:cNvPr id="158" name="PlaceHolder 2"/>
           <p:cNvSpPr>
             <a:spLocks noGrp="1"/>
           </p:cNvSpPr>
@@ -637,18 +661,18 @@
         <p:spPr>
           <a:xfrm>
             <a:off x="685800" y="4400640"/>
-            <a:ext cx="5486040" cy="3600000"/>
-          </a:xfrm>
-          <a:prstGeom prst="rect">
-            <a:avLst/>
-          </a:prstGeom>
-          <a:noFill/>
-          <a:ln w="0">
-            <a:noFill/>
-          </a:ln>
-        </p:spPr>
-        <p:txBody>
-          <a:bodyPr anchor="t">
+            <a:ext cx="5485680" cy="3599640"/>
+          </a:xfrm>
+          <a:prstGeom prst="rect">
+            <a:avLst/>
+          </a:prstGeom>
+          <a:noFill/>
+          <a:ln w="0">
+            <a:noFill/>
+          </a:ln>
+        </p:spPr>
+        <p:txBody>
+          <a:bodyPr lIns="0" rIns="0" tIns="0" bIns="0" anchor="t">
             <a:noAutofit/>
           </a:bodyPr>
           <a:p>
@@ -660,7 +684,7 @@
       </p:sp>
       <p:sp>
         <p:nvSpPr>
-          <p:cNvPr id="162" name="PlaceHolder 3"/>
+          <p:cNvPr id="159" name="PlaceHolder 3"/>
           <p:cNvSpPr>
             <a:spLocks noGrp="1"/>
           </p:cNvSpPr>
@@ -671,18 +695,18 @@
         <p:spPr>
           <a:xfrm>
             <a:off x="3884760" y="8685360"/>
-            <a:ext cx="2971440" cy="458280"/>
-          </a:xfrm>
-          <a:prstGeom prst="rect">
-            <a:avLst/>
-          </a:prstGeom>
-          <a:noFill/>
-          <a:ln w="0">
-            <a:noFill/>
-          </a:ln>
-        </p:spPr>
-        <p:txBody>
-          <a:bodyPr anchor="b">
+            <a:ext cx="2971080" cy="457920"/>
+          </a:xfrm>
+          <a:prstGeom prst="rect">
+            <a:avLst/>
+          </a:prstGeom>
+          <a:noFill/>
+          <a:ln w="0">
+            <a:noFill/>
+          </a:ln>
+        </p:spPr>
+        <p:txBody>
+          <a:bodyPr lIns="0" rIns="0" tIns="0" bIns="0" anchor="b">
             <a:noAutofit/>
           </a:bodyPr>
           <a:lstStyle>
@@ -707,7 +731,7 @@
               </a:lnSpc>
               <a:buNone/>
             </a:pPr>
-            <a:fld id="{791B29C7-B3F5-4829-818B-F4E0355BE8F2}" type="slidenum">
+            <a:fld id="{015E2C31-7E8F-4042-B63D-1B112F400006}" type="slidenum">
               <a:rPr b="0" lang="en-US" sz="1200" spc="-1" strike="noStrike">
                 <a:solidFill>
                   <a:srgbClr val="000000"/>
@@ -747,7 +771,7 @@
       </p:grpSpPr>
       <p:sp>
         <p:nvSpPr>
-          <p:cNvPr id="163" name="PlaceHolder 1"/>
+          <p:cNvPr id="160" name="PlaceHolder 1"/>
           <p:cNvSpPr>
             <a:spLocks noGrp="1"/>
           </p:cNvSpPr>
@@ -758,19 +782,19 @@
         <p:spPr>
           <a:xfrm>
             <a:off x="685800" y="1143000"/>
-            <a:ext cx="5486040" cy="3085920"/>
-          </a:xfrm>
-          <a:prstGeom prst="rect">
-            <a:avLst/>
-          </a:prstGeom>
-          <a:ln w="0">
-            <a:noFill/>
-          </a:ln>
-        </p:spPr>
-      </p:sp>
-      <p:sp>
-        <p:nvSpPr>
-          <p:cNvPr id="164" name="PlaceHolder 2"/>
+            <a:ext cx="5485680" cy="3085560"/>
+          </a:xfrm>
+          <a:prstGeom prst="rect">
+            <a:avLst/>
+          </a:prstGeom>
+          <a:ln w="0">
+            <a:noFill/>
+          </a:ln>
+        </p:spPr>
+      </p:sp>
+      <p:sp>
+        <p:nvSpPr>
+          <p:cNvPr id="161" name="PlaceHolder 2"/>
           <p:cNvSpPr>
             <a:spLocks noGrp="1"/>
           </p:cNvSpPr>
@@ -781,18 +805,18 @@
         <p:spPr>
           <a:xfrm>
             <a:off x="685800" y="4400640"/>
-            <a:ext cx="5486040" cy="3600000"/>
-          </a:xfrm>
-          <a:prstGeom prst="rect">
-            <a:avLst/>
-          </a:prstGeom>
-          <a:noFill/>
-          <a:ln w="0">
-            <a:noFill/>
-          </a:ln>
-        </p:spPr>
-        <p:txBody>
-          <a:bodyPr anchor="t">
+            <a:ext cx="5485680" cy="3599640"/>
+          </a:xfrm>
+          <a:prstGeom prst="rect">
+            <a:avLst/>
+          </a:prstGeom>
+          <a:noFill/>
+          <a:ln w="0">
+            <a:noFill/>
+          </a:ln>
+        </p:spPr>
+        <p:txBody>
+          <a:bodyPr lIns="0" rIns="0" tIns="0" bIns="0" anchor="t">
             <a:noAutofit/>
           </a:bodyPr>
           <a:p>
@@ -804,7 +828,7 @@
       </p:sp>
       <p:sp>
         <p:nvSpPr>
-          <p:cNvPr id="165" name="PlaceHolder 3"/>
+          <p:cNvPr id="162" name="PlaceHolder 3"/>
           <p:cNvSpPr>
             <a:spLocks noGrp="1"/>
           </p:cNvSpPr>
@@ -815,18 +839,18 @@
         <p:spPr>
           <a:xfrm>
             <a:off x="3884760" y="8685360"/>
-            <a:ext cx="2971440" cy="458280"/>
-          </a:xfrm>
-          <a:prstGeom prst="rect">
-            <a:avLst/>
-          </a:prstGeom>
-          <a:noFill/>
-          <a:ln w="0">
-            <a:noFill/>
-          </a:ln>
-        </p:spPr>
-        <p:txBody>
-          <a:bodyPr anchor="b">
+            <a:ext cx="2971080" cy="457920"/>
+          </a:xfrm>
+          <a:prstGeom prst="rect">
+            <a:avLst/>
+          </a:prstGeom>
+          <a:noFill/>
+          <a:ln w="0">
+            <a:noFill/>
+          </a:ln>
+        </p:spPr>
+        <p:txBody>
+          <a:bodyPr lIns="0" rIns="0" tIns="0" bIns="0" anchor="b">
             <a:noAutofit/>
           </a:bodyPr>
           <a:lstStyle>
@@ -851,7 +875,7 @@
               </a:lnSpc>
               <a:buNone/>
             </a:pPr>
-            <a:fld id="{3D7F8015-E751-4C23-88A7-FA9D9BBEFAFB}" type="slidenum">
+            <a:fld id="{4362C335-F1DC-4A2C-9790-FFD17D0AFDE1}" type="slidenum">
               <a:rPr b="0" lang="en-US" sz="1200" spc="-1" strike="noStrike">
                 <a:solidFill>
                   <a:srgbClr val="000000"/>
@@ -891,7 +915,7 @@
       </p:grpSpPr>
       <p:sp>
         <p:nvSpPr>
-          <p:cNvPr id="166" name="PlaceHolder 1"/>
+          <p:cNvPr id="163" name="PlaceHolder 1"/>
           <p:cNvSpPr>
             <a:spLocks noGrp="1"/>
           </p:cNvSpPr>
@@ -902,19 +926,19 @@
         <p:spPr>
           <a:xfrm>
             <a:off x="685800" y="1143000"/>
-            <a:ext cx="5486040" cy="3085920"/>
-          </a:xfrm>
-          <a:prstGeom prst="rect">
-            <a:avLst/>
-          </a:prstGeom>
-          <a:ln w="0">
-            <a:noFill/>
-          </a:ln>
-        </p:spPr>
-      </p:sp>
-      <p:sp>
-        <p:nvSpPr>
-          <p:cNvPr id="167" name="PlaceHolder 2"/>
+            <a:ext cx="5485680" cy="3085560"/>
+          </a:xfrm>
+          <a:prstGeom prst="rect">
+            <a:avLst/>
+          </a:prstGeom>
+          <a:ln w="0">
+            <a:noFill/>
+          </a:ln>
+        </p:spPr>
+      </p:sp>
+      <p:sp>
+        <p:nvSpPr>
+          <p:cNvPr id="164" name="PlaceHolder 2"/>
           <p:cNvSpPr>
             <a:spLocks noGrp="1"/>
           </p:cNvSpPr>
@@ -925,18 +949,18 @@
         <p:spPr>
           <a:xfrm>
             <a:off x="685800" y="4400640"/>
-            <a:ext cx="5486040" cy="3600000"/>
-          </a:xfrm>
-          <a:prstGeom prst="rect">
-            <a:avLst/>
-          </a:prstGeom>
-          <a:noFill/>
-          <a:ln w="0">
-            <a:noFill/>
-          </a:ln>
-        </p:spPr>
-        <p:txBody>
-          <a:bodyPr anchor="t">
+            <a:ext cx="5485680" cy="3599640"/>
+          </a:xfrm>
+          <a:prstGeom prst="rect">
+            <a:avLst/>
+          </a:prstGeom>
+          <a:noFill/>
+          <a:ln w="0">
+            <a:noFill/>
+          </a:ln>
+        </p:spPr>
+        <p:txBody>
+          <a:bodyPr lIns="0" rIns="0" tIns="0" bIns="0" anchor="t">
             <a:noAutofit/>
           </a:bodyPr>
           <a:p>
@@ -948,7 +972,7 @@
       </p:sp>
       <p:sp>
         <p:nvSpPr>
-          <p:cNvPr id="168" name="PlaceHolder 3"/>
+          <p:cNvPr id="165" name="PlaceHolder 3"/>
           <p:cNvSpPr>
             <a:spLocks noGrp="1"/>
           </p:cNvSpPr>
@@ -959,18 +983,18 @@
         <p:spPr>
           <a:xfrm>
             <a:off x="3884760" y="8685360"/>
-            <a:ext cx="2971440" cy="458280"/>
-          </a:xfrm>
-          <a:prstGeom prst="rect">
-            <a:avLst/>
-          </a:prstGeom>
-          <a:noFill/>
-          <a:ln w="0">
-            <a:noFill/>
-          </a:ln>
-        </p:spPr>
-        <p:txBody>
-          <a:bodyPr anchor="b">
+            <a:ext cx="2971080" cy="457920"/>
+          </a:xfrm>
+          <a:prstGeom prst="rect">
+            <a:avLst/>
+          </a:prstGeom>
+          <a:noFill/>
+          <a:ln w="0">
+            <a:noFill/>
+          </a:ln>
+        </p:spPr>
+        <p:txBody>
+          <a:bodyPr lIns="0" rIns="0" tIns="0" bIns="0" anchor="b">
             <a:noAutofit/>
           </a:bodyPr>
           <a:lstStyle>
@@ -995,7 +1019,7 @@
               </a:lnSpc>
               <a:buNone/>
             </a:pPr>
-            <a:fld id="{30F7AE2D-A495-469A-973A-58BA09B0F67C}" type="slidenum">
+            <a:fld id="{9EA0CE74-9F69-4FA7-ACEB-71CEB1B43A1B}" type="slidenum">
               <a:rPr b="0" lang="en-US" sz="1200" spc="-1" strike="noStrike">
                 <a:solidFill>
                   <a:srgbClr val="000000"/>
@@ -1035,7 +1059,7 @@
       </p:grpSpPr>
       <p:sp>
         <p:nvSpPr>
-          <p:cNvPr id="169" name="PlaceHolder 1"/>
+          <p:cNvPr id="166" name="PlaceHolder 1"/>
           <p:cNvSpPr>
             <a:spLocks noGrp="1"/>
           </p:cNvSpPr>
@@ -1046,19 +1070,19 @@
         <p:spPr>
           <a:xfrm>
             <a:off x="685800" y="1143000"/>
-            <a:ext cx="5486040" cy="3085920"/>
-          </a:xfrm>
-          <a:prstGeom prst="rect">
-            <a:avLst/>
-          </a:prstGeom>
-          <a:ln w="0">
-            <a:noFill/>
-          </a:ln>
-        </p:spPr>
-      </p:sp>
-      <p:sp>
-        <p:nvSpPr>
-          <p:cNvPr id="170" name="PlaceHolder 2"/>
+            <a:ext cx="5485680" cy="3085560"/>
+          </a:xfrm>
+          <a:prstGeom prst="rect">
+            <a:avLst/>
+          </a:prstGeom>
+          <a:ln w="0">
+            <a:noFill/>
+          </a:ln>
+        </p:spPr>
+      </p:sp>
+      <p:sp>
+        <p:nvSpPr>
+          <p:cNvPr id="167" name="PlaceHolder 2"/>
           <p:cNvSpPr>
             <a:spLocks noGrp="1"/>
           </p:cNvSpPr>
@@ -1069,18 +1093,18 @@
         <p:spPr>
           <a:xfrm>
             <a:off x="685800" y="4400640"/>
-            <a:ext cx="5486040" cy="3600000"/>
-          </a:xfrm>
-          <a:prstGeom prst="rect">
-            <a:avLst/>
-          </a:prstGeom>
-          <a:noFill/>
-          <a:ln w="0">
-            <a:noFill/>
-          </a:ln>
-        </p:spPr>
-        <p:txBody>
-          <a:bodyPr anchor="t">
+            <a:ext cx="5485680" cy="3599640"/>
+          </a:xfrm>
+          <a:prstGeom prst="rect">
+            <a:avLst/>
+          </a:prstGeom>
+          <a:noFill/>
+          <a:ln w="0">
+            <a:noFill/>
+          </a:ln>
+        </p:spPr>
+        <p:txBody>
+          <a:bodyPr lIns="0" rIns="0" tIns="0" bIns="0" anchor="t">
             <a:noAutofit/>
           </a:bodyPr>
           <a:p>
@@ -1092,7 +1116,7 @@
       </p:sp>
       <p:sp>
         <p:nvSpPr>
-          <p:cNvPr id="171" name="PlaceHolder 3"/>
+          <p:cNvPr id="168" name="PlaceHolder 3"/>
           <p:cNvSpPr>
             <a:spLocks noGrp="1"/>
           </p:cNvSpPr>
@@ -1103,18 +1127,18 @@
         <p:spPr>
           <a:xfrm>
             <a:off x="3884760" y="8685360"/>
-            <a:ext cx="2971440" cy="458280"/>
-          </a:xfrm>
-          <a:prstGeom prst="rect">
-            <a:avLst/>
-          </a:prstGeom>
-          <a:noFill/>
-          <a:ln w="0">
-            <a:noFill/>
-          </a:ln>
-        </p:spPr>
-        <p:txBody>
-          <a:bodyPr anchor="b">
+            <a:ext cx="2971080" cy="457920"/>
+          </a:xfrm>
+          <a:prstGeom prst="rect">
+            <a:avLst/>
+          </a:prstGeom>
+          <a:noFill/>
+          <a:ln w="0">
+            <a:noFill/>
+          </a:ln>
+        </p:spPr>
+        <p:txBody>
+          <a:bodyPr lIns="0" rIns="0" tIns="0" bIns="0" anchor="b">
             <a:noAutofit/>
           </a:bodyPr>
           <a:lstStyle>
@@ -1139,7 +1163,7 @@
               </a:lnSpc>
               <a:buNone/>
             </a:pPr>
-            <a:fld id="{55AE70F2-A22D-4390-A23A-889FC857826A}" type="slidenum">
+            <a:fld id="{A07BAB1B-C134-4C8E-B01C-2B77363BD79D}" type="slidenum">
               <a:rPr b="0" lang="en-US" sz="1200" spc="-1" strike="noStrike">
                 <a:solidFill>
                   <a:srgbClr val="000000"/>
@@ -1179,7 +1203,7 @@
       </p:grpSpPr>
       <p:sp>
         <p:nvSpPr>
-          <p:cNvPr id="172" name="PlaceHolder 1"/>
+          <p:cNvPr id="169" name="PlaceHolder 1"/>
           <p:cNvSpPr>
             <a:spLocks noGrp="1"/>
           </p:cNvSpPr>
@@ -1190,19 +1214,19 @@
         <p:spPr>
           <a:xfrm>
             <a:off x="685800" y="1143000"/>
-            <a:ext cx="5486040" cy="3085920"/>
-          </a:xfrm>
-          <a:prstGeom prst="rect">
-            <a:avLst/>
-          </a:prstGeom>
-          <a:ln w="0">
-            <a:noFill/>
-          </a:ln>
-        </p:spPr>
-      </p:sp>
-      <p:sp>
-        <p:nvSpPr>
-          <p:cNvPr id="173" name="PlaceHolder 2"/>
+            <a:ext cx="5485680" cy="3085560"/>
+          </a:xfrm>
+          <a:prstGeom prst="rect">
+            <a:avLst/>
+          </a:prstGeom>
+          <a:ln w="0">
+            <a:noFill/>
+          </a:ln>
+        </p:spPr>
+      </p:sp>
+      <p:sp>
+        <p:nvSpPr>
+          <p:cNvPr id="170" name="PlaceHolder 2"/>
           <p:cNvSpPr>
             <a:spLocks noGrp="1"/>
           </p:cNvSpPr>
@@ -1213,18 +1237,18 @@
         <p:spPr>
           <a:xfrm>
             <a:off x="685800" y="4400640"/>
-            <a:ext cx="5486040" cy="3600000"/>
-          </a:xfrm>
-          <a:prstGeom prst="rect">
-            <a:avLst/>
-          </a:prstGeom>
-          <a:noFill/>
-          <a:ln w="0">
-            <a:noFill/>
-          </a:ln>
-        </p:spPr>
-        <p:txBody>
-          <a:bodyPr anchor="t">
+            <a:ext cx="5485680" cy="3599640"/>
+          </a:xfrm>
+          <a:prstGeom prst="rect">
+            <a:avLst/>
+          </a:prstGeom>
+          <a:noFill/>
+          <a:ln w="0">
+            <a:noFill/>
+          </a:ln>
+        </p:spPr>
+        <p:txBody>
+          <a:bodyPr lIns="0" rIns="0" tIns="0" bIns="0" anchor="t">
             <a:noAutofit/>
           </a:bodyPr>
           <a:p>
@@ -1236,7 +1260,7 @@
       </p:sp>
       <p:sp>
         <p:nvSpPr>
-          <p:cNvPr id="174" name="PlaceHolder 3"/>
+          <p:cNvPr id="171" name="PlaceHolder 3"/>
           <p:cNvSpPr>
             <a:spLocks noGrp="1"/>
           </p:cNvSpPr>
@@ -1247,18 +1271,18 @@
         <p:spPr>
           <a:xfrm>
             <a:off x="3884760" y="8685360"/>
-            <a:ext cx="2971440" cy="458280"/>
-          </a:xfrm>
-          <a:prstGeom prst="rect">
-            <a:avLst/>
-          </a:prstGeom>
-          <a:noFill/>
-          <a:ln w="0">
-            <a:noFill/>
-          </a:ln>
-        </p:spPr>
-        <p:txBody>
-          <a:bodyPr anchor="b">
+            <a:ext cx="2971080" cy="457920"/>
+          </a:xfrm>
+          <a:prstGeom prst="rect">
+            <a:avLst/>
+          </a:prstGeom>
+          <a:noFill/>
+          <a:ln w="0">
+            <a:noFill/>
+          </a:ln>
+        </p:spPr>
+        <p:txBody>
+          <a:bodyPr lIns="0" rIns="0" tIns="0" bIns="0" anchor="b">
             <a:noAutofit/>
           </a:bodyPr>
           <a:lstStyle>
@@ -1283,7 +1307,7 @@
               </a:lnSpc>
               <a:buNone/>
             </a:pPr>
-            <a:fld id="{590560D8-4B58-4AAD-B618-AFECCA72BA73}" type="slidenum">
+            <a:fld id="{2E96FFDE-2618-4D4B-B9E0-75442E40127B}" type="slidenum">
               <a:rPr b="0" lang="en-US" sz="1200" spc="-1" strike="noStrike">
                 <a:solidFill>
                   <a:srgbClr val="000000"/>
@@ -1345,7 +1369,7 @@
       </p:grpSpPr>
       <p:sp>
         <p:nvSpPr>
-          <p:cNvPr id="32" name="PlaceHolder 1"/>
+          <p:cNvPr id="30" name="PlaceHolder 1"/>
           <p:cNvSpPr>
             <a:spLocks noGrp="1"/>
           </p:cNvSpPr>
@@ -1355,8 +1379,8 @@
         </p:nvSpPr>
         <p:spPr>
           <a:xfrm>
-            <a:off x="624240" y="357840"/>
-            <a:ext cx="10366920" cy="691200"/>
+            <a:off x="609480" y="273600"/>
+            <a:ext cx="10972440" cy="1144800"/>
           </a:xfrm>
           <a:prstGeom prst="rect">
             <a:avLst/>
@@ -1371,18 +1395,18 @@
             <a:noAutofit/>
           </a:bodyPr>
           <a:p>
-            <a:endParaRPr b="0" lang="en-US" sz="1800" spc="-1" strike="noStrike">
-              <a:solidFill>
-                <a:srgbClr val="000000"/>
-              </a:solidFill>
-              <a:latin typeface="Arial"/>
-            </a:endParaRPr>
-          </a:p>
-        </p:txBody>
-      </p:sp>
-      <p:sp>
-        <p:nvSpPr>
-          <p:cNvPr id="33" name="PlaceHolder 2"/>
+            <a:pPr algn="ctr">
+              <a:buNone/>
+            </a:pPr>
+            <a:endParaRPr b="0" lang="en-US" sz="4400" spc="-1" strike="noStrike">
+              <a:latin typeface="Arial"/>
+            </a:endParaRPr>
+          </a:p>
+        </p:txBody>
+      </p:sp>
+      <p:sp>
+        <p:nvSpPr>
+          <p:cNvPr id="31" name="PlaceHolder 2"/>
           <p:cNvSpPr>
             <a:spLocks noGrp="1"/>
           </p:cNvSpPr>
@@ -1392,8 +1416,8 @@
         </p:nvSpPr>
         <p:spPr>
           <a:xfrm>
-            <a:off x="624240" y="2084760"/>
-            <a:ext cx="10366920" cy="2014920"/>
+            <a:off x="609480" y="1604520"/>
+            <a:ext cx="10972440" cy="1896840"/>
           </a:xfrm>
           <a:prstGeom prst="rect">
             <a:avLst/>
@@ -1408,18 +1432,15 @@
             <a:normAutofit/>
           </a:bodyPr>
           <a:p>
-            <a:endParaRPr b="1" lang="en-US" sz="2660" spc="-1" strike="noStrike">
-              <a:solidFill>
-                <a:srgbClr val="41c363"/>
-              </a:solidFill>
-              <a:latin typeface="Arial Narrow"/>
-            </a:endParaRPr>
-          </a:p>
-        </p:txBody>
-      </p:sp>
-      <p:sp>
-        <p:nvSpPr>
-          <p:cNvPr id="34" name="PlaceHolder 3"/>
+            <a:endParaRPr b="0" lang="en-US" sz="3200" spc="-1" strike="noStrike">
+              <a:latin typeface="Arial"/>
+            </a:endParaRPr>
+          </a:p>
+        </p:txBody>
+      </p:sp>
+      <p:sp>
+        <p:nvSpPr>
+          <p:cNvPr id="32" name="PlaceHolder 3"/>
           <p:cNvSpPr>
             <a:spLocks noGrp="1"/>
           </p:cNvSpPr>
@@ -1429,8 +1450,8 @@
         </p:nvSpPr>
         <p:spPr>
           <a:xfrm>
-            <a:off x="624240" y="4291560"/>
-            <a:ext cx="10366920" cy="2014920"/>
+            <a:off x="609480" y="3682080"/>
+            <a:ext cx="10972440" cy="1896840"/>
           </a:xfrm>
           <a:prstGeom prst="rect">
             <a:avLst/>
@@ -1445,11 +1466,8 @@
             <a:normAutofit/>
           </a:bodyPr>
           <a:p>
-            <a:endParaRPr b="1" lang="en-US" sz="2660" spc="-1" strike="noStrike">
-              <a:solidFill>
-                <a:srgbClr val="41c363"/>
-              </a:solidFill>
-              <a:latin typeface="Arial Narrow"/>
+            <a:endParaRPr b="0" lang="en-US" sz="3200" spc="-1" strike="noStrike">
+              <a:latin typeface="Arial"/>
             </a:endParaRPr>
           </a:p>
         </p:txBody>
@@ -1478,7 +1496,7 @@
       </p:grpSpPr>
       <p:sp>
         <p:nvSpPr>
-          <p:cNvPr id="35" name="PlaceHolder 1"/>
+          <p:cNvPr id="33" name="PlaceHolder 1"/>
           <p:cNvSpPr>
             <a:spLocks noGrp="1"/>
           </p:cNvSpPr>
@@ -1488,8 +1506,8 @@
         </p:nvSpPr>
         <p:spPr>
           <a:xfrm>
-            <a:off x="624240" y="357840"/>
-            <a:ext cx="10366920" cy="691200"/>
+            <a:off x="609480" y="273600"/>
+            <a:ext cx="10972440" cy="1144800"/>
           </a:xfrm>
           <a:prstGeom prst="rect">
             <a:avLst/>
@@ -1504,18 +1522,18 @@
             <a:noAutofit/>
           </a:bodyPr>
           <a:p>
-            <a:endParaRPr b="0" lang="en-US" sz="1800" spc="-1" strike="noStrike">
-              <a:solidFill>
-                <a:srgbClr val="000000"/>
-              </a:solidFill>
-              <a:latin typeface="Arial"/>
-            </a:endParaRPr>
-          </a:p>
-        </p:txBody>
-      </p:sp>
-      <p:sp>
-        <p:nvSpPr>
-          <p:cNvPr id="36" name="PlaceHolder 2"/>
+            <a:pPr algn="ctr">
+              <a:buNone/>
+            </a:pPr>
+            <a:endParaRPr b="0" lang="en-US" sz="4400" spc="-1" strike="noStrike">
+              <a:latin typeface="Arial"/>
+            </a:endParaRPr>
+          </a:p>
+        </p:txBody>
+      </p:sp>
+      <p:sp>
+        <p:nvSpPr>
+          <p:cNvPr id="34" name="PlaceHolder 2"/>
           <p:cNvSpPr>
             <a:spLocks noGrp="1"/>
           </p:cNvSpPr>
@@ -1525,8 +1543,8 @@
         </p:nvSpPr>
         <p:spPr>
           <a:xfrm>
-            <a:off x="624240" y="2084760"/>
-            <a:ext cx="5058720" cy="2014920"/>
+            <a:off x="609480" y="1604520"/>
+            <a:ext cx="5354280" cy="1896840"/>
           </a:xfrm>
           <a:prstGeom prst="rect">
             <a:avLst/>
@@ -1541,18 +1559,15 @@
             <a:normAutofit/>
           </a:bodyPr>
           <a:p>
-            <a:endParaRPr b="1" lang="en-US" sz="2660" spc="-1" strike="noStrike">
-              <a:solidFill>
-                <a:srgbClr val="41c363"/>
-              </a:solidFill>
-              <a:latin typeface="Arial Narrow"/>
-            </a:endParaRPr>
-          </a:p>
-        </p:txBody>
-      </p:sp>
-      <p:sp>
-        <p:nvSpPr>
-          <p:cNvPr id="37" name="PlaceHolder 3"/>
+            <a:endParaRPr b="0" lang="en-US" sz="3200" spc="-1" strike="noStrike">
+              <a:latin typeface="Arial"/>
+            </a:endParaRPr>
+          </a:p>
+        </p:txBody>
+      </p:sp>
+      <p:sp>
+        <p:nvSpPr>
+          <p:cNvPr id="35" name="PlaceHolder 3"/>
           <p:cNvSpPr>
             <a:spLocks noGrp="1"/>
           </p:cNvSpPr>
@@ -1562,8 +1577,8 @@
         </p:nvSpPr>
         <p:spPr>
           <a:xfrm>
-            <a:off x="5936400" y="2084760"/>
-            <a:ext cx="5058720" cy="2014920"/>
+            <a:off x="6231960" y="1604520"/>
+            <a:ext cx="5354280" cy="1896840"/>
           </a:xfrm>
           <a:prstGeom prst="rect">
             <a:avLst/>
@@ -1578,18 +1593,15 @@
             <a:normAutofit/>
           </a:bodyPr>
           <a:p>
-            <a:endParaRPr b="1" lang="en-US" sz="2660" spc="-1" strike="noStrike">
-              <a:solidFill>
-                <a:srgbClr val="41c363"/>
-              </a:solidFill>
-              <a:latin typeface="Arial Narrow"/>
-            </a:endParaRPr>
-          </a:p>
-        </p:txBody>
-      </p:sp>
-      <p:sp>
-        <p:nvSpPr>
-          <p:cNvPr id="38" name="PlaceHolder 4"/>
+            <a:endParaRPr b="0" lang="en-US" sz="3200" spc="-1" strike="noStrike">
+              <a:latin typeface="Arial"/>
+            </a:endParaRPr>
+          </a:p>
+        </p:txBody>
+      </p:sp>
+      <p:sp>
+        <p:nvSpPr>
+          <p:cNvPr id="36" name="PlaceHolder 4"/>
           <p:cNvSpPr>
             <a:spLocks noGrp="1"/>
           </p:cNvSpPr>
@@ -1599,8 +1611,8 @@
         </p:nvSpPr>
         <p:spPr>
           <a:xfrm>
-            <a:off x="624240" y="4291560"/>
-            <a:ext cx="5058720" cy="2014920"/>
+            <a:off x="609480" y="3682080"/>
+            <a:ext cx="5354280" cy="1896840"/>
           </a:xfrm>
           <a:prstGeom prst="rect">
             <a:avLst/>
@@ -1615,18 +1627,15 @@
             <a:normAutofit/>
           </a:bodyPr>
           <a:p>
-            <a:endParaRPr b="1" lang="en-US" sz="2660" spc="-1" strike="noStrike">
-              <a:solidFill>
-                <a:srgbClr val="41c363"/>
-              </a:solidFill>
-              <a:latin typeface="Arial Narrow"/>
-            </a:endParaRPr>
-          </a:p>
-        </p:txBody>
-      </p:sp>
-      <p:sp>
-        <p:nvSpPr>
-          <p:cNvPr id="39" name="PlaceHolder 5"/>
+            <a:endParaRPr b="0" lang="en-US" sz="3200" spc="-1" strike="noStrike">
+              <a:latin typeface="Arial"/>
+            </a:endParaRPr>
+          </a:p>
+        </p:txBody>
+      </p:sp>
+      <p:sp>
+        <p:nvSpPr>
+          <p:cNvPr id="37" name="PlaceHolder 5"/>
           <p:cNvSpPr>
             <a:spLocks noGrp="1"/>
           </p:cNvSpPr>
@@ -1636,8 +1645,8 @@
         </p:nvSpPr>
         <p:spPr>
           <a:xfrm>
-            <a:off x="5936400" y="4291560"/>
-            <a:ext cx="5058720" cy="2014920"/>
+            <a:off x="6231960" y="3682080"/>
+            <a:ext cx="5354280" cy="1896840"/>
           </a:xfrm>
           <a:prstGeom prst="rect">
             <a:avLst/>
@@ -1652,11 +1661,8 @@
             <a:normAutofit/>
           </a:bodyPr>
           <a:p>
-            <a:endParaRPr b="1" lang="en-US" sz="2660" spc="-1" strike="noStrike">
-              <a:solidFill>
-                <a:srgbClr val="41c363"/>
-              </a:solidFill>
-              <a:latin typeface="Arial Narrow"/>
+            <a:endParaRPr b="0" lang="en-US" sz="3200" spc="-1" strike="noStrike">
+              <a:latin typeface="Arial"/>
             </a:endParaRPr>
           </a:p>
         </p:txBody>
@@ -1685,7 +1691,7 @@
       </p:grpSpPr>
       <p:sp>
         <p:nvSpPr>
-          <p:cNvPr id="40" name="PlaceHolder 1"/>
+          <p:cNvPr id="38" name="PlaceHolder 1"/>
           <p:cNvSpPr>
             <a:spLocks noGrp="1"/>
           </p:cNvSpPr>
@@ -1695,8 +1701,8 @@
         </p:nvSpPr>
         <p:spPr>
           <a:xfrm>
-            <a:off x="624240" y="357840"/>
-            <a:ext cx="10366920" cy="691200"/>
+            <a:off x="609480" y="273600"/>
+            <a:ext cx="10972440" cy="1144800"/>
           </a:xfrm>
           <a:prstGeom prst="rect">
             <a:avLst/>
@@ -1711,18 +1717,18 @@
             <a:noAutofit/>
           </a:bodyPr>
           <a:p>
-            <a:endParaRPr b="0" lang="en-US" sz="1800" spc="-1" strike="noStrike">
-              <a:solidFill>
-                <a:srgbClr val="000000"/>
-              </a:solidFill>
-              <a:latin typeface="Arial"/>
-            </a:endParaRPr>
-          </a:p>
-        </p:txBody>
-      </p:sp>
-      <p:sp>
-        <p:nvSpPr>
-          <p:cNvPr id="41" name="PlaceHolder 2"/>
+            <a:pPr algn="ctr">
+              <a:buNone/>
+            </a:pPr>
+            <a:endParaRPr b="0" lang="en-US" sz="4400" spc="-1" strike="noStrike">
+              <a:latin typeface="Arial"/>
+            </a:endParaRPr>
+          </a:p>
+        </p:txBody>
+      </p:sp>
+      <p:sp>
+        <p:nvSpPr>
+          <p:cNvPr id="39" name="PlaceHolder 2"/>
           <p:cNvSpPr>
             <a:spLocks noGrp="1"/>
           </p:cNvSpPr>
@@ -1732,8 +1738,8 @@
         </p:nvSpPr>
         <p:spPr>
           <a:xfrm>
-            <a:off x="624240" y="2084760"/>
-            <a:ext cx="3337920" cy="2014920"/>
+            <a:off x="609480" y="1604520"/>
+            <a:ext cx="3533040" cy="1896840"/>
           </a:xfrm>
           <a:prstGeom prst="rect">
             <a:avLst/>
@@ -1748,18 +1754,15 @@
             <a:normAutofit/>
           </a:bodyPr>
           <a:p>
-            <a:endParaRPr b="1" lang="en-US" sz="2660" spc="-1" strike="noStrike">
-              <a:solidFill>
-                <a:srgbClr val="41c363"/>
-              </a:solidFill>
-              <a:latin typeface="Arial Narrow"/>
-            </a:endParaRPr>
-          </a:p>
-        </p:txBody>
-      </p:sp>
-      <p:sp>
-        <p:nvSpPr>
-          <p:cNvPr id="42" name="PlaceHolder 3"/>
+            <a:endParaRPr b="0" lang="en-US" sz="3200" spc="-1" strike="noStrike">
+              <a:latin typeface="Arial"/>
+            </a:endParaRPr>
+          </a:p>
+        </p:txBody>
+      </p:sp>
+      <p:sp>
+        <p:nvSpPr>
+          <p:cNvPr id="40" name="PlaceHolder 3"/>
           <p:cNvSpPr>
             <a:spLocks noGrp="1"/>
           </p:cNvSpPr>
@@ -1769,8 +1772,8 @@
         </p:nvSpPr>
         <p:spPr>
           <a:xfrm>
-            <a:off x="4129560" y="2084760"/>
-            <a:ext cx="3337920" cy="2014920"/>
+            <a:off x="4319640" y="1604520"/>
+            <a:ext cx="3533040" cy="1896840"/>
           </a:xfrm>
           <a:prstGeom prst="rect">
             <a:avLst/>
@@ -1785,18 +1788,15 @@
             <a:normAutofit/>
           </a:bodyPr>
           <a:p>
-            <a:endParaRPr b="1" lang="en-US" sz="2660" spc="-1" strike="noStrike">
-              <a:solidFill>
-                <a:srgbClr val="41c363"/>
-              </a:solidFill>
-              <a:latin typeface="Arial Narrow"/>
-            </a:endParaRPr>
-          </a:p>
-        </p:txBody>
-      </p:sp>
-      <p:sp>
-        <p:nvSpPr>
-          <p:cNvPr id="43" name="PlaceHolder 4"/>
+            <a:endParaRPr b="0" lang="en-US" sz="3200" spc="-1" strike="noStrike">
+              <a:latin typeface="Arial"/>
+            </a:endParaRPr>
+          </a:p>
+        </p:txBody>
+      </p:sp>
+      <p:sp>
+        <p:nvSpPr>
+          <p:cNvPr id="41" name="PlaceHolder 4"/>
           <p:cNvSpPr>
             <a:spLocks noGrp="1"/>
           </p:cNvSpPr>
@@ -1806,8 +1806,8 @@
         </p:nvSpPr>
         <p:spPr>
           <a:xfrm>
-            <a:off x="7634520" y="2084760"/>
-            <a:ext cx="3337920" cy="2014920"/>
+            <a:off x="8029800" y="1604520"/>
+            <a:ext cx="3533040" cy="1896840"/>
           </a:xfrm>
           <a:prstGeom prst="rect">
             <a:avLst/>
@@ -1822,18 +1822,15 @@
             <a:normAutofit/>
           </a:bodyPr>
           <a:p>
-            <a:endParaRPr b="1" lang="en-US" sz="2660" spc="-1" strike="noStrike">
-              <a:solidFill>
-                <a:srgbClr val="41c363"/>
-              </a:solidFill>
-              <a:latin typeface="Arial Narrow"/>
-            </a:endParaRPr>
-          </a:p>
-        </p:txBody>
-      </p:sp>
-      <p:sp>
-        <p:nvSpPr>
-          <p:cNvPr id="44" name="PlaceHolder 5"/>
+            <a:endParaRPr b="0" lang="en-US" sz="3200" spc="-1" strike="noStrike">
+              <a:latin typeface="Arial"/>
+            </a:endParaRPr>
+          </a:p>
+        </p:txBody>
+      </p:sp>
+      <p:sp>
+        <p:nvSpPr>
+          <p:cNvPr id="42" name="PlaceHolder 5"/>
           <p:cNvSpPr>
             <a:spLocks noGrp="1"/>
           </p:cNvSpPr>
@@ -1843,8 +1840,8 @@
         </p:nvSpPr>
         <p:spPr>
           <a:xfrm>
-            <a:off x="624240" y="4291560"/>
-            <a:ext cx="3337920" cy="2014920"/>
+            <a:off x="609480" y="3682080"/>
+            <a:ext cx="3533040" cy="1896840"/>
           </a:xfrm>
           <a:prstGeom prst="rect">
             <a:avLst/>
@@ -1859,18 +1856,15 @@
             <a:normAutofit/>
           </a:bodyPr>
           <a:p>
-            <a:endParaRPr b="1" lang="en-US" sz="2660" spc="-1" strike="noStrike">
-              <a:solidFill>
-                <a:srgbClr val="41c363"/>
-              </a:solidFill>
-              <a:latin typeface="Arial Narrow"/>
-            </a:endParaRPr>
-          </a:p>
-        </p:txBody>
-      </p:sp>
-      <p:sp>
-        <p:nvSpPr>
-          <p:cNvPr id="45" name="PlaceHolder 6"/>
+            <a:endParaRPr b="0" lang="en-US" sz="3200" spc="-1" strike="noStrike">
+              <a:latin typeface="Arial"/>
+            </a:endParaRPr>
+          </a:p>
+        </p:txBody>
+      </p:sp>
+      <p:sp>
+        <p:nvSpPr>
+          <p:cNvPr id="43" name="PlaceHolder 6"/>
           <p:cNvSpPr>
             <a:spLocks noGrp="1"/>
           </p:cNvSpPr>
@@ -1880,8 +1874,8 @@
         </p:nvSpPr>
         <p:spPr>
           <a:xfrm>
-            <a:off x="4129560" y="4291560"/>
-            <a:ext cx="3337920" cy="2014920"/>
+            <a:off x="4319640" y="3682080"/>
+            <a:ext cx="3533040" cy="1896840"/>
           </a:xfrm>
           <a:prstGeom prst="rect">
             <a:avLst/>
@@ -1896,18 +1890,15 @@
             <a:normAutofit/>
           </a:bodyPr>
           <a:p>
-            <a:endParaRPr b="1" lang="en-US" sz="2660" spc="-1" strike="noStrike">
-              <a:solidFill>
-                <a:srgbClr val="41c363"/>
-              </a:solidFill>
-              <a:latin typeface="Arial Narrow"/>
-            </a:endParaRPr>
-          </a:p>
-        </p:txBody>
-      </p:sp>
-      <p:sp>
-        <p:nvSpPr>
-          <p:cNvPr id="46" name="PlaceHolder 7"/>
+            <a:endParaRPr b="0" lang="en-US" sz="3200" spc="-1" strike="noStrike">
+              <a:latin typeface="Arial"/>
+            </a:endParaRPr>
+          </a:p>
+        </p:txBody>
+      </p:sp>
+      <p:sp>
+        <p:nvSpPr>
+          <p:cNvPr id="44" name="PlaceHolder 7"/>
           <p:cNvSpPr>
             <a:spLocks noGrp="1"/>
           </p:cNvSpPr>
@@ -1917,8 +1908,8 @@
         </p:nvSpPr>
         <p:spPr>
           <a:xfrm>
-            <a:off x="7634520" y="4291560"/>
-            <a:ext cx="3337920" cy="2014920"/>
+            <a:off x="8029800" y="3682080"/>
+            <a:ext cx="3533040" cy="1896840"/>
           </a:xfrm>
           <a:prstGeom prst="rect">
             <a:avLst/>
@@ -1933,11 +1924,8 @@
             <a:normAutofit/>
           </a:bodyPr>
           <a:p>
-            <a:endParaRPr b="1" lang="en-US" sz="2660" spc="-1" strike="noStrike">
-              <a:solidFill>
-                <a:srgbClr val="41c363"/>
-              </a:solidFill>
-              <a:latin typeface="Arial Narrow"/>
+            <a:endParaRPr b="0" lang="en-US" sz="3200" spc="-1" strike="noStrike">
+              <a:latin typeface="Arial"/>
             </a:endParaRPr>
           </a:p>
         </p:txBody>
@@ -1978,7 +1966,7 @@
         <p:txBody>
           <a:bodyPr/>
           <a:p>
-            <a:fld id="{1C9E3ACE-C0B3-402C-AFE7-05EFE62AEA2A}" type="slidenum">
+            <a:fld id="{EB7EE3C1-1E40-486D-A470-B50857010561}" type="slidenum">
               <a:t>&lt;#&gt;</a:t>
             </a:fld>
           </a:p>
@@ -2008,7 +1996,7 @@
       </p:grpSpPr>
       <p:sp>
         <p:nvSpPr>
-          <p:cNvPr id="54" name="PlaceHolder 1"/>
+          <p:cNvPr id="52" name="PlaceHolder 1"/>
           <p:cNvSpPr>
             <a:spLocks noGrp="1"/>
           </p:cNvSpPr>
@@ -2018,8 +2006,8 @@
         </p:nvSpPr>
         <p:spPr>
           <a:xfrm>
-            <a:off x="624240" y="357840"/>
-            <a:ext cx="10366920" cy="691200"/>
+            <a:off x="609480" y="273600"/>
+            <a:ext cx="10972440" cy="1144800"/>
           </a:xfrm>
           <a:prstGeom prst="rect">
             <a:avLst/>
@@ -2034,18 +2022,18 @@
             <a:noAutofit/>
           </a:bodyPr>
           <a:p>
-            <a:endParaRPr b="0" lang="en-US" sz="1800" spc="-1" strike="noStrike">
-              <a:solidFill>
-                <a:srgbClr val="000000"/>
-              </a:solidFill>
-              <a:latin typeface="Arial"/>
-            </a:endParaRPr>
-          </a:p>
-        </p:txBody>
-      </p:sp>
-      <p:sp>
-        <p:nvSpPr>
-          <p:cNvPr id="55" name="PlaceHolder 2"/>
+            <a:pPr algn="ctr">
+              <a:buNone/>
+            </a:pPr>
+            <a:endParaRPr b="0" lang="en-US" sz="4400" spc="-1" strike="noStrike">
+              <a:latin typeface="Arial"/>
+            </a:endParaRPr>
+          </a:p>
+        </p:txBody>
+      </p:sp>
+      <p:sp>
+        <p:nvSpPr>
+          <p:cNvPr id="53" name="PlaceHolder 2"/>
           <p:cNvSpPr>
             <a:spLocks noGrp="1"/>
           </p:cNvSpPr>
@@ -2055,8 +2043,8 @@
         </p:nvSpPr>
         <p:spPr>
           <a:xfrm>
-            <a:off x="624240" y="2084760"/>
-            <a:ext cx="10366920" cy="4224600"/>
+            <a:off x="609480" y="1604520"/>
+            <a:ext cx="10972440" cy="3977280"/>
           </a:xfrm>
           <a:prstGeom prst="rect">
             <a:avLst/>
@@ -2094,7 +2082,7 @@
         <p:txBody>
           <a:bodyPr/>
           <a:p>
-            <a:fld id="{96205965-F72A-4952-8E16-0C45B9DFB0C4}" type="slidenum">
+            <a:fld id="{AA2F0F86-0980-4192-AD63-EFB9C31DC0A5}" type="slidenum">
               <a:t>&lt;#&gt;</a:t>
             </a:fld>
           </a:p>
@@ -2124,7 +2112,7 @@
       </p:grpSpPr>
       <p:sp>
         <p:nvSpPr>
-          <p:cNvPr id="56" name="PlaceHolder 1"/>
+          <p:cNvPr id="54" name="PlaceHolder 1"/>
           <p:cNvSpPr>
             <a:spLocks noGrp="1"/>
           </p:cNvSpPr>
@@ -2134,8 +2122,8 @@
         </p:nvSpPr>
         <p:spPr>
           <a:xfrm>
-            <a:off x="624240" y="357840"/>
-            <a:ext cx="10366920" cy="691200"/>
+            <a:off x="609480" y="273600"/>
+            <a:ext cx="10972440" cy="1144800"/>
           </a:xfrm>
           <a:prstGeom prst="rect">
             <a:avLst/>
@@ -2150,18 +2138,18 @@
             <a:noAutofit/>
           </a:bodyPr>
           <a:p>
-            <a:endParaRPr b="0" lang="en-US" sz="1800" spc="-1" strike="noStrike">
-              <a:solidFill>
-                <a:srgbClr val="000000"/>
-              </a:solidFill>
-              <a:latin typeface="Arial"/>
-            </a:endParaRPr>
-          </a:p>
-        </p:txBody>
-      </p:sp>
-      <p:sp>
-        <p:nvSpPr>
-          <p:cNvPr id="57" name="PlaceHolder 2"/>
+            <a:pPr algn="ctr">
+              <a:buNone/>
+            </a:pPr>
+            <a:endParaRPr b="0" lang="en-US" sz="4400" spc="-1" strike="noStrike">
+              <a:latin typeface="Arial"/>
+            </a:endParaRPr>
+          </a:p>
+        </p:txBody>
+      </p:sp>
+      <p:sp>
+        <p:nvSpPr>
+          <p:cNvPr id="55" name="PlaceHolder 2"/>
           <p:cNvSpPr>
             <a:spLocks noGrp="1"/>
           </p:cNvSpPr>
@@ -2171,8 +2159,8 @@
         </p:nvSpPr>
         <p:spPr>
           <a:xfrm>
-            <a:off x="624240" y="2084760"/>
-            <a:ext cx="10366920" cy="4224600"/>
+            <a:off x="609480" y="1604520"/>
+            <a:ext cx="10972440" cy="3977280"/>
           </a:xfrm>
           <a:prstGeom prst="rect">
             <a:avLst/>
@@ -2187,11 +2175,8 @@
             <a:normAutofit/>
           </a:bodyPr>
           <a:p>
-            <a:endParaRPr b="1" lang="en-US" sz="2660" spc="-1" strike="noStrike">
-              <a:solidFill>
-                <a:srgbClr val="41c363"/>
-              </a:solidFill>
-              <a:latin typeface="Arial Narrow"/>
+            <a:endParaRPr b="0" lang="en-US" sz="3200" spc="-1" strike="noStrike">
+              <a:latin typeface="Arial"/>
             </a:endParaRPr>
           </a:p>
         </p:txBody>
@@ -2210,7 +2195,7 @@
         <p:txBody>
           <a:bodyPr/>
           <a:p>
-            <a:fld id="{5FEF16EF-572F-4304-AACB-415EA52BA1A6}" type="slidenum">
+            <a:fld id="{C5334FAA-6D60-44A6-B244-1926A50CC0CC}" type="slidenum">
               <a:t>&lt;#&gt;</a:t>
             </a:fld>
           </a:p>
@@ -2240,7 +2225,7 @@
       </p:grpSpPr>
       <p:sp>
         <p:nvSpPr>
-          <p:cNvPr id="58" name="PlaceHolder 1"/>
+          <p:cNvPr id="56" name="PlaceHolder 1"/>
           <p:cNvSpPr>
             <a:spLocks noGrp="1"/>
           </p:cNvSpPr>
@@ -2250,8 +2235,8 @@
         </p:nvSpPr>
         <p:spPr>
           <a:xfrm>
-            <a:off x="624240" y="357840"/>
-            <a:ext cx="10366920" cy="691200"/>
+            <a:off x="609480" y="273600"/>
+            <a:ext cx="10972440" cy="1144800"/>
           </a:xfrm>
           <a:prstGeom prst="rect">
             <a:avLst/>
@@ -2266,18 +2251,18 @@
             <a:noAutofit/>
           </a:bodyPr>
           <a:p>
-            <a:endParaRPr b="0" lang="en-US" sz="1800" spc="-1" strike="noStrike">
-              <a:solidFill>
-                <a:srgbClr val="000000"/>
-              </a:solidFill>
-              <a:latin typeface="Arial"/>
-            </a:endParaRPr>
-          </a:p>
-        </p:txBody>
-      </p:sp>
-      <p:sp>
-        <p:nvSpPr>
-          <p:cNvPr id="59" name="PlaceHolder 2"/>
+            <a:pPr algn="ctr">
+              <a:buNone/>
+            </a:pPr>
+            <a:endParaRPr b="0" lang="en-US" sz="4400" spc="-1" strike="noStrike">
+              <a:latin typeface="Arial"/>
+            </a:endParaRPr>
+          </a:p>
+        </p:txBody>
+      </p:sp>
+      <p:sp>
+        <p:nvSpPr>
+          <p:cNvPr id="57" name="PlaceHolder 2"/>
           <p:cNvSpPr>
             <a:spLocks noGrp="1"/>
           </p:cNvSpPr>
@@ -2287,8 +2272,8 @@
         </p:nvSpPr>
         <p:spPr>
           <a:xfrm>
-            <a:off x="624240" y="2084760"/>
-            <a:ext cx="5058720" cy="4224600"/>
+            <a:off x="609480" y="1604520"/>
+            <a:ext cx="5354280" cy="3977280"/>
           </a:xfrm>
           <a:prstGeom prst="rect">
             <a:avLst/>
@@ -2303,18 +2288,15 @@
             <a:normAutofit/>
           </a:bodyPr>
           <a:p>
-            <a:endParaRPr b="1" lang="en-US" sz="2660" spc="-1" strike="noStrike">
-              <a:solidFill>
-                <a:srgbClr val="41c363"/>
-              </a:solidFill>
-              <a:latin typeface="Arial Narrow"/>
-            </a:endParaRPr>
-          </a:p>
-        </p:txBody>
-      </p:sp>
-      <p:sp>
-        <p:nvSpPr>
-          <p:cNvPr id="60" name="PlaceHolder 3"/>
+            <a:endParaRPr b="0" lang="en-US" sz="3200" spc="-1" strike="noStrike">
+              <a:latin typeface="Arial"/>
+            </a:endParaRPr>
+          </a:p>
+        </p:txBody>
+      </p:sp>
+      <p:sp>
+        <p:nvSpPr>
+          <p:cNvPr id="58" name="PlaceHolder 3"/>
           <p:cNvSpPr>
             <a:spLocks noGrp="1"/>
           </p:cNvSpPr>
@@ -2324,8 +2306,8 @@
         </p:nvSpPr>
         <p:spPr>
           <a:xfrm>
-            <a:off x="5936400" y="2084760"/>
-            <a:ext cx="5058720" cy="4224600"/>
+            <a:off x="6231960" y="1604520"/>
+            <a:ext cx="5354280" cy="3977280"/>
           </a:xfrm>
           <a:prstGeom prst="rect">
             <a:avLst/>
@@ -2340,11 +2322,8 @@
             <a:normAutofit/>
           </a:bodyPr>
           <a:p>
-            <a:endParaRPr b="1" lang="en-US" sz="2660" spc="-1" strike="noStrike">
-              <a:solidFill>
-                <a:srgbClr val="41c363"/>
-              </a:solidFill>
-              <a:latin typeface="Arial Narrow"/>
+            <a:endParaRPr b="0" lang="en-US" sz="3200" spc="-1" strike="noStrike">
+              <a:latin typeface="Arial"/>
             </a:endParaRPr>
           </a:p>
         </p:txBody>
@@ -2363,7 +2342,7 @@
         <p:txBody>
           <a:bodyPr/>
           <a:p>
-            <a:fld id="{59A2930F-72E5-4DB1-BF33-8D0C140F22B7}" type="slidenum">
+            <a:fld id="{0EC166B8-62D2-4267-88AA-2902E536A7FE}" type="slidenum">
               <a:t>&lt;#&gt;</a:t>
             </a:fld>
           </a:p>
@@ -2393,7 +2372,7 @@
       </p:grpSpPr>
       <p:sp>
         <p:nvSpPr>
-          <p:cNvPr id="61" name="PlaceHolder 1"/>
+          <p:cNvPr id="59" name="PlaceHolder 1"/>
           <p:cNvSpPr>
             <a:spLocks noGrp="1"/>
           </p:cNvSpPr>
@@ -2403,8 +2382,8 @@
         </p:nvSpPr>
         <p:spPr>
           <a:xfrm>
-            <a:off x="624240" y="357840"/>
-            <a:ext cx="10366920" cy="691200"/>
+            <a:off x="609480" y="273600"/>
+            <a:ext cx="10972440" cy="1144800"/>
           </a:xfrm>
           <a:prstGeom prst="rect">
             <a:avLst/>
@@ -2419,10 +2398,10 @@
             <a:noAutofit/>
           </a:bodyPr>
           <a:p>
-            <a:endParaRPr b="0" lang="en-US" sz="1800" spc="-1" strike="noStrike">
-              <a:solidFill>
-                <a:srgbClr val="000000"/>
-              </a:solidFill>
+            <a:pPr algn="ctr">
+              <a:buNone/>
+            </a:pPr>
+            <a:endParaRPr b="0" lang="en-US" sz="4400" spc="-1" strike="noStrike">
               <a:latin typeface="Arial"/>
             </a:endParaRPr>
           </a:p>
@@ -2442,7 +2421,7 @@
         <p:txBody>
           <a:bodyPr/>
           <a:p>
-            <a:fld id="{D34F1732-3237-4DBC-AF78-009F0BC84775}" type="slidenum">
+            <a:fld id="{57019952-7D00-44BE-B69E-5E9E0173A09D}" type="slidenum">
               <a:t>&lt;#&gt;</a:t>
             </a:fld>
           </a:p>
@@ -2472,7 +2451,7 @@
       </p:grpSpPr>
       <p:sp>
         <p:nvSpPr>
-          <p:cNvPr id="62" name="PlaceHolder 1"/>
+          <p:cNvPr id="60" name="PlaceHolder 1"/>
           <p:cNvSpPr>
             <a:spLocks noGrp="1"/>
           </p:cNvSpPr>
@@ -2482,8 +2461,8 @@
         </p:nvSpPr>
         <p:spPr>
           <a:xfrm>
-            <a:off x="624240" y="357840"/>
-            <a:ext cx="10366920" cy="3205440"/>
+            <a:off x="609480" y="273600"/>
+            <a:ext cx="10972440" cy="5307840"/>
           </a:xfrm>
           <a:prstGeom prst="rect">
             <a:avLst/>
@@ -2521,7 +2500,7 @@
         <p:txBody>
           <a:bodyPr/>
           <a:p>
-            <a:fld id="{A871FA1A-0086-498E-94CF-11364B6FA074}" type="slidenum">
+            <a:fld id="{7B3689F6-95DD-4D65-9267-548C2458540F}" type="slidenum">
               <a:t>&lt;#&gt;</a:t>
             </a:fld>
           </a:p>
@@ -2551,7 +2530,7 @@
       </p:grpSpPr>
       <p:sp>
         <p:nvSpPr>
-          <p:cNvPr id="63" name="PlaceHolder 1"/>
+          <p:cNvPr id="61" name="PlaceHolder 1"/>
           <p:cNvSpPr>
             <a:spLocks noGrp="1"/>
           </p:cNvSpPr>
@@ -2561,8 +2540,8 @@
         </p:nvSpPr>
         <p:spPr>
           <a:xfrm>
-            <a:off x="624240" y="357840"/>
-            <a:ext cx="10366920" cy="691200"/>
+            <a:off x="609480" y="273600"/>
+            <a:ext cx="10972440" cy="1144800"/>
           </a:xfrm>
           <a:prstGeom prst="rect">
             <a:avLst/>
@@ -2577,18 +2556,18 @@
             <a:noAutofit/>
           </a:bodyPr>
           <a:p>
-            <a:endParaRPr b="0" lang="en-US" sz="1800" spc="-1" strike="noStrike">
-              <a:solidFill>
-                <a:srgbClr val="000000"/>
-              </a:solidFill>
-              <a:latin typeface="Arial"/>
-            </a:endParaRPr>
-          </a:p>
-        </p:txBody>
-      </p:sp>
-      <p:sp>
-        <p:nvSpPr>
-          <p:cNvPr id="64" name="PlaceHolder 2"/>
+            <a:pPr algn="ctr">
+              <a:buNone/>
+            </a:pPr>
+            <a:endParaRPr b="0" lang="en-US" sz="4400" spc="-1" strike="noStrike">
+              <a:latin typeface="Arial"/>
+            </a:endParaRPr>
+          </a:p>
+        </p:txBody>
+      </p:sp>
+      <p:sp>
+        <p:nvSpPr>
+          <p:cNvPr id="62" name="PlaceHolder 2"/>
           <p:cNvSpPr>
             <a:spLocks noGrp="1"/>
           </p:cNvSpPr>
@@ -2598,8 +2577,8 @@
         </p:nvSpPr>
         <p:spPr>
           <a:xfrm>
-            <a:off x="624240" y="2084760"/>
-            <a:ext cx="5058720" cy="2014920"/>
+            <a:off x="609480" y="1604520"/>
+            <a:ext cx="5354280" cy="1896840"/>
           </a:xfrm>
           <a:prstGeom prst="rect">
             <a:avLst/>
@@ -2614,18 +2593,15 @@
             <a:normAutofit/>
           </a:bodyPr>
           <a:p>
-            <a:endParaRPr b="1" lang="en-US" sz="2660" spc="-1" strike="noStrike">
-              <a:solidFill>
-                <a:srgbClr val="41c363"/>
-              </a:solidFill>
-              <a:latin typeface="Arial Narrow"/>
-            </a:endParaRPr>
-          </a:p>
-        </p:txBody>
-      </p:sp>
-      <p:sp>
-        <p:nvSpPr>
-          <p:cNvPr id="65" name="PlaceHolder 3"/>
+            <a:endParaRPr b="0" lang="en-US" sz="3200" spc="-1" strike="noStrike">
+              <a:latin typeface="Arial"/>
+            </a:endParaRPr>
+          </a:p>
+        </p:txBody>
+      </p:sp>
+      <p:sp>
+        <p:nvSpPr>
+          <p:cNvPr id="63" name="PlaceHolder 3"/>
           <p:cNvSpPr>
             <a:spLocks noGrp="1"/>
           </p:cNvSpPr>
@@ -2635,8 +2611,8 @@
         </p:nvSpPr>
         <p:spPr>
           <a:xfrm>
-            <a:off x="5936400" y="2084760"/>
-            <a:ext cx="5058720" cy="4224600"/>
+            <a:off x="6231960" y="1604520"/>
+            <a:ext cx="5354280" cy="3977280"/>
           </a:xfrm>
           <a:prstGeom prst="rect">
             <a:avLst/>
@@ -2651,18 +2627,15 @@
             <a:normAutofit/>
           </a:bodyPr>
           <a:p>
-            <a:endParaRPr b="1" lang="en-US" sz="2660" spc="-1" strike="noStrike">
-              <a:solidFill>
-                <a:srgbClr val="41c363"/>
-              </a:solidFill>
-              <a:latin typeface="Arial Narrow"/>
-            </a:endParaRPr>
-          </a:p>
-        </p:txBody>
-      </p:sp>
-      <p:sp>
-        <p:nvSpPr>
-          <p:cNvPr id="66" name="PlaceHolder 4"/>
+            <a:endParaRPr b="0" lang="en-US" sz="3200" spc="-1" strike="noStrike">
+              <a:latin typeface="Arial"/>
+            </a:endParaRPr>
+          </a:p>
+        </p:txBody>
+      </p:sp>
+      <p:sp>
+        <p:nvSpPr>
+          <p:cNvPr id="64" name="PlaceHolder 4"/>
           <p:cNvSpPr>
             <a:spLocks noGrp="1"/>
           </p:cNvSpPr>
@@ -2672,8 +2645,8 @@
         </p:nvSpPr>
         <p:spPr>
           <a:xfrm>
-            <a:off x="624240" y="4291560"/>
-            <a:ext cx="5058720" cy="2014920"/>
+            <a:off x="609480" y="3682080"/>
+            <a:ext cx="5354280" cy="1896840"/>
           </a:xfrm>
           <a:prstGeom prst="rect">
             <a:avLst/>
@@ -2688,11 +2661,8 @@
             <a:normAutofit/>
           </a:bodyPr>
           <a:p>
-            <a:endParaRPr b="1" lang="en-US" sz="2660" spc="-1" strike="noStrike">
-              <a:solidFill>
-                <a:srgbClr val="41c363"/>
-              </a:solidFill>
-              <a:latin typeface="Arial Narrow"/>
+            <a:endParaRPr b="0" lang="en-US" sz="3200" spc="-1" strike="noStrike">
+              <a:latin typeface="Arial"/>
             </a:endParaRPr>
           </a:p>
         </p:txBody>
@@ -2711,7 +2681,7 @@
         <p:txBody>
           <a:bodyPr/>
           <a:p>
-            <a:fld id="{4BAC94C3-B297-4569-A9C8-40085A3895AA}" type="slidenum">
+            <a:fld id="{E5BA9659-CF7D-48FC-B8B4-1EE572928EF2}" type="slidenum">
               <a:t>&lt;#&gt;</a:t>
             </a:fld>
           </a:p>
@@ -2741,7 +2711,7 @@
       </p:grpSpPr>
       <p:sp>
         <p:nvSpPr>
-          <p:cNvPr id="11" name="PlaceHolder 1"/>
+          <p:cNvPr id="9" name="PlaceHolder 1"/>
           <p:cNvSpPr>
             <a:spLocks noGrp="1"/>
           </p:cNvSpPr>
@@ -2751,8 +2721,8 @@
         </p:nvSpPr>
         <p:spPr>
           <a:xfrm>
-            <a:off x="624240" y="357840"/>
-            <a:ext cx="10366920" cy="691200"/>
+            <a:off x="609480" y="273600"/>
+            <a:ext cx="10972440" cy="1144800"/>
           </a:xfrm>
           <a:prstGeom prst="rect">
             <a:avLst/>
@@ -2767,18 +2737,18 @@
             <a:noAutofit/>
           </a:bodyPr>
           <a:p>
-            <a:endParaRPr b="0" lang="en-US" sz="1800" spc="-1" strike="noStrike">
-              <a:solidFill>
-                <a:srgbClr val="000000"/>
-              </a:solidFill>
-              <a:latin typeface="Arial"/>
-            </a:endParaRPr>
-          </a:p>
-        </p:txBody>
-      </p:sp>
-      <p:sp>
-        <p:nvSpPr>
-          <p:cNvPr id="12" name="PlaceHolder 2"/>
+            <a:pPr algn="ctr">
+              <a:buNone/>
+            </a:pPr>
+            <a:endParaRPr b="0" lang="en-US" sz="4400" spc="-1" strike="noStrike">
+              <a:latin typeface="Arial"/>
+            </a:endParaRPr>
+          </a:p>
+        </p:txBody>
+      </p:sp>
+      <p:sp>
+        <p:nvSpPr>
+          <p:cNvPr id="10" name="PlaceHolder 2"/>
           <p:cNvSpPr>
             <a:spLocks noGrp="1"/>
           </p:cNvSpPr>
@@ -2788,8 +2758,8 @@
         </p:nvSpPr>
         <p:spPr>
           <a:xfrm>
-            <a:off x="624240" y="2084760"/>
-            <a:ext cx="10366920" cy="4224600"/>
+            <a:off x="609480" y="1604520"/>
+            <a:ext cx="10972440" cy="3977280"/>
           </a:xfrm>
           <a:prstGeom prst="rect">
             <a:avLst/>
@@ -2837,7 +2807,7 @@
       </p:grpSpPr>
       <p:sp>
         <p:nvSpPr>
-          <p:cNvPr id="67" name="PlaceHolder 1"/>
+          <p:cNvPr id="65" name="PlaceHolder 1"/>
           <p:cNvSpPr>
             <a:spLocks noGrp="1"/>
           </p:cNvSpPr>
@@ -2847,8 +2817,8 @@
         </p:nvSpPr>
         <p:spPr>
           <a:xfrm>
-            <a:off x="624240" y="357840"/>
-            <a:ext cx="10366920" cy="691200"/>
+            <a:off x="609480" y="273600"/>
+            <a:ext cx="10972440" cy="1144800"/>
           </a:xfrm>
           <a:prstGeom prst="rect">
             <a:avLst/>
@@ -2863,18 +2833,18 @@
             <a:noAutofit/>
           </a:bodyPr>
           <a:p>
-            <a:endParaRPr b="0" lang="en-US" sz="1800" spc="-1" strike="noStrike">
-              <a:solidFill>
-                <a:srgbClr val="000000"/>
-              </a:solidFill>
-              <a:latin typeface="Arial"/>
-            </a:endParaRPr>
-          </a:p>
-        </p:txBody>
-      </p:sp>
-      <p:sp>
-        <p:nvSpPr>
-          <p:cNvPr id="68" name="PlaceHolder 2"/>
+            <a:pPr algn="ctr">
+              <a:buNone/>
+            </a:pPr>
+            <a:endParaRPr b="0" lang="en-US" sz="4400" spc="-1" strike="noStrike">
+              <a:latin typeface="Arial"/>
+            </a:endParaRPr>
+          </a:p>
+        </p:txBody>
+      </p:sp>
+      <p:sp>
+        <p:nvSpPr>
+          <p:cNvPr id="66" name="PlaceHolder 2"/>
           <p:cNvSpPr>
             <a:spLocks noGrp="1"/>
           </p:cNvSpPr>
@@ -2884,8 +2854,8 @@
         </p:nvSpPr>
         <p:spPr>
           <a:xfrm>
-            <a:off x="624240" y="2084760"/>
-            <a:ext cx="5058720" cy="4224600"/>
+            <a:off x="609480" y="1604520"/>
+            <a:ext cx="5354280" cy="3977280"/>
           </a:xfrm>
           <a:prstGeom prst="rect">
             <a:avLst/>
@@ -2900,18 +2870,15 @@
             <a:normAutofit/>
           </a:bodyPr>
           <a:p>
-            <a:endParaRPr b="1" lang="en-US" sz="2660" spc="-1" strike="noStrike">
-              <a:solidFill>
-                <a:srgbClr val="41c363"/>
-              </a:solidFill>
-              <a:latin typeface="Arial Narrow"/>
-            </a:endParaRPr>
-          </a:p>
-        </p:txBody>
-      </p:sp>
-      <p:sp>
-        <p:nvSpPr>
-          <p:cNvPr id="69" name="PlaceHolder 3"/>
+            <a:endParaRPr b="0" lang="en-US" sz="3200" spc="-1" strike="noStrike">
+              <a:latin typeface="Arial"/>
+            </a:endParaRPr>
+          </a:p>
+        </p:txBody>
+      </p:sp>
+      <p:sp>
+        <p:nvSpPr>
+          <p:cNvPr id="67" name="PlaceHolder 3"/>
           <p:cNvSpPr>
             <a:spLocks noGrp="1"/>
           </p:cNvSpPr>
@@ -2921,8 +2888,8 @@
         </p:nvSpPr>
         <p:spPr>
           <a:xfrm>
-            <a:off x="5936400" y="2084760"/>
-            <a:ext cx="5058720" cy="2014920"/>
+            <a:off x="6231960" y="1604520"/>
+            <a:ext cx="5354280" cy="1896840"/>
           </a:xfrm>
           <a:prstGeom prst="rect">
             <a:avLst/>
@@ -2937,18 +2904,15 @@
             <a:normAutofit/>
           </a:bodyPr>
           <a:p>
-            <a:endParaRPr b="1" lang="en-US" sz="2660" spc="-1" strike="noStrike">
-              <a:solidFill>
-                <a:srgbClr val="41c363"/>
-              </a:solidFill>
-              <a:latin typeface="Arial Narrow"/>
-            </a:endParaRPr>
-          </a:p>
-        </p:txBody>
-      </p:sp>
-      <p:sp>
-        <p:nvSpPr>
-          <p:cNvPr id="70" name="PlaceHolder 4"/>
+            <a:endParaRPr b="0" lang="en-US" sz="3200" spc="-1" strike="noStrike">
+              <a:latin typeface="Arial"/>
+            </a:endParaRPr>
+          </a:p>
+        </p:txBody>
+      </p:sp>
+      <p:sp>
+        <p:nvSpPr>
+          <p:cNvPr id="68" name="PlaceHolder 4"/>
           <p:cNvSpPr>
             <a:spLocks noGrp="1"/>
           </p:cNvSpPr>
@@ -2958,8 +2922,8 @@
         </p:nvSpPr>
         <p:spPr>
           <a:xfrm>
-            <a:off x="5936400" y="4291560"/>
-            <a:ext cx="5058720" cy="2014920"/>
+            <a:off x="6231960" y="3682080"/>
+            <a:ext cx="5354280" cy="1896840"/>
           </a:xfrm>
           <a:prstGeom prst="rect">
             <a:avLst/>
@@ -2974,11 +2938,8 @@
             <a:normAutofit/>
           </a:bodyPr>
           <a:p>
-            <a:endParaRPr b="1" lang="en-US" sz="2660" spc="-1" strike="noStrike">
-              <a:solidFill>
-                <a:srgbClr val="41c363"/>
-              </a:solidFill>
-              <a:latin typeface="Arial Narrow"/>
+            <a:endParaRPr b="0" lang="en-US" sz="3200" spc="-1" strike="noStrike">
+              <a:latin typeface="Arial"/>
             </a:endParaRPr>
           </a:p>
         </p:txBody>
@@ -2997,7 +2958,7 @@
         <p:txBody>
           <a:bodyPr/>
           <a:p>
-            <a:fld id="{263C6717-612F-4B87-88E6-C9BB183A19D1}" type="slidenum">
+            <a:fld id="{6053ABEA-271D-4930-B26E-D2C59AFAB575}" type="slidenum">
               <a:t>&lt;#&gt;</a:t>
             </a:fld>
           </a:p>
@@ -3027,7 +2988,7 @@
       </p:grpSpPr>
       <p:sp>
         <p:nvSpPr>
-          <p:cNvPr id="71" name="PlaceHolder 1"/>
+          <p:cNvPr id="69" name="PlaceHolder 1"/>
           <p:cNvSpPr>
             <a:spLocks noGrp="1"/>
           </p:cNvSpPr>
@@ -3037,8 +2998,8 @@
         </p:nvSpPr>
         <p:spPr>
           <a:xfrm>
-            <a:off x="624240" y="357840"/>
-            <a:ext cx="10366920" cy="691200"/>
+            <a:off x="609480" y="273600"/>
+            <a:ext cx="10972440" cy="1144800"/>
           </a:xfrm>
           <a:prstGeom prst="rect">
             <a:avLst/>
@@ -3053,18 +3014,18 @@
             <a:noAutofit/>
           </a:bodyPr>
           <a:p>
-            <a:endParaRPr b="0" lang="en-US" sz="1800" spc="-1" strike="noStrike">
-              <a:solidFill>
-                <a:srgbClr val="000000"/>
-              </a:solidFill>
-              <a:latin typeface="Arial"/>
-            </a:endParaRPr>
-          </a:p>
-        </p:txBody>
-      </p:sp>
-      <p:sp>
-        <p:nvSpPr>
-          <p:cNvPr id="72" name="PlaceHolder 2"/>
+            <a:pPr algn="ctr">
+              <a:buNone/>
+            </a:pPr>
+            <a:endParaRPr b="0" lang="en-US" sz="4400" spc="-1" strike="noStrike">
+              <a:latin typeface="Arial"/>
+            </a:endParaRPr>
+          </a:p>
+        </p:txBody>
+      </p:sp>
+      <p:sp>
+        <p:nvSpPr>
+          <p:cNvPr id="70" name="PlaceHolder 2"/>
           <p:cNvSpPr>
             <a:spLocks noGrp="1"/>
           </p:cNvSpPr>
@@ -3074,8 +3035,8 @@
         </p:nvSpPr>
         <p:spPr>
           <a:xfrm>
-            <a:off x="624240" y="2084760"/>
-            <a:ext cx="5058720" cy="2014920"/>
+            <a:off x="609480" y="1604520"/>
+            <a:ext cx="5354280" cy="1896840"/>
           </a:xfrm>
           <a:prstGeom prst="rect">
             <a:avLst/>
@@ -3090,18 +3051,15 @@
             <a:normAutofit/>
           </a:bodyPr>
           <a:p>
-            <a:endParaRPr b="1" lang="en-US" sz="2660" spc="-1" strike="noStrike">
-              <a:solidFill>
-                <a:srgbClr val="41c363"/>
-              </a:solidFill>
-              <a:latin typeface="Arial Narrow"/>
-            </a:endParaRPr>
-          </a:p>
-        </p:txBody>
-      </p:sp>
-      <p:sp>
-        <p:nvSpPr>
-          <p:cNvPr id="73" name="PlaceHolder 3"/>
+            <a:endParaRPr b="0" lang="en-US" sz="3200" spc="-1" strike="noStrike">
+              <a:latin typeface="Arial"/>
+            </a:endParaRPr>
+          </a:p>
+        </p:txBody>
+      </p:sp>
+      <p:sp>
+        <p:nvSpPr>
+          <p:cNvPr id="71" name="PlaceHolder 3"/>
           <p:cNvSpPr>
             <a:spLocks noGrp="1"/>
           </p:cNvSpPr>
@@ -3111,8 +3069,8 @@
         </p:nvSpPr>
         <p:spPr>
           <a:xfrm>
-            <a:off x="5936400" y="2084760"/>
-            <a:ext cx="5058720" cy="2014920"/>
+            <a:off x="6231960" y="1604520"/>
+            <a:ext cx="5354280" cy="1896840"/>
           </a:xfrm>
           <a:prstGeom prst="rect">
             <a:avLst/>
@@ -3127,18 +3085,15 @@
             <a:normAutofit/>
           </a:bodyPr>
           <a:p>
-            <a:endParaRPr b="1" lang="en-US" sz="2660" spc="-1" strike="noStrike">
-              <a:solidFill>
-                <a:srgbClr val="41c363"/>
-              </a:solidFill>
-              <a:latin typeface="Arial Narrow"/>
-            </a:endParaRPr>
-          </a:p>
-        </p:txBody>
-      </p:sp>
-      <p:sp>
-        <p:nvSpPr>
-          <p:cNvPr id="74" name="PlaceHolder 4"/>
+            <a:endParaRPr b="0" lang="en-US" sz="3200" spc="-1" strike="noStrike">
+              <a:latin typeface="Arial"/>
+            </a:endParaRPr>
+          </a:p>
+        </p:txBody>
+      </p:sp>
+      <p:sp>
+        <p:nvSpPr>
+          <p:cNvPr id="72" name="PlaceHolder 4"/>
           <p:cNvSpPr>
             <a:spLocks noGrp="1"/>
           </p:cNvSpPr>
@@ -3148,8 +3103,8 @@
         </p:nvSpPr>
         <p:spPr>
           <a:xfrm>
-            <a:off x="624240" y="4291560"/>
-            <a:ext cx="10366920" cy="2014920"/>
+            <a:off x="609480" y="3682080"/>
+            <a:ext cx="10972440" cy="1896840"/>
           </a:xfrm>
           <a:prstGeom prst="rect">
             <a:avLst/>
@@ -3164,11 +3119,8 @@
             <a:normAutofit/>
           </a:bodyPr>
           <a:p>
-            <a:endParaRPr b="1" lang="en-US" sz="2660" spc="-1" strike="noStrike">
-              <a:solidFill>
-                <a:srgbClr val="41c363"/>
-              </a:solidFill>
-              <a:latin typeface="Arial Narrow"/>
+            <a:endParaRPr b="0" lang="en-US" sz="3200" spc="-1" strike="noStrike">
+              <a:latin typeface="Arial"/>
             </a:endParaRPr>
           </a:p>
         </p:txBody>
@@ -3187,7 +3139,7 @@
         <p:txBody>
           <a:bodyPr/>
           <a:p>
-            <a:fld id="{274483E0-C805-4582-BE98-9220D2AD80E0}" type="slidenum">
+            <a:fld id="{0FDC9D72-CEA4-4E46-A027-2240CE41982B}" type="slidenum">
               <a:t>&lt;#&gt;</a:t>
             </a:fld>
           </a:p>
@@ -3217,7 +3169,7 @@
       </p:grpSpPr>
       <p:sp>
         <p:nvSpPr>
-          <p:cNvPr id="75" name="PlaceHolder 1"/>
+          <p:cNvPr id="73" name="PlaceHolder 1"/>
           <p:cNvSpPr>
             <a:spLocks noGrp="1"/>
           </p:cNvSpPr>
@@ -3227,8 +3179,8 @@
         </p:nvSpPr>
         <p:spPr>
           <a:xfrm>
-            <a:off x="624240" y="357840"/>
-            <a:ext cx="10366920" cy="691200"/>
+            <a:off x="609480" y="273600"/>
+            <a:ext cx="10972440" cy="1144800"/>
           </a:xfrm>
           <a:prstGeom prst="rect">
             <a:avLst/>
@@ -3243,18 +3195,18 @@
             <a:noAutofit/>
           </a:bodyPr>
           <a:p>
-            <a:endParaRPr b="0" lang="en-US" sz="1800" spc="-1" strike="noStrike">
-              <a:solidFill>
-                <a:srgbClr val="000000"/>
-              </a:solidFill>
-              <a:latin typeface="Arial"/>
-            </a:endParaRPr>
-          </a:p>
-        </p:txBody>
-      </p:sp>
-      <p:sp>
-        <p:nvSpPr>
-          <p:cNvPr id="76" name="PlaceHolder 2"/>
+            <a:pPr algn="ctr">
+              <a:buNone/>
+            </a:pPr>
+            <a:endParaRPr b="0" lang="en-US" sz="4400" spc="-1" strike="noStrike">
+              <a:latin typeface="Arial"/>
+            </a:endParaRPr>
+          </a:p>
+        </p:txBody>
+      </p:sp>
+      <p:sp>
+        <p:nvSpPr>
+          <p:cNvPr id="74" name="PlaceHolder 2"/>
           <p:cNvSpPr>
             <a:spLocks noGrp="1"/>
           </p:cNvSpPr>
@@ -3264,8 +3216,8 @@
         </p:nvSpPr>
         <p:spPr>
           <a:xfrm>
-            <a:off x="624240" y="2084760"/>
-            <a:ext cx="10366920" cy="2014920"/>
+            <a:off x="609480" y="1604520"/>
+            <a:ext cx="10972440" cy="1896840"/>
           </a:xfrm>
           <a:prstGeom prst="rect">
             <a:avLst/>
@@ -3280,18 +3232,15 @@
             <a:normAutofit/>
           </a:bodyPr>
           <a:p>
-            <a:endParaRPr b="1" lang="en-US" sz="2660" spc="-1" strike="noStrike">
-              <a:solidFill>
-                <a:srgbClr val="41c363"/>
-              </a:solidFill>
-              <a:latin typeface="Arial Narrow"/>
-            </a:endParaRPr>
-          </a:p>
-        </p:txBody>
-      </p:sp>
-      <p:sp>
-        <p:nvSpPr>
-          <p:cNvPr id="77" name="PlaceHolder 3"/>
+            <a:endParaRPr b="0" lang="en-US" sz="3200" spc="-1" strike="noStrike">
+              <a:latin typeface="Arial"/>
+            </a:endParaRPr>
+          </a:p>
+        </p:txBody>
+      </p:sp>
+      <p:sp>
+        <p:nvSpPr>
+          <p:cNvPr id="75" name="PlaceHolder 3"/>
           <p:cNvSpPr>
             <a:spLocks noGrp="1"/>
           </p:cNvSpPr>
@@ -3301,8 +3250,8 @@
         </p:nvSpPr>
         <p:spPr>
           <a:xfrm>
-            <a:off x="624240" y="4291560"/>
-            <a:ext cx="10366920" cy="2014920"/>
+            <a:off x="609480" y="3682080"/>
+            <a:ext cx="10972440" cy="1896840"/>
           </a:xfrm>
           <a:prstGeom prst="rect">
             <a:avLst/>
@@ -3317,11 +3266,8 @@
             <a:normAutofit/>
           </a:bodyPr>
           <a:p>
-            <a:endParaRPr b="1" lang="en-US" sz="2660" spc="-1" strike="noStrike">
-              <a:solidFill>
-                <a:srgbClr val="41c363"/>
-              </a:solidFill>
-              <a:latin typeface="Arial Narrow"/>
+            <a:endParaRPr b="0" lang="en-US" sz="3200" spc="-1" strike="noStrike">
+              <a:latin typeface="Arial"/>
             </a:endParaRPr>
           </a:p>
         </p:txBody>
@@ -3340,7 +3286,7 @@
         <p:txBody>
           <a:bodyPr/>
           <a:p>
-            <a:fld id="{FF6825D4-CE7E-42D6-860D-DE3A79D074C1}" type="slidenum">
+            <a:fld id="{75C5FB37-C13D-40AE-889D-4106136E4C42}" type="slidenum">
               <a:t>&lt;#&gt;</a:t>
             </a:fld>
           </a:p>
@@ -3370,7 +3316,7 @@
       </p:grpSpPr>
       <p:sp>
         <p:nvSpPr>
-          <p:cNvPr id="78" name="PlaceHolder 1"/>
+          <p:cNvPr id="76" name="PlaceHolder 1"/>
           <p:cNvSpPr>
             <a:spLocks noGrp="1"/>
           </p:cNvSpPr>
@@ -3380,8 +3326,8 @@
         </p:nvSpPr>
         <p:spPr>
           <a:xfrm>
-            <a:off x="624240" y="357840"/>
-            <a:ext cx="10366920" cy="691200"/>
+            <a:off x="609480" y="273600"/>
+            <a:ext cx="10972440" cy="1144800"/>
           </a:xfrm>
           <a:prstGeom prst="rect">
             <a:avLst/>
@@ -3396,18 +3342,18 @@
             <a:noAutofit/>
           </a:bodyPr>
           <a:p>
-            <a:endParaRPr b="0" lang="en-US" sz="1800" spc="-1" strike="noStrike">
-              <a:solidFill>
-                <a:srgbClr val="000000"/>
-              </a:solidFill>
-              <a:latin typeface="Arial"/>
-            </a:endParaRPr>
-          </a:p>
-        </p:txBody>
-      </p:sp>
-      <p:sp>
-        <p:nvSpPr>
-          <p:cNvPr id="79" name="PlaceHolder 2"/>
+            <a:pPr algn="ctr">
+              <a:buNone/>
+            </a:pPr>
+            <a:endParaRPr b="0" lang="en-US" sz="4400" spc="-1" strike="noStrike">
+              <a:latin typeface="Arial"/>
+            </a:endParaRPr>
+          </a:p>
+        </p:txBody>
+      </p:sp>
+      <p:sp>
+        <p:nvSpPr>
+          <p:cNvPr id="77" name="PlaceHolder 2"/>
           <p:cNvSpPr>
             <a:spLocks noGrp="1"/>
           </p:cNvSpPr>
@@ -3417,8 +3363,8 @@
         </p:nvSpPr>
         <p:spPr>
           <a:xfrm>
-            <a:off x="624240" y="2084760"/>
-            <a:ext cx="5058720" cy="2014920"/>
+            <a:off x="609480" y="1604520"/>
+            <a:ext cx="5354280" cy="1896840"/>
           </a:xfrm>
           <a:prstGeom prst="rect">
             <a:avLst/>
@@ -3433,18 +3379,15 @@
             <a:normAutofit/>
           </a:bodyPr>
           <a:p>
-            <a:endParaRPr b="1" lang="en-US" sz="2660" spc="-1" strike="noStrike">
-              <a:solidFill>
-                <a:srgbClr val="41c363"/>
-              </a:solidFill>
-              <a:latin typeface="Arial Narrow"/>
-            </a:endParaRPr>
-          </a:p>
-        </p:txBody>
-      </p:sp>
-      <p:sp>
-        <p:nvSpPr>
-          <p:cNvPr id="80" name="PlaceHolder 3"/>
+            <a:endParaRPr b="0" lang="en-US" sz="3200" spc="-1" strike="noStrike">
+              <a:latin typeface="Arial"/>
+            </a:endParaRPr>
+          </a:p>
+        </p:txBody>
+      </p:sp>
+      <p:sp>
+        <p:nvSpPr>
+          <p:cNvPr id="78" name="PlaceHolder 3"/>
           <p:cNvSpPr>
             <a:spLocks noGrp="1"/>
           </p:cNvSpPr>
@@ -3454,8 +3397,8 @@
         </p:nvSpPr>
         <p:spPr>
           <a:xfrm>
-            <a:off x="5936400" y="2084760"/>
-            <a:ext cx="5058720" cy="2014920"/>
+            <a:off x="6231960" y="1604520"/>
+            <a:ext cx="5354280" cy="1896840"/>
           </a:xfrm>
           <a:prstGeom prst="rect">
             <a:avLst/>
@@ -3470,18 +3413,15 @@
             <a:normAutofit/>
           </a:bodyPr>
           <a:p>
-            <a:endParaRPr b="1" lang="en-US" sz="2660" spc="-1" strike="noStrike">
-              <a:solidFill>
-                <a:srgbClr val="41c363"/>
-              </a:solidFill>
-              <a:latin typeface="Arial Narrow"/>
-            </a:endParaRPr>
-          </a:p>
-        </p:txBody>
-      </p:sp>
-      <p:sp>
-        <p:nvSpPr>
-          <p:cNvPr id="81" name="PlaceHolder 4"/>
+            <a:endParaRPr b="0" lang="en-US" sz="3200" spc="-1" strike="noStrike">
+              <a:latin typeface="Arial"/>
+            </a:endParaRPr>
+          </a:p>
+        </p:txBody>
+      </p:sp>
+      <p:sp>
+        <p:nvSpPr>
+          <p:cNvPr id="79" name="PlaceHolder 4"/>
           <p:cNvSpPr>
             <a:spLocks noGrp="1"/>
           </p:cNvSpPr>
@@ -3491,8 +3431,8 @@
         </p:nvSpPr>
         <p:spPr>
           <a:xfrm>
-            <a:off x="624240" y="4291560"/>
-            <a:ext cx="5058720" cy="2014920"/>
+            <a:off x="609480" y="3682080"/>
+            <a:ext cx="5354280" cy="1896840"/>
           </a:xfrm>
           <a:prstGeom prst="rect">
             <a:avLst/>
@@ -3507,18 +3447,15 @@
             <a:normAutofit/>
           </a:bodyPr>
           <a:p>
-            <a:endParaRPr b="1" lang="en-US" sz="2660" spc="-1" strike="noStrike">
-              <a:solidFill>
-                <a:srgbClr val="41c363"/>
-              </a:solidFill>
-              <a:latin typeface="Arial Narrow"/>
-            </a:endParaRPr>
-          </a:p>
-        </p:txBody>
-      </p:sp>
-      <p:sp>
-        <p:nvSpPr>
-          <p:cNvPr id="82" name="PlaceHolder 5"/>
+            <a:endParaRPr b="0" lang="en-US" sz="3200" spc="-1" strike="noStrike">
+              <a:latin typeface="Arial"/>
+            </a:endParaRPr>
+          </a:p>
+        </p:txBody>
+      </p:sp>
+      <p:sp>
+        <p:nvSpPr>
+          <p:cNvPr id="80" name="PlaceHolder 5"/>
           <p:cNvSpPr>
             <a:spLocks noGrp="1"/>
           </p:cNvSpPr>
@@ -3528,8 +3465,8 @@
         </p:nvSpPr>
         <p:spPr>
           <a:xfrm>
-            <a:off x="5936400" y="4291560"/>
-            <a:ext cx="5058720" cy="2014920"/>
+            <a:off x="6231960" y="3682080"/>
+            <a:ext cx="5354280" cy="1896840"/>
           </a:xfrm>
           <a:prstGeom prst="rect">
             <a:avLst/>
@@ -3544,11 +3481,8 @@
             <a:normAutofit/>
           </a:bodyPr>
           <a:p>
-            <a:endParaRPr b="1" lang="en-US" sz="2660" spc="-1" strike="noStrike">
-              <a:solidFill>
-                <a:srgbClr val="41c363"/>
-              </a:solidFill>
-              <a:latin typeface="Arial Narrow"/>
+            <a:endParaRPr b="0" lang="en-US" sz="3200" spc="-1" strike="noStrike">
+              <a:latin typeface="Arial"/>
             </a:endParaRPr>
           </a:p>
         </p:txBody>
@@ -3567,7 +3501,7 @@
         <p:txBody>
           <a:bodyPr/>
           <a:p>
-            <a:fld id="{A819327F-8D74-48A3-A160-462B086806E6}" type="slidenum">
+            <a:fld id="{039AD8A8-9D1B-4F05-BC8C-B17139017807}" type="slidenum">
               <a:t>&lt;#&gt;</a:t>
             </a:fld>
           </a:p>
@@ -3597,7 +3531,7 @@
       </p:grpSpPr>
       <p:sp>
         <p:nvSpPr>
-          <p:cNvPr id="83" name="PlaceHolder 1"/>
+          <p:cNvPr id="81" name="PlaceHolder 1"/>
           <p:cNvSpPr>
             <a:spLocks noGrp="1"/>
           </p:cNvSpPr>
@@ -3607,8 +3541,8 @@
         </p:nvSpPr>
         <p:spPr>
           <a:xfrm>
-            <a:off x="624240" y="357840"/>
-            <a:ext cx="10366920" cy="691200"/>
+            <a:off x="609480" y="273600"/>
+            <a:ext cx="10972440" cy="1144800"/>
           </a:xfrm>
           <a:prstGeom prst="rect">
             <a:avLst/>
@@ -3623,18 +3557,18 @@
             <a:noAutofit/>
           </a:bodyPr>
           <a:p>
-            <a:endParaRPr b="0" lang="en-US" sz="1800" spc="-1" strike="noStrike">
-              <a:solidFill>
-                <a:srgbClr val="000000"/>
-              </a:solidFill>
-              <a:latin typeface="Arial"/>
-            </a:endParaRPr>
-          </a:p>
-        </p:txBody>
-      </p:sp>
-      <p:sp>
-        <p:nvSpPr>
-          <p:cNvPr id="84" name="PlaceHolder 2"/>
+            <a:pPr algn="ctr">
+              <a:buNone/>
+            </a:pPr>
+            <a:endParaRPr b="0" lang="en-US" sz="4400" spc="-1" strike="noStrike">
+              <a:latin typeface="Arial"/>
+            </a:endParaRPr>
+          </a:p>
+        </p:txBody>
+      </p:sp>
+      <p:sp>
+        <p:nvSpPr>
+          <p:cNvPr id="82" name="PlaceHolder 2"/>
           <p:cNvSpPr>
             <a:spLocks noGrp="1"/>
           </p:cNvSpPr>
@@ -3644,8 +3578,8 @@
         </p:nvSpPr>
         <p:spPr>
           <a:xfrm>
-            <a:off x="624240" y="2084760"/>
-            <a:ext cx="3337920" cy="2014920"/>
+            <a:off x="609480" y="1604520"/>
+            <a:ext cx="3533040" cy="1896840"/>
           </a:xfrm>
           <a:prstGeom prst="rect">
             <a:avLst/>
@@ -3660,18 +3594,15 @@
             <a:normAutofit/>
           </a:bodyPr>
           <a:p>
-            <a:endParaRPr b="1" lang="en-US" sz="2660" spc="-1" strike="noStrike">
-              <a:solidFill>
-                <a:srgbClr val="41c363"/>
-              </a:solidFill>
-              <a:latin typeface="Arial Narrow"/>
-            </a:endParaRPr>
-          </a:p>
-        </p:txBody>
-      </p:sp>
-      <p:sp>
-        <p:nvSpPr>
-          <p:cNvPr id="85" name="PlaceHolder 3"/>
+            <a:endParaRPr b="0" lang="en-US" sz="3200" spc="-1" strike="noStrike">
+              <a:latin typeface="Arial"/>
+            </a:endParaRPr>
+          </a:p>
+        </p:txBody>
+      </p:sp>
+      <p:sp>
+        <p:nvSpPr>
+          <p:cNvPr id="83" name="PlaceHolder 3"/>
           <p:cNvSpPr>
             <a:spLocks noGrp="1"/>
           </p:cNvSpPr>
@@ -3681,8 +3612,8 @@
         </p:nvSpPr>
         <p:spPr>
           <a:xfrm>
-            <a:off x="4129560" y="2084760"/>
-            <a:ext cx="3337920" cy="2014920"/>
+            <a:off x="4319640" y="1604520"/>
+            <a:ext cx="3533040" cy="1896840"/>
           </a:xfrm>
           <a:prstGeom prst="rect">
             <a:avLst/>
@@ -3697,18 +3628,15 @@
             <a:normAutofit/>
           </a:bodyPr>
           <a:p>
-            <a:endParaRPr b="1" lang="en-US" sz="2660" spc="-1" strike="noStrike">
-              <a:solidFill>
-                <a:srgbClr val="41c363"/>
-              </a:solidFill>
-              <a:latin typeface="Arial Narrow"/>
-            </a:endParaRPr>
-          </a:p>
-        </p:txBody>
-      </p:sp>
-      <p:sp>
-        <p:nvSpPr>
-          <p:cNvPr id="86" name="PlaceHolder 4"/>
+            <a:endParaRPr b="0" lang="en-US" sz="3200" spc="-1" strike="noStrike">
+              <a:latin typeface="Arial"/>
+            </a:endParaRPr>
+          </a:p>
+        </p:txBody>
+      </p:sp>
+      <p:sp>
+        <p:nvSpPr>
+          <p:cNvPr id="84" name="PlaceHolder 4"/>
           <p:cNvSpPr>
             <a:spLocks noGrp="1"/>
           </p:cNvSpPr>
@@ -3718,8 +3646,8 @@
         </p:nvSpPr>
         <p:spPr>
           <a:xfrm>
-            <a:off x="7634520" y="2084760"/>
-            <a:ext cx="3337920" cy="2014920"/>
+            <a:off x="8029800" y="1604520"/>
+            <a:ext cx="3533040" cy="1896840"/>
           </a:xfrm>
           <a:prstGeom prst="rect">
             <a:avLst/>
@@ -3734,18 +3662,15 @@
             <a:normAutofit/>
           </a:bodyPr>
           <a:p>
-            <a:endParaRPr b="1" lang="en-US" sz="2660" spc="-1" strike="noStrike">
-              <a:solidFill>
-                <a:srgbClr val="41c363"/>
-              </a:solidFill>
-              <a:latin typeface="Arial Narrow"/>
-            </a:endParaRPr>
-          </a:p>
-        </p:txBody>
-      </p:sp>
-      <p:sp>
-        <p:nvSpPr>
-          <p:cNvPr id="87" name="PlaceHolder 5"/>
+            <a:endParaRPr b="0" lang="en-US" sz="3200" spc="-1" strike="noStrike">
+              <a:latin typeface="Arial"/>
+            </a:endParaRPr>
+          </a:p>
+        </p:txBody>
+      </p:sp>
+      <p:sp>
+        <p:nvSpPr>
+          <p:cNvPr id="85" name="PlaceHolder 5"/>
           <p:cNvSpPr>
             <a:spLocks noGrp="1"/>
           </p:cNvSpPr>
@@ -3755,8 +3680,8 @@
         </p:nvSpPr>
         <p:spPr>
           <a:xfrm>
-            <a:off x="624240" y="4291560"/>
-            <a:ext cx="3337920" cy="2014920"/>
+            <a:off x="609480" y="3682080"/>
+            <a:ext cx="3533040" cy="1896840"/>
           </a:xfrm>
           <a:prstGeom prst="rect">
             <a:avLst/>
@@ -3771,18 +3696,15 @@
             <a:normAutofit/>
           </a:bodyPr>
           <a:p>
-            <a:endParaRPr b="1" lang="en-US" sz="2660" spc="-1" strike="noStrike">
-              <a:solidFill>
-                <a:srgbClr val="41c363"/>
-              </a:solidFill>
-              <a:latin typeface="Arial Narrow"/>
-            </a:endParaRPr>
-          </a:p>
-        </p:txBody>
-      </p:sp>
-      <p:sp>
-        <p:nvSpPr>
-          <p:cNvPr id="88" name="PlaceHolder 6"/>
+            <a:endParaRPr b="0" lang="en-US" sz="3200" spc="-1" strike="noStrike">
+              <a:latin typeface="Arial"/>
+            </a:endParaRPr>
+          </a:p>
+        </p:txBody>
+      </p:sp>
+      <p:sp>
+        <p:nvSpPr>
+          <p:cNvPr id="86" name="PlaceHolder 6"/>
           <p:cNvSpPr>
             <a:spLocks noGrp="1"/>
           </p:cNvSpPr>
@@ -3792,8 +3714,8 @@
         </p:nvSpPr>
         <p:spPr>
           <a:xfrm>
-            <a:off x="4129560" y="4291560"/>
-            <a:ext cx="3337920" cy="2014920"/>
+            <a:off x="4319640" y="3682080"/>
+            <a:ext cx="3533040" cy="1896840"/>
           </a:xfrm>
           <a:prstGeom prst="rect">
             <a:avLst/>
@@ -3808,18 +3730,15 @@
             <a:normAutofit/>
           </a:bodyPr>
           <a:p>
-            <a:endParaRPr b="1" lang="en-US" sz="2660" spc="-1" strike="noStrike">
-              <a:solidFill>
-                <a:srgbClr val="41c363"/>
-              </a:solidFill>
-              <a:latin typeface="Arial Narrow"/>
-            </a:endParaRPr>
-          </a:p>
-        </p:txBody>
-      </p:sp>
-      <p:sp>
-        <p:nvSpPr>
-          <p:cNvPr id="89" name="PlaceHolder 7"/>
+            <a:endParaRPr b="0" lang="en-US" sz="3200" spc="-1" strike="noStrike">
+              <a:latin typeface="Arial"/>
+            </a:endParaRPr>
+          </a:p>
+        </p:txBody>
+      </p:sp>
+      <p:sp>
+        <p:nvSpPr>
+          <p:cNvPr id="87" name="PlaceHolder 7"/>
           <p:cNvSpPr>
             <a:spLocks noGrp="1"/>
           </p:cNvSpPr>
@@ -3829,8 +3748,8 @@
         </p:nvSpPr>
         <p:spPr>
           <a:xfrm>
-            <a:off x="7634520" y="4291560"/>
-            <a:ext cx="3337920" cy="2014920"/>
+            <a:off x="8029800" y="3682080"/>
+            <a:ext cx="3533040" cy="1896840"/>
           </a:xfrm>
           <a:prstGeom prst="rect">
             <a:avLst/>
@@ -3845,11 +3764,8 @@
             <a:normAutofit/>
           </a:bodyPr>
           <a:p>
-            <a:endParaRPr b="1" lang="en-US" sz="2660" spc="-1" strike="noStrike">
-              <a:solidFill>
-                <a:srgbClr val="41c363"/>
-              </a:solidFill>
-              <a:latin typeface="Arial Narrow"/>
+            <a:endParaRPr b="0" lang="en-US" sz="3200" spc="-1" strike="noStrike">
+              <a:latin typeface="Arial"/>
             </a:endParaRPr>
           </a:p>
         </p:txBody>
@@ -3868,7 +3784,7 @@
         <p:txBody>
           <a:bodyPr/>
           <a:p>
-            <a:fld id="{8134BC08-BE35-4348-88C5-DBEF0607678B}" type="slidenum">
+            <a:fld id="{BB1F81F1-82B4-4189-9650-17380680B207}" type="slidenum">
               <a:t>&lt;#&gt;</a:t>
             </a:fld>
           </a:p>
@@ -3910,7 +3826,7 @@
         <p:txBody>
           <a:bodyPr/>
           <a:p>
-            <a:fld id="{83D0C880-3CCE-4928-9577-C92B80022427}" type="slidenum">
+            <a:fld id="{94E8C161-7B9C-4631-81F6-755181A907A3}" type="slidenum">
               <a:t>&lt;#&gt;</a:t>
             </a:fld>
           </a:p>
@@ -3940,7 +3856,7 @@
       </p:grpSpPr>
       <p:sp>
         <p:nvSpPr>
-          <p:cNvPr id="98" name="PlaceHolder 1"/>
+          <p:cNvPr id="95" name="PlaceHolder 1"/>
           <p:cNvSpPr>
             <a:spLocks noGrp="1"/>
           </p:cNvSpPr>
@@ -3950,8 +3866,8 @@
         </p:nvSpPr>
         <p:spPr>
           <a:xfrm>
-            <a:off x="624240" y="357840"/>
-            <a:ext cx="10366920" cy="691200"/>
+            <a:off x="609480" y="273600"/>
+            <a:ext cx="10972440" cy="1144800"/>
           </a:xfrm>
           <a:prstGeom prst="rect">
             <a:avLst/>
@@ -3966,18 +3882,18 @@
             <a:noAutofit/>
           </a:bodyPr>
           <a:p>
-            <a:endParaRPr b="0" lang="en-US" sz="1800" spc="-1" strike="noStrike">
-              <a:solidFill>
-                <a:srgbClr val="000000"/>
-              </a:solidFill>
-              <a:latin typeface="Arial"/>
-            </a:endParaRPr>
-          </a:p>
-        </p:txBody>
-      </p:sp>
-      <p:sp>
-        <p:nvSpPr>
-          <p:cNvPr id="99" name="PlaceHolder 2"/>
+            <a:pPr algn="ctr">
+              <a:buNone/>
+            </a:pPr>
+            <a:endParaRPr b="0" lang="en-US" sz="4400" spc="-1" strike="noStrike">
+              <a:latin typeface="Arial"/>
+            </a:endParaRPr>
+          </a:p>
+        </p:txBody>
+      </p:sp>
+      <p:sp>
+        <p:nvSpPr>
+          <p:cNvPr id="96" name="PlaceHolder 2"/>
           <p:cNvSpPr>
             <a:spLocks noGrp="1"/>
           </p:cNvSpPr>
@@ -3987,8 +3903,8 @@
         </p:nvSpPr>
         <p:spPr>
           <a:xfrm>
-            <a:off x="624240" y="2084760"/>
-            <a:ext cx="10366920" cy="4224600"/>
+            <a:off x="609480" y="1604520"/>
+            <a:ext cx="10972440" cy="3977280"/>
           </a:xfrm>
           <a:prstGeom prst="rect">
             <a:avLst/>
@@ -4026,7 +3942,7 @@
         <p:txBody>
           <a:bodyPr/>
           <a:p>
-            <a:fld id="{4A84ADF1-812B-40FC-8FC2-1E93893774F4}" type="slidenum">
+            <a:fld id="{85D9EAE3-93A1-4007-A91D-6BD5B3ABC1B8}" type="slidenum">
               <a:t>&lt;#&gt;</a:t>
             </a:fld>
           </a:p>
@@ -4056,7 +3972,7 @@
       </p:grpSpPr>
       <p:sp>
         <p:nvSpPr>
-          <p:cNvPr id="100" name="PlaceHolder 1"/>
+          <p:cNvPr id="97" name="PlaceHolder 1"/>
           <p:cNvSpPr>
             <a:spLocks noGrp="1"/>
           </p:cNvSpPr>
@@ -4066,8 +3982,8 @@
         </p:nvSpPr>
         <p:spPr>
           <a:xfrm>
-            <a:off x="624240" y="357840"/>
-            <a:ext cx="10366920" cy="691200"/>
+            <a:off x="609480" y="273600"/>
+            <a:ext cx="10972440" cy="1144800"/>
           </a:xfrm>
           <a:prstGeom prst="rect">
             <a:avLst/>
@@ -4082,18 +3998,18 @@
             <a:noAutofit/>
           </a:bodyPr>
           <a:p>
-            <a:endParaRPr b="0" lang="en-US" sz="1800" spc="-1" strike="noStrike">
-              <a:solidFill>
-                <a:srgbClr val="000000"/>
-              </a:solidFill>
-              <a:latin typeface="Arial"/>
-            </a:endParaRPr>
-          </a:p>
-        </p:txBody>
-      </p:sp>
-      <p:sp>
-        <p:nvSpPr>
-          <p:cNvPr id="101" name="PlaceHolder 2"/>
+            <a:pPr algn="ctr">
+              <a:buNone/>
+            </a:pPr>
+            <a:endParaRPr b="0" lang="en-US" sz="4400" spc="-1" strike="noStrike">
+              <a:latin typeface="Arial"/>
+            </a:endParaRPr>
+          </a:p>
+        </p:txBody>
+      </p:sp>
+      <p:sp>
+        <p:nvSpPr>
+          <p:cNvPr id="98" name="PlaceHolder 2"/>
           <p:cNvSpPr>
             <a:spLocks noGrp="1"/>
           </p:cNvSpPr>
@@ -4103,8 +4019,8 @@
         </p:nvSpPr>
         <p:spPr>
           <a:xfrm>
-            <a:off x="624240" y="2084760"/>
-            <a:ext cx="10366920" cy="4224600"/>
+            <a:off x="609480" y="1604520"/>
+            <a:ext cx="10972440" cy="3977280"/>
           </a:xfrm>
           <a:prstGeom prst="rect">
             <a:avLst/>
@@ -4119,11 +4035,8 @@
             <a:normAutofit/>
           </a:bodyPr>
           <a:p>
-            <a:endParaRPr b="1" lang="en-US" sz="2660" spc="-1" strike="noStrike">
-              <a:solidFill>
-                <a:srgbClr val="41c363"/>
-              </a:solidFill>
-              <a:latin typeface="Arial Narrow"/>
+            <a:endParaRPr b="0" lang="en-US" sz="3200" spc="-1" strike="noStrike">
+              <a:latin typeface="Arial"/>
             </a:endParaRPr>
           </a:p>
         </p:txBody>
@@ -4142,7 +4055,7 @@
         <p:txBody>
           <a:bodyPr/>
           <a:p>
-            <a:fld id="{9C7A1359-46C4-46DE-A346-E32B229E6695}" type="slidenum">
+            <a:fld id="{0D6B021A-1E9D-46D0-918A-594FD9CC53B0}" type="slidenum">
               <a:t>&lt;#&gt;</a:t>
             </a:fld>
           </a:p>
@@ -4172,7 +4085,7 @@
       </p:grpSpPr>
       <p:sp>
         <p:nvSpPr>
-          <p:cNvPr id="102" name="PlaceHolder 1"/>
+          <p:cNvPr id="99" name="PlaceHolder 1"/>
           <p:cNvSpPr>
             <a:spLocks noGrp="1"/>
           </p:cNvSpPr>
@@ -4182,8 +4095,8 @@
         </p:nvSpPr>
         <p:spPr>
           <a:xfrm>
-            <a:off x="624240" y="357840"/>
-            <a:ext cx="10366920" cy="691200"/>
+            <a:off x="609480" y="273600"/>
+            <a:ext cx="10972440" cy="1144800"/>
           </a:xfrm>
           <a:prstGeom prst="rect">
             <a:avLst/>
@@ -4198,18 +4111,18 @@
             <a:noAutofit/>
           </a:bodyPr>
           <a:p>
-            <a:endParaRPr b="0" lang="en-US" sz="1800" spc="-1" strike="noStrike">
-              <a:solidFill>
-                <a:srgbClr val="000000"/>
-              </a:solidFill>
-              <a:latin typeface="Arial"/>
-            </a:endParaRPr>
-          </a:p>
-        </p:txBody>
-      </p:sp>
-      <p:sp>
-        <p:nvSpPr>
-          <p:cNvPr id="103" name="PlaceHolder 2"/>
+            <a:pPr algn="ctr">
+              <a:buNone/>
+            </a:pPr>
+            <a:endParaRPr b="0" lang="en-US" sz="4400" spc="-1" strike="noStrike">
+              <a:latin typeface="Arial"/>
+            </a:endParaRPr>
+          </a:p>
+        </p:txBody>
+      </p:sp>
+      <p:sp>
+        <p:nvSpPr>
+          <p:cNvPr id="100" name="PlaceHolder 2"/>
           <p:cNvSpPr>
             <a:spLocks noGrp="1"/>
           </p:cNvSpPr>
@@ -4219,8 +4132,8 @@
         </p:nvSpPr>
         <p:spPr>
           <a:xfrm>
-            <a:off x="624240" y="2084760"/>
-            <a:ext cx="5058720" cy="4224600"/>
+            <a:off x="609480" y="1604520"/>
+            <a:ext cx="5354280" cy="3977280"/>
           </a:xfrm>
           <a:prstGeom prst="rect">
             <a:avLst/>
@@ -4235,18 +4148,15 @@
             <a:normAutofit/>
           </a:bodyPr>
           <a:p>
-            <a:endParaRPr b="1" lang="en-US" sz="2660" spc="-1" strike="noStrike">
-              <a:solidFill>
-                <a:srgbClr val="41c363"/>
-              </a:solidFill>
-              <a:latin typeface="Arial Narrow"/>
-            </a:endParaRPr>
-          </a:p>
-        </p:txBody>
-      </p:sp>
-      <p:sp>
-        <p:nvSpPr>
-          <p:cNvPr id="104" name="PlaceHolder 3"/>
+            <a:endParaRPr b="0" lang="en-US" sz="3200" spc="-1" strike="noStrike">
+              <a:latin typeface="Arial"/>
+            </a:endParaRPr>
+          </a:p>
+        </p:txBody>
+      </p:sp>
+      <p:sp>
+        <p:nvSpPr>
+          <p:cNvPr id="101" name="PlaceHolder 3"/>
           <p:cNvSpPr>
             <a:spLocks noGrp="1"/>
           </p:cNvSpPr>
@@ -4256,8 +4166,8 @@
         </p:nvSpPr>
         <p:spPr>
           <a:xfrm>
-            <a:off x="5936400" y="2084760"/>
-            <a:ext cx="5058720" cy="4224600"/>
+            <a:off x="6231960" y="1604520"/>
+            <a:ext cx="5354280" cy="3977280"/>
           </a:xfrm>
           <a:prstGeom prst="rect">
             <a:avLst/>
@@ -4272,11 +4182,8 @@
             <a:normAutofit/>
           </a:bodyPr>
           <a:p>
-            <a:endParaRPr b="1" lang="en-US" sz="2660" spc="-1" strike="noStrike">
-              <a:solidFill>
-                <a:srgbClr val="41c363"/>
-              </a:solidFill>
-              <a:latin typeface="Arial Narrow"/>
+            <a:endParaRPr b="0" lang="en-US" sz="3200" spc="-1" strike="noStrike">
+              <a:latin typeface="Arial"/>
             </a:endParaRPr>
           </a:p>
         </p:txBody>
@@ -4295,7 +4202,7 @@
         <p:txBody>
           <a:bodyPr/>
           <a:p>
-            <a:fld id="{E7ABCCD4-C029-475C-8168-C8DA562A1921}" type="slidenum">
+            <a:fld id="{F3AF9918-ABE3-40DB-9FD5-7C841BD29058}" type="slidenum">
               <a:t>&lt;#&gt;</a:t>
             </a:fld>
           </a:p>
@@ -4325,7 +4232,7 @@
       </p:grpSpPr>
       <p:sp>
         <p:nvSpPr>
-          <p:cNvPr id="105" name="PlaceHolder 1"/>
+          <p:cNvPr id="102" name="PlaceHolder 1"/>
           <p:cNvSpPr>
             <a:spLocks noGrp="1"/>
           </p:cNvSpPr>
@@ -4335,8 +4242,8 @@
         </p:nvSpPr>
         <p:spPr>
           <a:xfrm>
-            <a:off x="624240" y="357840"/>
-            <a:ext cx="10366920" cy="691200"/>
+            <a:off x="609480" y="273600"/>
+            <a:ext cx="10972440" cy="1144800"/>
           </a:xfrm>
           <a:prstGeom prst="rect">
             <a:avLst/>
@@ -4351,10 +4258,10 @@
             <a:noAutofit/>
           </a:bodyPr>
           <a:p>
-            <a:endParaRPr b="0" lang="en-US" sz="1800" spc="-1" strike="noStrike">
-              <a:solidFill>
-                <a:srgbClr val="000000"/>
-              </a:solidFill>
+            <a:pPr algn="ctr">
+              <a:buNone/>
+            </a:pPr>
+            <a:endParaRPr b="0" lang="en-US" sz="4400" spc="-1" strike="noStrike">
               <a:latin typeface="Arial"/>
             </a:endParaRPr>
           </a:p>
@@ -4374,7 +4281,7 @@
         <p:txBody>
           <a:bodyPr/>
           <a:p>
-            <a:fld id="{E0B7EB05-9F9A-4311-A50A-1CEFBD064940}" type="slidenum">
+            <a:fld id="{452E1FFE-3555-46B0-B70F-7343B54B222F}" type="slidenum">
               <a:t>&lt;#&gt;</a:t>
             </a:fld>
           </a:p>
@@ -4404,7 +4311,7 @@
       </p:grpSpPr>
       <p:sp>
         <p:nvSpPr>
-          <p:cNvPr id="13" name="PlaceHolder 1"/>
+          <p:cNvPr id="11" name="PlaceHolder 1"/>
           <p:cNvSpPr>
             <a:spLocks noGrp="1"/>
           </p:cNvSpPr>
@@ -4414,8 +4321,8 @@
         </p:nvSpPr>
         <p:spPr>
           <a:xfrm>
-            <a:off x="624240" y="357840"/>
-            <a:ext cx="10366920" cy="691200"/>
+            <a:off x="609480" y="273600"/>
+            <a:ext cx="10972440" cy="1144800"/>
           </a:xfrm>
           <a:prstGeom prst="rect">
             <a:avLst/>
@@ -4430,18 +4337,18 @@
             <a:noAutofit/>
           </a:bodyPr>
           <a:p>
-            <a:endParaRPr b="0" lang="en-US" sz="1800" spc="-1" strike="noStrike">
-              <a:solidFill>
-                <a:srgbClr val="000000"/>
-              </a:solidFill>
-              <a:latin typeface="Arial"/>
-            </a:endParaRPr>
-          </a:p>
-        </p:txBody>
-      </p:sp>
-      <p:sp>
-        <p:nvSpPr>
-          <p:cNvPr id="14" name="PlaceHolder 2"/>
+            <a:pPr algn="ctr">
+              <a:buNone/>
+            </a:pPr>
+            <a:endParaRPr b="0" lang="en-US" sz="4400" spc="-1" strike="noStrike">
+              <a:latin typeface="Arial"/>
+            </a:endParaRPr>
+          </a:p>
+        </p:txBody>
+      </p:sp>
+      <p:sp>
+        <p:nvSpPr>
+          <p:cNvPr id="12" name="PlaceHolder 2"/>
           <p:cNvSpPr>
             <a:spLocks noGrp="1"/>
           </p:cNvSpPr>
@@ -4451,8 +4358,8 @@
         </p:nvSpPr>
         <p:spPr>
           <a:xfrm>
-            <a:off x="624240" y="2084760"/>
-            <a:ext cx="10366920" cy="4224600"/>
+            <a:off x="609480" y="1604520"/>
+            <a:ext cx="10972440" cy="3977280"/>
           </a:xfrm>
           <a:prstGeom prst="rect">
             <a:avLst/>
@@ -4467,11 +4374,8 @@
             <a:normAutofit/>
           </a:bodyPr>
           <a:p>
-            <a:endParaRPr b="1" lang="en-US" sz="2660" spc="-1" strike="noStrike">
-              <a:solidFill>
-                <a:srgbClr val="41c363"/>
-              </a:solidFill>
-              <a:latin typeface="Arial Narrow"/>
+            <a:endParaRPr b="0" lang="en-US" sz="3200" spc="-1" strike="noStrike">
+              <a:latin typeface="Arial"/>
             </a:endParaRPr>
           </a:p>
         </p:txBody>
@@ -4500,7 +4404,7 @@
       </p:grpSpPr>
       <p:sp>
         <p:nvSpPr>
-          <p:cNvPr id="106" name="PlaceHolder 1"/>
+          <p:cNvPr id="103" name="PlaceHolder 1"/>
           <p:cNvSpPr>
             <a:spLocks noGrp="1"/>
           </p:cNvSpPr>
@@ -4510,8 +4414,8 @@
         </p:nvSpPr>
         <p:spPr>
           <a:xfrm>
-            <a:off x="624240" y="357840"/>
-            <a:ext cx="10366920" cy="3205440"/>
+            <a:off x="609480" y="273600"/>
+            <a:ext cx="10972440" cy="5307840"/>
           </a:xfrm>
           <a:prstGeom prst="rect">
             <a:avLst/>
@@ -4549,7 +4453,7 @@
         <p:txBody>
           <a:bodyPr/>
           <a:p>
-            <a:fld id="{BE80B2E3-69B4-483B-AF72-DCB4376E4D9B}" type="slidenum">
+            <a:fld id="{3893B6D8-56B8-4095-A6D6-D4BD9004CFF0}" type="slidenum">
               <a:t>&lt;#&gt;</a:t>
             </a:fld>
           </a:p>
@@ -4579,7 +4483,7 @@
       </p:grpSpPr>
       <p:sp>
         <p:nvSpPr>
-          <p:cNvPr id="107" name="PlaceHolder 1"/>
+          <p:cNvPr id="104" name="PlaceHolder 1"/>
           <p:cNvSpPr>
             <a:spLocks noGrp="1"/>
           </p:cNvSpPr>
@@ -4589,8 +4493,8 @@
         </p:nvSpPr>
         <p:spPr>
           <a:xfrm>
-            <a:off x="624240" y="357840"/>
-            <a:ext cx="10366920" cy="691200"/>
+            <a:off x="609480" y="273600"/>
+            <a:ext cx="10972440" cy="1144800"/>
           </a:xfrm>
           <a:prstGeom prst="rect">
             <a:avLst/>
@@ -4605,18 +4509,18 @@
             <a:noAutofit/>
           </a:bodyPr>
           <a:p>
-            <a:endParaRPr b="0" lang="en-US" sz="1800" spc="-1" strike="noStrike">
-              <a:solidFill>
-                <a:srgbClr val="000000"/>
-              </a:solidFill>
-              <a:latin typeface="Arial"/>
-            </a:endParaRPr>
-          </a:p>
-        </p:txBody>
-      </p:sp>
-      <p:sp>
-        <p:nvSpPr>
-          <p:cNvPr id="108" name="PlaceHolder 2"/>
+            <a:pPr algn="ctr">
+              <a:buNone/>
+            </a:pPr>
+            <a:endParaRPr b="0" lang="en-US" sz="4400" spc="-1" strike="noStrike">
+              <a:latin typeface="Arial"/>
+            </a:endParaRPr>
+          </a:p>
+        </p:txBody>
+      </p:sp>
+      <p:sp>
+        <p:nvSpPr>
+          <p:cNvPr id="105" name="PlaceHolder 2"/>
           <p:cNvSpPr>
             <a:spLocks noGrp="1"/>
           </p:cNvSpPr>
@@ -4626,8 +4530,8 @@
         </p:nvSpPr>
         <p:spPr>
           <a:xfrm>
-            <a:off x="624240" y="2084760"/>
-            <a:ext cx="5058720" cy="2014920"/>
+            <a:off x="609480" y="1604520"/>
+            <a:ext cx="5354280" cy="1896840"/>
           </a:xfrm>
           <a:prstGeom prst="rect">
             <a:avLst/>
@@ -4642,18 +4546,15 @@
             <a:normAutofit/>
           </a:bodyPr>
           <a:p>
-            <a:endParaRPr b="1" lang="en-US" sz="2660" spc="-1" strike="noStrike">
-              <a:solidFill>
-                <a:srgbClr val="41c363"/>
-              </a:solidFill>
-              <a:latin typeface="Arial Narrow"/>
-            </a:endParaRPr>
-          </a:p>
-        </p:txBody>
-      </p:sp>
-      <p:sp>
-        <p:nvSpPr>
-          <p:cNvPr id="109" name="PlaceHolder 3"/>
+            <a:endParaRPr b="0" lang="en-US" sz="3200" spc="-1" strike="noStrike">
+              <a:latin typeface="Arial"/>
+            </a:endParaRPr>
+          </a:p>
+        </p:txBody>
+      </p:sp>
+      <p:sp>
+        <p:nvSpPr>
+          <p:cNvPr id="106" name="PlaceHolder 3"/>
           <p:cNvSpPr>
             <a:spLocks noGrp="1"/>
           </p:cNvSpPr>
@@ -4663,8 +4564,8 @@
         </p:nvSpPr>
         <p:spPr>
           <a:xfrm>
-            <a:off x="5936400" y="2084760"/>
-            <a:ext cx="5058720" cy="4224600"/>
+            <a:off x="6231960" y="1604520"/>
+            <a:ext cx="5354280" cy="3977280"/>
           </a:xfrm>
           <a:prstGeom prst="rect">
             <a:avLst/>
@@ -4679,18 +4580,15 @@
             <a:normAutofit/>
           </a:bodyPr>
           <a:p>
-            <a:endParaRPr b="1" lang="en-US" sz="2660" spc="-1" strike="noStrike">
-              <a:solidFill>
-                <a:srgbClr val="41c363"/>
-              </a:solidFill>
-              <a:latin typeface="Arial Narrow"/>
-            </a:endParaRPr>
-          </a:p>
-        </p:txBody>
-      </p:sp>
-      <p:sp>
-        <p:nvSpPr>
-          <p:cNvPr id="110" name="PlaceHolder 4"/>
+            <a:endParaRPr b="0" lang="en-US" sz="3200" spc="-1" strike="noStrike">
+              <a:latin typeface="Arial"/>
+            </a:endParaRPr>
+          </a:p>
+        </p:txBody>
+      </p:sp>
+      <p:sp>
+        <p:nvSpPr>
+          <p:cNvPr id="107" name="PlaceHolder 4"/>
           <p:cNvSpPr>
             <a:spLocks noGrp="1"/>
           </p:cNvSpPr>
@@ -4700,8 +4598,8 @@
         </p:nvSpPr>
         <p:spPr>
           <a:xfrm>
-            <a:off x="624240" y="4291560"/>
-            <a:ext cx="5058720" cy="2014920"/>
+            <a:off x="609480" y="3682080"/>
+            <a:ext cx="5354280" cy="1896840"/>
           </a:xfrm>
           <a:prstGeom prst="rect">
             <a:avLst/>
@@ -4716,11 +4614,8 @@
             <a:normAutofit/>
           </a:bodyPr>
           <a:p>
-            <a:endParaRPr b="1" lang="en-US" sz="2660" spc="-1" strike="noStrike">
-              <a:solidFill>
-                <a:srgbClr val="41c363"/>
-              </a:solidFill>
-              <a:latin typeface="Arial Narrow"/>
+            <a:endParaRPr b="0" lang="en-US" sz="3200" spc="-1" strike="noStrike">
+              <a:latin typeface="Arial"/>
             </a:endParaRPr>
           </a:p>
         </p:txBody>
@@ -4739,7 +4634,7 @@
         <p:txBody>
           <a:bodyPr/>
           <a:p>
-            <a:fld id="{C6B6369C-4D53-4FEF-8F40-6C90CB5E0EDD}" type="slidenum">
+            <a:fld id="{E5E6AC49-AF92-40A9-B3A1-A70DDE20D3A0}" type="slidenum">
               <a:t>&lt;#&gt;</a:t>
             </a:fld>
           </a:p>
@@ -4769,7 +4664,7 @@
       </p:grpSpPr>
       <p:sp>
         <p:nvSpPr>
-          <p:cNvPr id="111" name="PlaceHolder 1"/>
+          <p:cNvPr id="108" name="PlaceHolder 1"/>
           <p:cNvSpPr>
             <a:spLocks noGrp="1"/>
           </p:cNvSpPr>
@@ -4779,8 +4674,8 @@
         </p:nvSpPr>
         <p:spPr>
           <a:xfrm>
-            <a:off x="624240" y="357840"/>
-            <a:ext cx="10366920" cy="691200"/>
+            <a:off x="609480" y="273600"/>
+            <a:ext cx="10972440" cy="1144800"/>
           </a:xfrm>
           <a:prstGeom prst="rect">
             <a:avLst/>
@@ -4795,18 +4690,18 @@
             <a:noAutofit/>
           </a:bodyPr>
           <a:p>
-            <a:endParaRPr b="0" lang="en-US" sz="1800" spc="-1" strike="noStrike">
-              <a:solidFill>
-                <a:srgbClr val="000000"/>
-              </a:solidFill>
-              <a:latin typeface="Arial"/>
-            </a:endParaRPr>
-          </a:p>
-        </p:txBody>
-      </p:sp>
-      <p:sp>
-        <p:nvSpPr>
-          <p:cNvPr id="112" name="PlaceHolder 2"/>
+            <a:pPr algn="ctr">
+              <a:buNone/>
+            </a:pPr>
+            <a:endParaRPr b="0" lang="en-US" sz="4400" spc="-1" strike="noStrike">
+              <a:latin typeface="Arial"/>
+            </a:endParaRPr>
+          </a:p>
+        </p:txBody>
+      </p:sp>
+      <p:sp>
+        <p:nvSpPr>
+          <p:cNvPr id="109" name="PlaceHolder 2"/>
           <p:cNvSpPr>
             <a:spLocks noGrp="1"/>
           </p:cNvSpPr>
@@ -4816,8 +4711,8 @@
         </p:nvSpPr>
         <p:spPr>
           <a:xfrm>
-            <a:off x="624240" y="2084760"/>
-            <a:ext cx="5058720" cy="4224600"/>
+            <a:off x="609480" y="1604520"/>
+            <a:ext cx="5354280" cy="3977280"/>
           </a:xfrm>
           <a:prstGeom prst="rect">
             <a:avLst/>
@@ -4832,18 +4727,15 @@
             <a:normAutofit/>
           </a:bodyPr>
           <a:p>
-            <a:endParaRPr b="1" lang="en-US" sz="2660" spc="-1" strike="noStrike">
-              <a:solidFill>
-                <a:srgbClr val="41c363"/>
-              </a:solidFill>
-              <a:latin typeface="Arial Narrow"/>
-            </a:endParaRPr>
-          </a:p>
-        </p:txBody>
-      </p:sp>
-      <p:sp>
-        <p:nvSpPr>
-          <p:cNvPr id="113" name="PlaceHolder 3"/>
+            <a:endParaRPr b="0" lang="en-US" sz="3200" spc="-1" strike="noStrike">
+              <a:latin typeface="Arial"/>
+            </a:endParaRPr>
+          </a:p>
+        </p:txBody>
+      </p:sp>
+      <p:sp>
+        <p:nvSpPr>
+          <p:cNvPr id="110" name="PlaceHolder 3"/>
           <p:cNvSpPr>
             <a:spLocks noGrp="1"/>
           </p:cNvSpPr>
@@ -4853,8 +4745,8 @@
         </p:nvSpPr>
         <p:spPr>
           <a:xfrm>
-            <a:off x="5936400" y="2084760"/>
-            <a:ext cx="5058720" cy="2014920"/>
+            <a:off x="6231960" y="1604520"/>
+            <a:ext cx="5354280" cy="1896840"/>
           </a:xfrm>
           <a:prstGeom prst="rect">
             <a:avLst/>
@@ -4869,18 +4761,15 @@
             <a:normAutofit/>
           </a:bodyPr>
           <a:p>
-            <a:endParaRPr b="1" lang="en-US" sz="2660" spc="-1" strike="noStrike">
-              <a:solidFill>
-                <a:srgbClr val="41c363"/>
-              </a:solidFill>
-              <a:latin typeface="Arial Narrow"/>
-            </a:endParaRPr>
-          </a:p>
-        </p:txBody>
-      </p:sp>
-      <p:sp>
-        <p:nvSpPr>
-          <p:cNvPr id="114" name="PlaceHolder 4"/>
+            <a:endParaRPr b="0" lang="en-US" sz="3200" spc="-1" strike="noStrike">
+              <a:latin typeface="Arial"/>
+            </a:endParaRPr>
+          </a:p>
+        </p:txBody>
+      </p:sp>
+      <p:sp>
+        <p:nvSpPr>
+          <p:cNvPr id="111" name="PlaceHolder 4"/>
           <p:cNvSpPr>
             <a:spLocks noGrp="1"/>
           </p:cNvSpPr>
@@ -4890,8 +4779,8 @@
         </p:nvSpPr>
         <p:spPr>
           <a:xfrm>
-            <a:off x="5936400" y="4291560"/>
-            <a:ext cx="5058720" cy="2014920"/>
+            <a:off x="6231960" y="3682080"/>
+            <a:ext cx="5354280" cy="1896840"/>
           </a:xfrm>
           <a:prstGeom prst="rect">
             <a:avLst/>
@@ -4906,11 +4795,8 @@
             <a:normAutofit/>
           </a:bodyPr>
           <a:p>
-            <a:endParaRPr b="1" lang="en-US" sz="2660" spc="-1" strike="noStrike">
-              <a:solidFill>
-                <a:srgbClr val="41c363"/>
-              </a:solidFill>
-              <a:latin typeface="Arial Narrow"/>
+            <a:endParaRPr b="0" lang="en-US" sz="3200" spc="-1" strike="noStrike">
+              <a:latin typeface="Arial"/>
             </a:endParaRPr>
           </a:p>
         </p:txBody>
@@ -4929,7 +4815,7 @@
         <p:txBody>
           <a:bodyPr/>
           <a:p>
-            <a:fld id="{BBBD1249-11B9-4BC9-86A5-3FE2BF2761D9}" type="slidenum">
+            <a:fld id="{D095F953-944E-4593-8EF8-60F784AAF089}" type="slidenum">
               <a:t>&lt;#&gt;</a:t>
             </a:fld>
           </a:p>
@@ -4959,7 +4845,7 @@
       </p:grpSpPr>
       <p:sp>
         <p:nvSpPr>
-          <p:cNvPr id="115" name="PlaceHolder 1"/>
+          <p:cNvPr id="112" name="PlaceHolder 1"/>
           <p:cNvSpPr>
             <a:spLocks noGrp="1"/>
           </p:cNvSpPr>
@@ -4969,8 +4855,8 @@
         </p:nvSpPr>
         <p:spPr>
           <a:xfrm>
-            <a:off x="624240" y="357840"/>
-            <a:ext cx="10366920" cy="691200"/>
+            <a:off x="609480" y="273600"/>
+            <a:ext cx="10972440" cy="1144800"/>
           </a:xfrm>
           <a:prstGeom prst="rect">
             <a:avLst/>
@@ -4985,18 +4871,18 @@
             <a:noAutofit/>
           </a:bodyPr>
           <a:p>
-            <a:endParaRPr b="0" lang="en-US" sz="1800" spc="-1" strike="noStrike">
-              <a:solidFill>
-                <a:srgbClr val="000000"/>
-              </a:solidFill>
-              <a:latin typeface="Arial"/>
-            </a:endParaRPr>
-          </a:p>
-        </p:txBody>
-      </p:sp>
-      <p:sp>
-        <p:nvSpPr>
-          <p:cNvPr id="116" name="PlaceHolder 2"/>
+            <a:pPr algn="ctr">
+              <a:buNone/>
+            </a:pPr>
+            <a:endParaRPr b="0" lang="en-US" sz="4400" spc="-1" strike="noStrike">
+              <a:latin typeface="Arial"/>
+            </a:endParaRPr>
+          </a:p>
+        </p:txBody>
+      </p:sp>
+      <p:sp>
+        <p:nvSpPr>
+          <p:cNvPr id="113" name="PlaceHolder 2"/>
           <p:cNvSpPr>
             <a:spLocks noGrp="1"/>
           </p:cNvSpPr>
@@ -5006,8 +4892,8 @@
         </p:nvSpPr>
         <p:spPr>
           <a:xfrm>
-            <a:off x="624240" y="2084760"/>
-            <a:ext cx="5058720" cy="2014920"/>
+            <a:off x="609480" y="1604520"/>
+            <a:ext cx="5354280" cy="1896840"/>
           </a:xfrm>
           <a:prstGeom prst="rect">
             <a:avLst/>
@@ -5022,18 +4908,15 @@
             <a:normAutofit/>
           </a:bodyPr>
           <a:p>
-            <a:endParaRPr b="1" lang="en-US" sz="2660" spc="-1" strike="noStrike">
-              <a:solidFill>
-                <a:srgbClr val="41c363"/>
-              </a:solidFill>
-              <a:latin typeface="Arial Narrow"/>
-            </a:endParaRPr>
-          </a:p>
-        </p:txBody>
-      </p:sp>
-      <p:sp>
-        <p:nvSpPr>
-          <p:cNvPr id="117" name="PlaceHolder 3"/>
+            <a:endParaRPr b="0" lang="en-US" sz="3200" spc="-1" strike="noStrike">
+              <a:latin typeface="Arial"/>
+            </a:endParaRPr>
+          </a:p>
+        </p:txBody>
+      </p:sp>
+      <p:sp>
+        <p:nvSpPr>
+          <p:cNvPr id="114" name="PlaceHolder 3"/>
           <p:cNvSpPr>
             <a:spLocks noGrp="1"/>
           </p:cNvSpPr>
@@ -5043,8 +4926,8 @@
         </p:nvSpPr>
         <p:spPr>
           <a:xfrm>
-            <a:off x="5936400" y="2084760"/>
-            <a:ext cx="5058720" cy="2014920"/>
+            <a:off x="6231960" y="1604520"/>
+            <a:ext cx="5354280" cy="1896840"/>
           </a:xfrm>
           <a:prstGeom prst="rect">
             <a:avLst/>
@@ -5059,18 +4942,15 @@
             <a:normAutofit/>
           </a:bodyPr>
           <a:p>
-            <a:endParaRPr b="1" lang="en-US" sz="2660" spc="-1" strike="noStrike">
-              <a:solidFill>
-                <a:srgbClr val="41c363"/>
-              </a:solidFill>
-              <a:latin typeface="Arial Narrow"/>
-            </a:endParaRPr>
-          </a:p>
-        </p:txBody>
-      </p:sp>
-      <p:sp>
-        <p:nvSpPr>
-          <p:cNvPr id="118" name="PlaceHolder 4"/>
+            <a:endParaRPr b="0" lang="en-US" sz="3200" spc="-1" strike="noStrike">
+              <a:latin typeface="Arial"/>
+            </a:endParaRPr>
+          </a:p>
+        </p:txBody>
+      </p:sp>
+      <p:sp>
+        <p:nvSpPr>
+          <p:cNvPr id="115" name="PlaceHolder 4"/>
           <p:cNvSpPr>
             <a:spLocks noGrp="1"/>
           </p:cNvSpPr>
@@ -5080,8 +4960,8 @@
         </p:nvSpPr>
         <p:spPr>
           <a:xfrm>
-            <a:off x="624240" y="4291560"/>
-            <a:ext cx="10366920" cy="2014920"/>
+            <a:off x="609480" y="3682080"/>
+            <a:ext cx="10972440" cy="1896840"/>
           </a:xfrm>
           <a:prstGeom prst="rect">
             <a:avLst/>
@@ -5096,11 +4976,8 @@
             <a:normAutofit/>
           </a:bodyPr>
           <a:p>
-            <a:endParaRPr b="1" lang="en-US" sz="2660" spc="-1" strike="noStrike">
-              <a:solidFill>
-                <a:srgbClr val="41c363"/>
-              </a:solidFill>
-              <a:latin typeface="Arial Narrow"/>
+            <a:endParaRPr b="0" lang="en-US" sz="3200" spc="-1" strike="noStrike">
+              <a:latin typeface="Arial"/>
             </a:endParaRPr>
           </a:p>
         </p:txBody>
@@ -5119,7 +4996,7 @@
         <p:txBody>
           <a:bodyPr/>
           <a:p>
-            <a:fld id="{36D5144F-D9EB-4C0F-8FA4-25544D9D1584}" type="slidenum">
+            <a:fld id="{FC2CAB69-9D7E-4EF7-BA03-D5FE774C0D37}" type="slidenum">
               <a:t>&lt;#&gt;</a:t>
             </a:fld>
           </a:p>
@@ -5149,7 +5026,7 @@
       </p:grpSpPr>
       <p:sp>
         <p:nvSpPr>
-          <p:cNvPr id="119" name="PlaceHolder 1"/>
+          <p:cNvPr id="116" name="PlaceHolder 1"/>
           <p:cNvSpPr>
             <a:spLocks noGrp="1"/>
           </p:cNvSpPr>
@@ -5159,8 +5036,8 @@
         </p:nvSpPr>
         <p:spPr>
           <a:xfrm>
-            <a:off x="624240" y="357840"/>
-            <a:ext cx="10366920" cy="691200"/>
+            <a:off x="609480" y="273600"/>
+            <a:ext cx="10972440" cy="1144800"/>
           </a:xfrm>
           <a:prstGeom prst="rect">
             <a:avLst/>
@@ -5175,18 +5052,18 @@
             <a:noAutofit/>
           </a:bodyPr>
           <a:p>
-            <a:endParaRPr b="0" lang="en-US" sz="1800" spc="-1" strike="noStrike">
-              <a:solidFill>
-                <a:srgbClr val="000000"/>
-              </a:solidFill>
-              <a:latin typeface="Arial"/>
-            </a:endParaRPr>
-          </a:p>
-        </p:txBody>
-      </p:sp>
-      <p:sp>
-        <p:nvSpPr>
-          <p:cNvPr id="120" name="PlaceHolder 2"/>
+            <a:pPr algn="ctr">
+              <a:buNone/>
+            </a:pPr>
+            <a:endParaRPr b="0" lang="en-US" sz="4400" spc="-1" strike="noStrike">
+              <a:latin typeface="Arial"/>
+            </a:endParaRPr>
+          </a:p>
+        </p:txBody>
+      </p:sp>
+      <p:sp>
+        <p:nvSpPr>
+          <p:cNvPr id="117" name="PlaceHolder 2"/>
           <p:cNvSpPr>
             <a:spLocks noGrp="1"/>
           </p:cNvSpPr>
@@ -5196,8 +5073,8 @@
         </p:nvSpPr>
         <p:spPr>
           <a:xfrm>
-            <a:off x="624240" y="2084760"/>
-            <a:ext cx="10366920" cy="2014920"/>
+            <a:off x="609480" y="1604520"/>
+            <a:ext cx="10972440" cy="1896840"/>
           </a:xfrm>
           <a:prstGeom prst="rect">
             <a:avLst/>
@@ -5212,18 +5089,15 @@
             <a:normAutofit/>
           </a:bodyPr>
           <a:p>
-            <a:endParaRPr b="1" lang="en-US" sz="2660" spc="-1" strike="noStrike">
-              <a:solidFill>
-                <a:srgbClr val="41c363"/>
-              </a:solidFill>
-              <a:latin typeface="Arial Narrow"/>
-            </a:endParaRPr>
-          </a:p>
-        </p:txBody>
-      </p:sp>
-      <p:sp>
-        <p:nvSpPr>
-          <p:cNvPr id="121" name="PlaceHolder 3"/>
+            <a:endParaRPr b="0" lang="en-US" sz="3200" spc="-1" strike="noStrike">
+              <a:latin typeface="Arial"/>
+            </a:endParaRPr>
+          </a:p>
+        </p:txBody>
+      </p:sp>
+      <p:sp>
+        <p:nvSpPr>
+          <p:cNvPr id="118" name="PlaceHolder 3"/>
           <p:cNvSpPr>
             <a:spLocks noGrp="1"/>
           </p:cNvSpPr>
@@ -5233,8 +5107,8 @@
         </p:nvSpPr>
         <p:spPr>
           <a:xfrm>
-            <a:off x="624240" y="4291560"/>
-            <a:ext cx="10366920" cy="2014920"/>
+            <a:off x="609480" y="3682080"/>
+            <a:ext cx="10972440" cy="1896840"/>
           </a:xfrm>
           <a:prstGeom prst="rect">
             <a:avLst/>
@@ -5249,11 +5123,8 @@
             <a:normAutofit/>
           </a:bodyPr>
           <a:p>
-            <a:endParaRPr b="1" lang="en-US" sz="2660" spc="-1" strike="noStrike">
-              <a:solidFill>
-                <a:srgbClr val="41c363"/>
-              </a:solidFill>
-              <a:latin typeface="Arial Narrow"/>
+            <a:endParaRPr b="0" lang="en-US" sz="3200" spc="-1" strike="noStrike">
+              <a:latin typeface="Arial"/>
             </a:endParaRPr>
           </a:p>
         </p:txBody>
@@ -5272,7 +5143,7 @@
         <p:txBody>
           <a:bodyPr/>
           <a:p>
-            <a:fld id="{AA6A0838-2FB3-483F-B04D-6B525305BF7E}" type="slidenum">
+            <a:fld id="{98CDA063-674E-4405-A147-2438E7A0AA03}" type="slidenum">
               <a:t>&lt;#&gt;</a:t>
             </a:fld>
           </a:p>
@@ -5302,7 +5173,7 @@
       </p:grpSpPr>
       <p:sp>
         <p:nvSpPr>
-          <p:cNvPr id="122" name="PlaceHolder 1"/>
+          <p:cNvPr id="119" name="PlaceHolder 1"/>
           <p:cNvSpPr>
             <a:spLocks noGrp="1"/>
           </p:cNvSpPr>
@@ -5312,8 +5183,8 @@
         </p:nvSpPr>
         <p:spPr>
           <a:xfrm>
-            <a:off x="624240" y="357840"/>
-            <a:ext cx="10366920" cy="691200"/>
+            <a:off x="609480" y="273600"/>
+            <a:ext cx="10972440" cy="1144800"/>
           </a:xfrm>
           <a:prstGeom prst="rect">
             <a:avLst/>
@@ -5328,18 +5199,18 @@
             <a:noAutofit/>
           </a:bodyPr>
           <a:p>
-            <a:endParaRPr b="0" lang="en-US" sz="1800" spc="-1" strike="noStrike">
-              <a:solidFill>
-                <a:srgbClr val="000000"/>
-              </a:solidFill>
-              <a:latin typeface="Arial"/>
-            </a:endParaRPr>
-          </a:p>
-        </p:txBody>
-      </p:sp>
-      <p:sp>
-        <p:nvSpPr>
-          <p:cNvPr id="123" name="PlaceHolder 2"/>
+            <a:pPr algn="ctr">
+              <a:buNone/>
+            </a:pPr>
+            <a:endParaRPr b="0" lang="en-US" sz="4400" spc="-1" strike="noStrike">
+              <a:latin typeface="Arial"/>
+            </a:endParaRPr>
+          </a:p>
+        </p:txBody>
+      </p:sp>
+      <p:sp>
+        <p:nvSpPr>
+          <p:cNvPr id="120" name="PlaceHolder 2"/>
           <p:cNvSpPr>
             <a:spLocks noGrp="1"/>
           </p:cNvSpPr>
@@ -5349,8 +5220,8 @@
         </p:nvSpPr>
         <p:spPr>
           <a:xfrm>
-            <a:off x="624240" y="2084760"/>
-            <a:ext cx="5058720" cy="2014920"/>
+            <a:off x="609480" y="1604520"/>
+            <a:ext cx="5354280" cy="1896840"/>
           </a:xfrm>
           <a:prstGeom prst="rect">
             <a:avLst/>
@@ -5365,18 +5236,15 @@
             <a:normAutofit/>
           </a:bodyPr>
           <a:p>
-            <a:endParaRPr b="1" lang="en-US" sz="2660" spc="-1" strike="noStrike">
-              <a:solidFill>
-                <a:srgbClr val="41c363"/>
-              </a:solidFill>
-              <a:latin typeface="Arial Narrow"/>
-            </a:endParaRPr>
-          </a:p>
-        </p:txBody>
-      </p:sp>
-      <p:sp>
-        <p:nvSpPr>
-          <p:cNvPr id="124" name="PlaceHolder 3"/>
+            <a:endParaRPr b="0" lang="en-US" sz="3200" spc="-1" strike="noStrike">
+              <a:latin typeface="Arial"/>
+            </a:endParaRPr>
+          </a:p>
+        </p:txBody>
+      </p:sp>
+      <p:sp>
+        <p:nvSpPr>
+          <p:cNvPr id="121" name="PlaceHolder 3"/>
           <p:cNvSpPr>
             <a:spLocks noGrp="1"/>
           </p:cNvSpPr>
@@ -5386,8 +5254,8 @@
         </p:nvSpPr>
         <p:spPr>
           <a:xfrm>
-            <a:off x="5936400" y="2084760"/>
-            <a:ext cx="5058720" cy="2014920"/>
+            <a:off x="6231960" y="1604520"/>
+            <a:ext cx="5354280" cy="1896840"/>
           </a:xfrm>
           <a:prstGeom prst="rect">
             <a:avLst/>
@@ -5402,18 +5270,15 @@
             <a:normAutofit/>
           </a:bodyPr>
           <a:p>
-            <a:endParaRPr b="1" lang="en-US" sz="2660" spc="-1" strike="noStrike">
-              <a:solidFill>
-                <a:srgbClr val="41c363"/>
-              </a:solidFill>
-              <a:latin typeface="Arial Narrow"/>
-            </a:endParaRPr>
-          </a:p>
-        </p:txBody>
-      </p:sp>
-      <p:sp>
-        <p:nvSpPr>
-          <p:cNvPr id="125" name="PlaceHolder 4"/>
+            <a:endParaRPr b="0" lang="en-US" sz="3200" spc="-1" strike="noStrike">
+              <a:latin typeface="Arial"/>
+            </a:endParaRPr>
+          </a:p>
+        </p:txBody>
+      </p:sp>
+      <p:sp>
+        <p:nvSpPr>
+          <p:cNvPr id="122" name="PlaceHolder 4"/>
           <p:cNvSpPr>
             <a:spLocks noGrp="1"/>
           </p:cNvSpPr>
@@ -5423,8 +5288,8 @@
         </p:nvSpPr>
         <p:spPr>
           <a:xfrm>
-            <a:off x="624240" y="4291560"/>
-            <a:ext cx="5058720" cy="2014920"/>
+            <a:off x="609480" y="3682080"/>
+            <a:ext cx="5354280" cy="1896840"/>
           </a:xfrm>
           <a:prstGeom prst="rect">
             <a:avLst/>
@@ -5439,18 +5304,15 @@
             <a:normAutofit/>
           </a:bodyPr>
           <a:p>
-            <a:endParaRPr b="1" lang="en-US" sz="2660" spc="-1" strike="noStrike">
-              <a:solidFill>
-                <a:srgbClr val="41c363"/>
-              </a:solidFill>
-              <a:latin typeface="Arial Narrow"/>
-            </a:endParaRPr>
-          </a:p>
-        </p:txBody>
-      </p:sp>
-      <p:sp>
-        <p:nvSpPr>
-          <p:cNvPr id="126" name="PlaceHolder 5"/>
+            <a:endParaRPr b="0" lang="en-US" sz="3200" spc="-1" strike="noStrike">
+              <a:latin typeface="Arial"/>
+            </a:endParaRPr>
+          </a:p>
+        </p:txBody>
+      </p:sp>
+      <p:sp>
+        <p:nvSpPr>
+          <p:cNvPr id="123" name="PlaceHolder 5"/>
           <p:cNvSpPr>
             <a:spLocks noGrp="1"/>
           </p:cNvSpPr>
@@ -5460,8 +5322,8 @@
         </p:nvSpPr>
         <p:spPr>
           <a:xfrm>
-            <a:off x="5936400" y="4291560"/>
-            <a:ext cx="5058720" cy="2014920"/>
+            <a:off x="6231960" y="3682080"/>
+            <a:ext cx="5354280" cy="1896840"/>
           </a:xfrm>
           <a:prstGeom prst="rect">
             <a:avLst/>
@@ -5476,11 +5338,8 @@
             <a:normAutofit/>
           </a:bodyPr>
           <a:p>
-            <a:endParaRPr b="1" lang="en-US" sz="2660" spc="-1" strike="noStrike">
-              <a:solidFill>
-                <a:srgbClr val="41c363"/>
-              </a:solidFill>
-              <a:latin typeface="Arial Narrow"/>
+            <a:endParaRPr b="0" lang="en-US" sz="3200" spc="-1" strike="noStrike">
+              <a:latin typeface="Arial"/>
             </a:endParaRPr>
           </a:p>
         </p:txBody>
@@ -5499,7 +5358,7 @@
         <p:txBody>
           <a:bodyPr/>
           <a:p>
-            <a:fld id="{8B63ED5A-BE55-4911-A747-1AF771C9D0C5}" type="slidenum">
+            <a:fld id="{470E4C53-F8BC-44CD-A31A-6A56A9557687}" type="slidenum">
               <a:t>&lt;#&gt;</a:t>
             </a:fld>
           </a:p>
@@ -5529,7 +5388,7 @@
       </p:grpSpPr>
       <p:sp>
         <p:nvSpPr>
-          <p:cNvPr id="127" name="PlaceHolder 1"/>
+          <p:cNvPr id="124" name="PlaceHolder 1"/>
           <p:cNvSpPr>
             <a:spLocks noGrp="1"/>
           </p:cNvSpPr>
@@ -5539,8 +5398,8 @@
         </p:nvSpPr>
         <p:spPr>
           <a:xfrm>
-            <a:off x="624240" y="357840"/>
-            <a:ext cx="10366920" cy="691200"/>
+            <a:off x="609480" y="273600"/>
+            <a:ext cx="10972440" cy="1144800"/>
           </a:xfrm>
           <a:prstGeom prst="rect">
             <a:avLst/>
@@ -5555,18 +5414,18 @@
             <a:noAutofit/>
           </a:bodyPr>
           <a:p>
-            <a:endParaRPr b="0" lang="en-US" sz="1800" spc="-1" strike="noStrike">
-              <a:solidFill>
-                <a:srgbClr val="000000"/>
-              </a:solidFill>
-              <a:latin typeface="Arial"/>
-            </a:endParaRPr>
-          </a:p>
-        </p:txBody>
-      </p:sp>
-      <p:sp>
-        <p:nvSpPr>
-          <p:cNvPr id="128" name="PlaceHolder 2"/>
+            <a:pPr algn="ctr">
+              <a:buNone/>
+            </a:pPr>
+            <a:endParaRPr b="0" lang="en-US" sz="4400" spc="-1" strike="noStrike">
+              <a:latin typeface="Arial"/>
+            </a:endParaRPr>
+          </a:p>
+        </p:txBody>
+      </p:sp>
+      <p:sp>
+        <p:nvSpPr>
+          <p:cNvPr id="125" name="PlaceHolder 2"/>
           <p:cNvSpPr>
             <a:spLocks noGrp="1"/>
           </p:cNvSpPr>
@@ -5576,8 +5435,8 @@
         </p:nvSpPr>
         <p:spPr>
           <a:xfrm>
-            <a:off x="624240" y="2084760"/>
-            <a:ext cx="3337920" cy="2014920"/>
+            <a:off x="609480" y="1604520"/>
+            <a:ext cx="3533040" cy="1896840"/>
           </a:xfrm>
           <a:prstGeom prst="rect">
             <a:avLst/>
@@ -5592,18 +5451,15 @@
             <a:normAutofit/>
           </a:bodyPr>
           <a:p>
-            <a:endParaRPr b="1" lang="en-US" sz="2660" spc="-1" strike="noStrike">
-              <a:solidFill>
-                <a:srgbClr val="41c363"/>
-              </a:solidFill>
-              <a:latin typeface="Arial Narrow"/>
-            </a:endParaRPr>
-          </a:p>
-        </p:txBody>
-      </p:sp>
-      <p:sp>
-        <p:nvSpPr>
-          <p:cNvPr id="129" name="PlaceHolder 3"/>
+            <a:endParaRPr b="0" lang="en-US" sz="3200" spc="-1" strike="noStrike">
+              <a:latin typeface="Arial"/>
+            </a:endParaRPr>
+          </a:p>
+        </p:txBody>
+      </p:sp>
+      <p:sp>
+        <p:nvSpPr>
+          <p:cNvPr id="126" name="PlaceHolder 3"/>
           <p:cNvSpPr>
             <a:spLocks noGrp="1"/>
           </p:cNvSpPr>
@@ -5613,8 +5469,8 @@
         </p:nvSpPr>
         <p:spPr>
           <a:xfrm>
-            <a:off x="4129560" y="2084760"/>
-            <a:ext cx="3337920" cy="2014920"/>
+            <a:off x="4319640" y="1604520"/>
+            <a:ext cx="3533040" cy="1896840"/>
           </a:xfrm>
           <a:prstGeom prst="rect">
             <a:avLst/>
@@ -5629,18 +5485,15 @@
             <a:normAutofit/>
           </a:bodyPr>
           <a:p>
-            <a:endParaRPr b="1" lang="en-US" sz="2660" spc="-1" strike="noStrike">
-              <a:solidFill>
-                <a:srgbClr val="41c363"/>
-              </a:solidFill>
-              <a:latin typeface="Arial Narrow"/>
-            </a:endParaRPr>
-          </a:p>
-        </p:txBody>
-      </p:sp>
-      <p:sp>
-        <p:nvSpPr>
-          <p:cNvPr id="130" name="PlaceHolder 4"/>
+            <a:endParaRPr b="0" lang="en-US" sz="3200" spc="-1" strike="noStrike">
+              <a:latin typeface="Arial"/>
+            </a:endParaRPr>
+          </a:p>
+        </p:txBody>
+      </p:sp>
+      <p:sp>
+        <p:nvSpPr>
+          <p:cNvPr id="127" name="PlaceHolder 4"/>
           <p:cNvSpPr>
             <a:spLocks noGrp="1"/>
           </p:cNvSpPr>
@@ -5650,8 +5503,8 @@
         </p:nvSpPr>
         <p:spPr>
           <a:xfrm>
-            <a:off x="7634520" y="2084760"/>
-            <a:ext cx="3337920" cy="2014920"/>
+            <a:off x="8029800" y="1604520"/>
+            <a:ext cx="3533040" cy="1896840"/>
           </a:xfrm>
           <a:prstGeom prst="rect">
             <a:avLst/>
@@ -5666,18 +5519,15 @@
             <a:normAutofit/>
           </a:bodyPr>
           <a:p>
-            <a:endParaRPr b="1" lang="en-US" sz="2660" spc="-1" strike="noStrike">
-              <a:solidFill>
-                <a:srgbClr val="41c363"/>
-              </a:solidFill>
-              <a:latin typeface="Arial Narrow"/>
-            </a:endParaRPr>
-          </a:p>
-        </p:txBody>
-      </p:sp>
-      <p:sp>
-        <p:nvSpPr>
-          <p:cNvPr id="131" name="PlaceHolder 5"/>
+            <a:endParaRPr b="0" lang="en-US" sz="3200" spc="-1" strike="noStrike">
+              <a:latin typeface="Arial"/>
+            </a:endParaRPr>
+          </a:p>
+        </p:txBody>
+      </p:sp>
+      <p:sp>
+        <p:nvSpPr>
+          <p:cNvPr id="128" name="PlaceHolder 5"/>
           <p:cNvSpPr>
             <a:spLocks noGrp="1"/>
           </p:cNvSpPr>
@@ -5687,8 +5537,8 @@
         </p:nvSpPr>
         <p:spPr>
           <a:xfrm>
-            <a:off x="624240" y="4291560"/>
-            <a:ext cx="3337920" cy="2014920"/>
+            <a:off x="609480" y="3682080"/>
+            <a:ext cx="3533040" cy="1896840"/>
           </a:xfrm>
           <a:prstGeom prst="rect">
             <a:avLst/>
@@ -5703,18 +5553,15 @@
             <a:normAutofit/>
           </a:bodyPr>
           <a:p>
-            <a:endParaRPr b="1" lang="en-US" sz="2660" spc="-1" strike="noStrike">
-              <a:solidFill>
-                <a:srgbClr val="41c363"/>
-              </a:solidFill>
-              <a:latin typeface="Arial Narrow"/>
-            </a:endParaRPr>
-          </a:p>
-        </p:txBody>
-      </p:sp>
-      <p:sp>
-        <p:nvSpPr>
-          <p:cNvPr id="132" name="PlaceHolder 6"/>
+            <a:endParaRPr b="0" lang="en-US" sz="3200" spc="-1" strike="noStrike">
+              <a:latin typeface="Arial"/>
+            </a:endParaRPr>
+          </a:p>
+        </p:txBody>
+      </p:sp>
+      <p:sp>
+        <p:nvSpPr>
+          <p:cNvPr id="129" name="PlaceHolder 6"/>
           <p:cNvSpPr>
             <a:spLocks noGrp="1"/>
           </p:cNvSpPr>
@@ -5724,8 +5571,8 @@
         </p:nvSpPr>
         <p:spPr>
           <a:xfrm>
-            <a:off x="4129560" y="4291560"/>
-            <a:ext cx="3337920" cy="2014920"/>
+            <a:off x="4319640" y="3682080"/>
+            <a:ext cx="3533040" cy="1896840"/>
           </a:xfrm>
           <a:prstGeom prst="rect">
             <a:avLst/>
@@ -5740,18 +5587,15 @@
             <a:normAutofit/>
           </a:bodyPr>
           <a:p>
-            <a:endParaRPr b="1" lang="en-US" sz="2660" spc="-1" strike="noStrike">
-              <a:solidFill>
-                <a:srgbClr val="41c363"/>
-              </a:solidFill>
-              <a:latin typeface="Arial Narrow"/>
-            </a:endParaRPr>
-          </a:p>
-        </p:txBody>
-      </p:sp>
-      <p:sp>
-        <p:nvSpPr>
-          <p:cNvPr id="133" name="PlaceHolder 7"/>
+            <a:endParaRPr b="0" lang="en-US" sz="3200" spc="-1" strike="noStrike">
+              <a:latin typeface="Arial"/>
+            </a:endParaRPr>
+          </a:p>
+        </p:txBody>
+      </p:sp>
+      <p:sp>
+        <p:nvSpPr>
+          <p:cNvPr id="130" name="PlaceHolder 7"/>
           <p:cNvSpPr>
             <a:spLocks noGrp="1"/>
           </p:cNvSpPr>
@@ -5761,8 +5605,8 @@
         </p:nvSpPr>
         <p:spPr>
           <a:xfrm>
-            <a:off x="7634520" y="4291560"/>
-            <a:ext cx="3337920" cy="2014920"/>
+            <a:off x="8029800" y="3682080"/>
+            <a:ext cx="3533040" cy="1896840"/>
           </a:xfrm>
           <a:prstGeom prst="rect">
             <a:avLst/>
@@ -5777,11 +5621,8 @@
             <a:normAutofit/>
           </a:bodyPr>
           <a:p>
-            <a:endParaRPr b="1" lang="en-US" sz="2660" spc="-1" strike="noStrike">
-              <a:solidFill>
-                <a:srgbClr val="41c363"/>
-              </a:solidFill>
-              <a:latin typeface="Arial Narrow"/>
+            <a:endParaRPr b="0" lang="en-US" sz="3200" spc="-1" strike="noStrike">
+              <a:latin typeface="Arial"/>
             </a:endParaRPr>
           </a:p>
         </p:txBody>
@@ -5800,7 +5641,7 @@
         <p:txBody>
           <a:bodyPr/>
           <a:p>
-            <a:fld id="{58858BE0-A359-4D79-B4E9-B7F8E1439694}" type="slidenum">
+            <a:fld id="{9C050E27-EF0F-4AA6-A7FD-7DEE619CD18F}" type="slidenum">
               <a:t>&lt;#&gt;</a:t>
             </a:fld>
           </a:p>
@@ -5830,7 +5671,7 @@
       </p:grpSpPr>
       <p:sp>
         <p:nvSpPr>
-          <p:cNvPr id="15" name="PlaceHolder 1"/>
+          <p:cNvPr id="13" name="PlaceHolder 1"/>
           <p:cNvSpPr>
             <a:spLocks noGrp="1"/>
           </p:cNvSpPr>
@@ -5840,8 +5681,8 @@
         </p:nvSpPr>
         <p:spPr>
           <a:xfrm>
-            <a:off x="624240" y="357840"/>
-            <a:ext cx="10366920" cy="691200"/>
+            <a:off x="609480" y="273600"/>
+            <a:ext cx="10972440" cy="1144800"/>
           </a:xfrm>
           <a:prstGeom prst="rect">
             <a:avLst/>
@@ -5856,18 +5697,18 @@
             <a:noAutofit/>
           </a:bodyPr>
           <a:p>
-            <a:endParaRPr b="0" lang="en-US" sz="1800" spc="-1" strike="noStrike">
-              <a:solidFill>
-                <a:srgbClr val="000000"/>
-              </a:solidFill>
-              <a:latin typeface="Arial"/>
-            </a:endParaRPr>
-          </a:p>
-        </p:txBody>
-      </p:sp>
-      <p:sp>
-        <p:nvSpPr>
-          <p:cNvPr id="16" name="PlaceHolder 2"/>
+            <a:pPr algn="ctr">
+              <a:buNone/>
+            </a:pPr>
+            <a:endParaRPr b="0" lang="en-US" sz="4400" spc="-1" strike="noStrike">
+              <a:latin typeface="Arial"/>
+            </a:endParaRPr>
+          </a:p>
+        </p:txBody>
+      </p:sp>
+      <p:sp>
+        <p:nvSpPr>
+          <p:cNvPr id="14" name="PlaceHolder 2"/>
           <p:cNvSpPr>
             <a:spLocks noGrp="1"/>
           </p:cNvSpPr>
@@ -5877,8 +5718,8 @@
         </p:nvSpPr>
         <p:spPr>
           <a:xfrm>
-            <a:off x="624240" y="2084760"/>
-            <a:ext cx="5058720" cy="4224600"/>
+            <a:off x="609480" y="1604520"/>
+            <a:ext cx="5354280" cy="3977280"/>
           </a:xfrm>
           <a:prstGeom prst="rect">
             <a:avLst/>
@@ -5893,18 +5734,15 @@
             <a:normAutofit/>
           </a:bodyPr>
           <a:p>
-            <a:endParaRPr b="1" lang="en-US" sz="2660" spc="-1" strike="noStrike">
-              <a:solidFill>
-                <a:srgbClr val="41c363"/>
-              </a:solidFill>
-              <a:latin typeface="Arial Narrow"/>
-            </a:endParaRPr>
-          </a:p>
-        </p:txBody>
-      </p:sp>
-      <p:sp>
-        <p:nvSpPr>
-          <p:cNvPr id="17" name="PlaceHolder 3"/>
+            <a:endParaRPr b="0" lang="en-US" sz="3200" spc="-1" strike="noStrike">
+              <a:latin typeface="Arial"/>
+            </a:endParaRPr>
+          </a:p>
+        </p:txBody>
+      </p:sp>
+      <p:sp>
+        <p:nvSpPr>
+          <p:cNvPr id="15" name="PlaceHolder 3"/>
           <p:cNvSpPr>
             <a:spLocks noGrp="1"/>
           </p:cNvSpPr>
@@ -5914,8 +5752,8 @@
         </p:nvSpPr>
         <p:spPr>
           <a:xfrm>
-            <a:off x="5936400" y="2084760"/>
-            <a:ext cx="5058720" cy="4224600"/>
+            <a:off x="6231960" y="1604520"/>
+            <a:ext cx="5354280" cy="3977280"/>
           </a:xfrm>
           <a:prstGeom prst="rect">
             <a:avLst/>
@@ -5930,11 +5768,8 @@
             <a:normAutofit/>
           </a:bodyPr>
           <a:p>
-            <a:endParaRPr b="1" lang="en-US" sz="2660" spc="-1" strike="noStrike">
-              <a:solidFill>
-                <a:srgbClr val="41c363"/>
-              </a:solidFill>
-              <a:latin typeface="Arial Narrow"/>
+            <a:endParaRPr b="0" lang="en-US" sz="3200" spc="-1" strike="noStrike">
+              <a:latin typeface="Arial"/>
             </a:endParaRPr>
           </a:p>
         </p:txBody>
@@ -5963,7 +5798,7 @@
       </p:grpSpPr>
       <p:sp>
         <p:nvSpPr>
-          <p:cNvPr id="18" name="PlaceHolder 1"/>
+          <p:cNvPr id="16" name="PlaceHolder 1"/>
           <p:cNvSpPr>
             <a:spLocks noGrp="1"/>
           </p:cNvSpPr>
@@ -5973,8 +5808,8 @@
         </p:nvSpPr>
         <p:spPr>
           <a:xfrm>
-            <a:off x="624240" y="357840"/>
-            <a:ext cx="10366920" cy="691200"/>
+            <a:off x="609480" y="273600"/>
+            <a:ext cx="10972440" cy="1144800"/>
           </a:xfrm>
           <a:prstGeom prst="rect">
             <a:avLst/>
@@ -5989,10 +5824,10 @@
             <a:noAutofit/>
           </a:bodyPr>
           <a:p>
-            <a:endParaRPr b="0" lang="en-US" sz="1800" spc="-1" strike="noStrike">
-              <a:solidFill>
-                <a:srgbClr val="000000"/>
-              </a:solidFill>
+            <a:pPr algn="ctr">
+              <a:buNone/>
+            </a:pPr>
+            <a:endParaRPr b="0" lang="en-US" sz="4400" spc="-1" strike="noStrike">
               <a:latin typeface="Arial"/>
             </a:endParaRPr>
           </a:p>
@@ -6022,7 +5857,7 @@
       </p:grpSpPr>
       <p:sp>
         <p:nvSpPr>
-          <p:cNvPr id="19" name="PlaceHolder 1"/>
+          <p:cNvPr id="17" name="PlaceHolder 1"/>
           <p:cNvSpPr>
             <a:spLocks noGrp="1"/>
           </p:cNvSpPr>
@@ -6032,8 +5867,8 @@
         </p:nvSpPr>
         <p:spPr>
           <a:xfrm>
-            <a:off x="624240" y="357840"/>
-            <a:ext cx="10366920" cy="3205440"/>
+            <a:off x="609480" y="273600"/>
+            <a:ext cx="10972440" cy="5307840"/>
           </a:xfrm>
           <a:prstGeom prst="rect">
             <a:avLst/>
@@ -6081,7 +5916,7 @@
       </p:grpSpPr>
       <p:sp>
         <p:nvSpPr>
-          <p:cNvPr id="20" name="PlaceHolder 1"/>
+          <p:cNvPr id="18" name="PlaceHolder 1"/>
           <p:cNvSpPr>
             <a:spLocks noGrp="1"/>
           </p:cNvSpPr>
@@ -6091,8 +5926,8 @@
         </p:nvSpPr>
         <p:spPr>
           <a:xfrm>
-            <a:off x="624240" y="357840"/>
-            <a:ext cx="10366920" cy="691200"/>
+            <a:off x="609480" y="273600"/>
+            <a:ext cx="10972440" cy="1144800"/>
           </a:xfrm>
           <a:prstGeom prst="rect">
             <a:avLst/>
@@ -6107,18 +5942,18 @@
             <a:noAutofit/>
           </a:bodyPr>
           <a:p>
-            <a:endParaRPr b="0" lang="en-US" sz="1800" spc="-1" strike="noStrike">
-              <a:solidFill>
-                <a:srgbClr val="000000"/>
-              </a:solidFill>
-              <a:latin typeface="Arial"/>
-            </a:endParaRPr>
-          </a:p>
-        </p:txBody>
-      </p:sp>
-      <p:sp>
-        <p:nvSpPr>
-          <p:cNvPr id="21" name="PlaceHolder 2"/>
+            <a:pPr algn="ctr">
+              <a:buNone/>
+            </a:pPr>
+            <a:endParaRPr b="0" lang="en-US" sz="4400" spc="-1" strike="noStrike">
+              <a:latin typeface="Arial"/>
+            </a:endParaRPr>
+          </a:p>
+        </p:txBody>
+      </p:sp>
+      <p:sp>
+        <p:nvSpPr>
+          <p:cNvPr id="19" name="PlaceHolder 2"/>
           <p:cNvSpPr>
             <a:spLocks noGrp="1"/>
           </p:cNvSpPr>
@@ -6128,8 +5963,8 @@
         </p:nvSpPr>
         <p:spPr>
           <a:xfrm>
-            <a:off x="624240" y="2084760"/>
-            <a:ext cx="5058720" cy="2014920"/>
+            <a:off x="609480" y="1604520"/>
+            <a:ext cx="5354280" cy="1896840"/>
           </a:xfrm>
           <a:prstGeom prst="rect">
             <a:avLst/>
@@ -6144,18 +5979,15 @@
             <a:normAutofit/>
           </a:bodyPr>
           <a:p>
-            <a:endParaRPr b="1" lang="en-US" sz="2660" spc="-1" strike="noStrike">
-              <a:solidFill>
-                <a:srgbClr val="41c363"/>
-              </a:solidFill>
-              <a:latin typeface="Arial Narrow"/>
-            </a:endParaRPr>
-          </a:p>
-        </p:txBody>
-      </p:sp>
-      <p:sp>
-        <p:nvSpPr>
-          <p:cNvPr id="22" name="PlaceHolder 3"/>
+            <a:endParaRPr b="0" lang="en-US" sz="3200" spc="-1" strike="noStrike">
+              <a:latin typeface="Arial"/>
+            </a:endParaRPr>
+          </a:p>
+        </p:txBody>
+      </p:sp>
+      <p:sp>
+        <p:nvSpPr>
+          <p:cNvPr id="20" name="PlaceHolder 3"/>
           <p:cNvSpPr>
             <a:spLocks noGrp="1"/>
           </p:cNvSpPr>
@@ -6165,8 +5997,8 @@
         </p:nvSpPr>
         <p:spPr>
           <a:xfrm>
-            <a:off x="5936400" y="2084760"/>
-            <a:ext cx="5058720" cy="4224600"/>
+            <a:off x="6231960" y="1604520"/>
+            <a:ext cx="5354280" cy="3977280"/>
           </a:xfrm>
           <a:prstGeom prst="rect">
             <a:avLst/>
@@ -6181,18 +6013,15 @@
             <a:normAutofit/>
           </a:bodyPr>
           <a:p>
-            <a:endParaRPr b="1" lang="en-US" sz="2660" spc="-1" strike="noStrike">
-              <a:solidFill>
-                <a:srgbClr val="41c363"/>
-              </a:solidFill>
-              <a:latin typeface="Arial Narrow"/>
-            </a:endParaRPr>
-          </a:p>
-        </p:txBody>
-      </p:sp>
-      <p:sp>
-        <p:nvSpPr>
-          <p:cNvPr id="23" name="PlaceHolder 4"/>
+            <a:endParaRPr b="0" lang="en-US" sz="3200" spc="-1" strike="noStrike">
+              <a:latin typeface="Arial"/>
+            </a:endParaRPr>
+          </a:p>
+        </p:txBody>
+      </p:sp>
+      <p:sp>
+        <p:nvSpPr>
+          <p:cNvPr id="21" name="PlaceHolder 4"/>
           <p:cNvSpPr>
             <a:spLocks noGrp="1"/>
           </p:cNvSpPr>
@@ -6202,8 +6031,8 @@
         </p:nvSpPr>
         <p:spPr>
           <a:xfrm>
-            <a:off x="624240" y="4291560"/>
-            <a:ext cx="5058720" cy="2014920"/>
+            <a:off x="609480" y="3682080"/>
+            <a:ext cx="5354280" cy="1896840"/>
           </a:xfrm>
           <a:prstGeom prst="rect">
             <a:avLst/>
@@ -6218,11 +6047,8 @@
             <a:normAutofit/>
           </a:bodyPr>
           <a:p>
-            <a:endParaRPr b="1" lang="en-US" sz="2660" spc="-1" strike="noStrike">
-              <a:solidFill>
-                <a:srgbClr val="41c363"/>
-              </a:solidFill>
-              <a:latin typeface="Arial Narrow"/>
+            <a:endParaRPr b="0" lang="en-US" sz="3200" spc="-1" strike="noStrike">
+              <a:latin typeface="Arial"/>
             </a:endParaRPr>
           </a:p>
         </p:txBody>
@@ -6251,7 +6077,7 @@
       </p:grpSpPr>
       <p:sp>
         <p:nvSpPr>
-          <p:cNvPr id="24" name="PlaceHolder 1"/>
+          <p:cNvPr id="22" name="PlaceHolder 1"/>
           <p:cNvSpPr>
             <a:spLocks noGrp="1"/>
           </p:cNvSpPr>
@@ -6261,8 +6087,8 @@
         </p:nvSpPr>
         <p:spPr>
           <a:xfrm>
-            <a:off x="624240" y="357840"/>
-            <a:ext cx="10366920" cy="691200"/>
+            <a:off x="609480" y="273600"/>
+            <a:ext cx="10972440" cy="1144800"/>
           </a:xfrm>
           <a:prstGeom prst="rect">
             <a:avLst/>
@@ -6277,18 +6103,18 @@
             <a:noAutofit/>
           </a:bodyPr>
           <a:p>
-            <a:endParaRPr b="0" lang="en-US" sz="1800" spc="-1" strike="noStrike">
-              <a:solidFill>
-                <a:srgbClr val="000000"/>
-              </a:solidFill>
-              <a:latin typeface="Arial"/>
-            </a:endParaRPr>
-          </a:p>
-        </p:txBody>
-      </p:sp>
-      <p:sp>
-        <p:nvSpPr>
-          <p:cNvPr id="25" name="PlaceHolder 2"/>
+            <a:pPr algn="ctr">
+              <a:buNone/>
+            </a:pPr>
+            <a:endParaRPr b="0" lang="en-US" sz="4400" spc="-1" strike="noStrike">
+              <a:latin typeface="Arial"/>
+            </a:endParaRPr>
+          </a:p>
+        </p:txBody>
+      </p:sp>
+      <p:sp>
+        <p:nvSpPr>
+          <p:cNvPr id="23" name="PlaceHolder 2"/>
           <p:cNvSpPr>
             <a:spLocks noGrp="1"/>
           </p:cNvSpPr>
@@ -6298,8 +6124,8 @@
         </p:nvSpPr>
         <p:spPr>
           <a:xfrm>
-            <a:off x="624240" y="2084760"/>
-            <a:ext cx="5058720" cy="4224600"/>
+            <a:off x="609480" y="1604520"/>
+            <a:ext cx="5354280" cy="3977280"/>
           </a:xfrm>
           <a:prstGeom prst="rect">
             <a:avLst/>
@@ -6314,18 +6140,15 @@
             <a:normAutofit/>
           </a:bodyPr>
           <a:p>
-            <a:endParaRPr b="1" lang="en-US" sz="2660" spc="-1" strike="noStrike">
-              <a:solidFill>
-                <a:srgbClr val="41c363"/>
-              </a:solidFill>
-              <a:latin typeface="Arial Narrow"/>
-            </a:endParaRPr>
-          </a:p>
-        </p:txBody>
-      </p:sp>
-      <p:sp>
-        <p:nvSpPr>
-          <p:cNvPr id="26" name="PlaceHolder 3"/>
+            <a:endParaRPr b="0" lang="en-US" sz="3200" spc="-1" strike="noStrike">
+              <a:latin typeface="Arial"/>
+            </a:endParaRPr>
+          </a:p>
+        </p:txBody>
+      </p:sp>
+      <p:sp>
+        <p:nvSpPr>
+          <p:cNvPr id="24" name="PlaceHolder 3"/>
           <p:cNvSpPr>
             <a:spLocks noGrp="1"/>
           </p:cNvSpPr>
@@ -6335,8 +6158,8 @@
         </p:nvSpPr>
         <p:spPr>
           <a:xfrm>
-            <a:off x="5936400" y="2084760"/>
-            <a:ext cx="5058720" cy="2014920"/>
+            <a:off x="6231960" y="1604520"/>
+            <a:ext cx="5354280" cy="1896840"/>
           </a:xfrm>
           <a:prstGeom prst="rect">
             <a:avLst/>
@@ -6351,18 +6174,15 @@
             <a:normAutofit/>
           </a:bodyPr>
           <a:p>
-            <a:endParaRPr b="1" lang="en-US" sz="2660" spc="-1" strike="noStrike">
-              <a:solidFill>
-                <a:srgbClr val="41c363"/>
-              </a:solidFill>
-              <a:latin typeface="Arial Narrow"/>
-            </a:endParaRPr>
-          </a:p>
-        </p:txBody>
-      </p:sp>
-      <p:sp>
-        <p:nvSpPr>
-          <p:cNvPr id="27" name="PlaceHolder 4"/>
+            <a:endParaRPr b="0" lang="en-US" sz="3200" spc="-1" strike="noStrike">
+              <a:latin typeface="Arial"/>
+            </a:endParaRPr>
+          </a:p>
+        </p:txBody>
+      </p:sp>
+      <p:sp>
+        <p:nvSpPr>
+          <p:cNvPr id="25" name="PlaceHolder 4"/>
           <p:cNvSpPr>
             <a:spLocks noGrp="1"/>
           </p:cNvSpPr>
@@ -6372,8 +6192,8 @@
         </p:nvSpPr>
         <p:spPr>
           <a:xfrm>
-            <a:off x="5936400" y="4291560"/>
-            <a:ext cx="5058720" cy="2014920"/>
+            <a:off x="6231960" y="3682080"/>
+            <a:ext cx="5354280" cy="1896840"/>
           </a:xfrm>
           <a:prstGeom prst="rect">
             <a:avLst/>
@@ -6388,11 +6208,8 @@
             <a:normAutofit/>
           </a:bodyPr>
           <a:p>
-            <a:endParaRPr b="1" lang="en-US" sz="2660" spc="-1" strike="noStrike">
-              <a:solidFill>
-                <a:srgbClr val="41c363"/>
-              </a:solidFill>
-              <a:latin typeface="Arial Narrow"/>
+            <a:endParaRPr b="0" lang="en-US" sz="3200" spc="-1" strike="noStrike">
+              <a:latin typeface="Arial"/>
             </a:endParaRPr>
           </a:p>
         </p:txBody>
@@ -6421,7 +6238,7 @@
       </p:grpSpPr>
       <p:sp>
         <p:nvSpPr>
-          <p:cNvPr id="28" name="PlaceHolder 1"/>
+          <p:cNvPr id="26" name="PlaceHolder 1"/>
           <p:cNvSpPr>
             <a:spLocks noGrp="1"/>
           </p:cNvSpPr>
@@ -6431,8 +6248,8 @@
         </p:nvSpPr>
         <p:spPr>
           <a:xfrm>
-            <a:off x="624240" y="357840"/>
-            <a:ext cx="10366920" cy="691200"/>
+            <a:off x="609480" y="273600"/>
+            <a:ext cx="10972440" cy="1144800"/>
           </a:xfrm>
           <a:prstGeom prst="rect">
             <a:avLst/>
@@ -6447,18 +6264,18 @@
             <a:noAutofit/>
           </a:bodyPr>
           <a:p>
-            <a:endParaRPr b="0" lang="en-US" sz="1800" spc="-1" strike="noStrike">
-              <a:solidFill>
-                <a:srgbClr val="000000"/>
-              </a:solidFill>
-              <a:latin typeface="Arial"/>
-            </a:endParaRPr>
-          </a:p>
-        </p:txBody>
-      </p:sp>
-      <p:sp>
-        <p:nvSpPr>
-          <p:cNvPr id="29" name="PlaceHolder 2"/>
+            <a:pPr algn="ctr">
+              <a:buNone/>
+            </a:pPr>
+            <a:endParaRPr b="0" lang="en-US" sz="4400" spc="-1" strike="noStrike">
+              <a:latin typeface="Arial"/>
+            </a:endParaRPr>
+          </a:p>
+        </p:txBody>
+      </p:sp>
+      <p:sp>
+        <p:nvSpPr>
+          <p:cNvPr id="27" name="PlaceHolder 2"/>
           <p:cNvSpPr>
             <a:spLocks noGrp="1"/>
           </p:cNvSpPr>
@@ -6468,8 +6285,8 @@
         </p:nvSpPr>
         <p:spPr>
           <a:xfrm>
-            <a:off x="624240" y="2084760"/>
-            <a:ext cx="5058720" cy="2014920"/>
+            <a:off x="609480" y="1604520"/>
+            <a:ext cx="5354280" cy="1896840"/>
           </a:xfrm>
           <a:prstGeom prst="rect">
             <a:avLst/>
@@ -6484,18 +6301,15 @@
             <a:normAutofit/>
           </a:bodyPr>
           <a:p>
-            <a:endParaRPr b="1" lang="en-US" sz="2660" spc="-1" strike="noStrike">
-              <a:solidFill>
-                <a:srgbClr val="41c363"/>
-              </a:solidFill>
-              <a:latin typeface="Arial Narrow"/>
-            </a:endParaRPr>
-          </a:p>
-        </p:txBody>
-      </p:sp>
-      <p:sp>
-        <p:nvSpPr>
-          <p:cNvPr id="30" name="PlaceHolder 3"/>
+            <a:endParaRPr b="0" lang="en-US" sz="3200" spc="-1" strike="noStrike">
+              <a:latin typeface="Arial"/>
+            </a:endParaRPr>
+          </a:p>
+        </p:txBody>
+      </p:sp>
+      <p:sp>
+        <p:nvSpPr>
+          <p:cNvPr id="28" name="PlaceHolder 3"/>
           <p:cNvSpPr>
             <a:spLocks noGrp="1"/>
           </p:cNvSpPr>
@@ -6505,8 +6319,8 @@
         </p:nvSpPr>
         <p:spPr>
           <a:xfrm>
-            <a:off x="5936400" y="2084760"/>
-            <a:ext cx="5058720" cy="2014920"/>
+            <a:off x="6231960" y="1604520"/>
+            <a:ext cx="5354280" cy="1896840"/>
           </a:xfrm>
           <a:prstGeom prst="rect">
             <a:avLst/>
@@ -6521,18 +6335,15 @@
             <a:normAutofit/>
           </a:bodyPr>
           <a:p>
-            <a:endParaRPr b="1" lang="en-US" sz="2660" spc="-1" strike="noStrike">
-              <a:solidFill>
-                <a:srgbClr val="41c363"/>
-              </a:solidFill>
-              <a:latin typeface="Arial Narrow"/>
-            </a:endParaRPr>
-          </a:p>
-        </p:txBody>
-      </p:sp>
-      <p:sp>
-        <p:nvSpPr>
-          <p:cNvPr id="31" name="PlaceHolder 4"/>
+            <a:endParaRPr b="0" lang="en-US" sz="3200" spc="-1" strike="noStrike">
+              <a:latin typeface="Arial"/>
+            </a:endParaRPr>
+          </a:p>
+        </p:txBody>
+      </p:sp>
+      <p:sp>
+        <p:nvSpPr>
+          <p:cNvPr id="29" name="PlaceHolder 4"/>
           <p:cNvSpPr>
             <a:spLocks noGrp="1"/>
           </p:cNvSpPr>
@@ -6542,8 +6353,8 @@
         </p:nvSpPr>
         <p:spPr>
           <a:xfrm>
-            <a:off x="624240" y="4291560"/>
-            <a:ext cx="10366920" cy="2014920"/>
+            <a:off x="609480" y="3682080"/>
+            <a:ext cx="10972440" cy="1896840"/>
           </a:xfrm>
           <a:prstGeom prst="rect">
             <a:avLst/>
@@ -6558,11 +6369,8 @@
             <a:normAutofit/>
           </a:bodyPr>
           <a:p>
-            <a:endParaRPr b="1" lang="en-US" sz="2660" spc="-1" strike="noStrike">
-              <a:solidFill>
-                <a:srgbClr val="41c363"/>
-              </a:solidFill>
-              <a:latin typeface="Arial Narrow"/>
+            <a:endParaRPr b="0" lang="en-US" sz="3200" spc="-1" strike="noStrike">
+              <a:latin typeface="Arial"/>
             </a:endParaRPr>
           </a:p>
         </p:txBody>
@@ -6610,7 +6418,7 @@
         <p:spPr>
           <a:xfrm>
             <a:off x="281520" y="254880"/>
-            <a:ext cx="341640" cy="660960"/>
+            <a:ext cx="341280" cy="660600"/>
           </a:xfrm>
           <a:prstGeom prst="rect">
             <a:avLst/>
@@ -6633,7 +6441,7 @@
         <p:spPr>
           <a:xfrm>
             <a:off x="10667160" y="246240"/>
-            <a:ext cx="1403640" cy="174240"/>
+            <a:ext cx="1403280" cy="173880"/>
           </a:xfrm>
           <a:prstGeom prst="rect">
             <a:avLst/>
@@ -6656,7 +6464,7 @@
         <p:spPr>
           <a:xfrm>
             <a:off x="10667160" y="475200"/>
-            <a:ext cx="1403640" cy="243360"/>
+            <a:ext cx="1403280" cy="243000"/>
           </a:xfrm>
           <a:prstGeom prst="rect">
             <a:avLst/>
@@ -6700,9 +6508,122 @@
           <a:fontRef idx="minor"/>
         </p:style>
       </p:sp>
-      <p:sp>
-        <p:nvSpPr>
-          <p:cNvPr id="4" name="PlaceHolder 1"/>
+      <p:pic>
+        <p:nvPicPr>
+          <p:cNvPr id="4" name="Picture 10" descr=""/>
+          <p:cNvPicPr/>
+          <p:nvPr/>
+        </p:nvPicPr>
+        <p:blipFill>
+          <a:blip r:embed="rId5"/>
+          <a:srcRect l="0" t="74417" r="61165" b="0"/>
+          <a:stretch/>
+        </p:blipFill>
+        <p:spPr>
+          <a:xfrm>
+            <a:off x="281520" y="254880"/>
+            <a:ext cx="341280" cy="660600"/>
+          </a:xfrm>
+          <a:prstGeom prst="rect">
+            <a:avLst/>
+          </a:prstGeom>
+          <a:ln w="0">
+            <a:noFill/>
+          </a:ln>
+        </p:spPr>
+      </p:pic>
+      <p:pic>
+        <p:nvPicPr>
+          <p:cNvPr id="5" name="Picture 9" descr=""/>
+          <p:cNvPicPr/>
+          <p:nvPr/>
+        </p:nvPicPr>
+        <p:blipFill>
+          <a:blip r:embed="rId6"/>
+          <a:stretch/>
+        </p:blipFill>
+        <p:spPr>
+          <a:xfrm>
+            <a:off x="9628560" y="1965240"/>
+            <a:ext cx="2330280" cy="289080"/>
+          </a:xfrm>
+          <a:prstGeom prst="rect">
+            <a:avLst/>
+          </a:prstGeom>
+          <a:ln w="0">
+            <a:noFill/>
+          </a:ln>
+        </p:spPr>
+      </p:pic>
+      <p:pic>
+        <p:nvPicPr>
+          <p:cNvPr id="6" name="Picture 12" descr=""/>
+          <p:cNvPicPr/>
+          <p:nvPr/>
+        </p:nvPicPr>
+        <p:blipFill>
+          <a:blip r:embed="rId7"/>
+          <a:stretch/>
+        </p:blipFill>
+        <p:spPr>
+          <a:xfrm>
+            <a:off x="6939360" y="1874880"/>
+            <a:ext cx="2417760" cy="419400"/>
+          </a:xfrm>
+          <a:prstGeom prst="rect">
+            <a:avLst/>
+          </a:prstGeom>
+          <a:ln w="0">
+            <a:noFill/>
+          </a:ln>
+        </p:spPr>
+      </p:pic>
+      <p:sp>
+        <p:nvSpPr>
+          <p:cNvPr id="7" name="PlaceHolder 1"/>
+          <p:cNvSpPr>
+            <a:spLocks noGrp="1"/>
+          </p:cNvSpPr>
+          <p:nvPr>
+            <p:ph type="title"/>
+          </p:nvPr>
+        </p:nvSpPr>
+        <p:spPr>
+          <a:xfrm>
+            <a:off x="609480" y="273600"/>
+            <a:ext cx="10972440" cy="1144800"/>
+          </a:xfrm>
+          <a:prstGeom prst="rect">
+            <a:avLst/>
+          </a:prstGeom>
+          <a:noFill/>
+          <a:ln w="0">
+            <a:noFill/>
+          </a:ln>
+        </p:spPr>
+        <p:txBody>
+          <a:bodyPr lIns="0" rIns="0" tIns="0" bIns="0" anchor="ctr">
+            <a:noAutofit/>
+          </a:bodyPr>
+          <a:p>
+            <a:pPr algn="ctr">
+              <a:buNone/>
+            </a:pPr>
+            <a:r>
+              <a:rPr b="0" lang="en-US" sz="4400" spc="-1" strike="noStrike">
+                <a:latin typeface="Arial"/>
+              </a:rPr>
+              <a:t>Click to edit the title text format</a:t>
+            </a:r>
+            <a:endParaRPr b="0" lang="en-US" sz="4400" spc="-1" strike="noStrike">
+              <a:latin typeface="Arial"/>
+            </a:endParaRPr>
+          </a:p>
+        </p:txBody>
+      </p:sp>
+      <p:sp>
+        <p:nvSpPr>
+          <p:cNvPr id="8" name="PlaceHolder 2"/>
           <p:cNvSpPr>
             <a:spLocks noGrp="1"/>
           </p:cNvSpPr>
@@ -6712,88 +6633,8 @@
         </p:nvSpPr>
         <p:spPr>
           <a:xfrm>
-            <a:off x="0" y="2709360"/>
-            <a:ext cx="12191760" cy="4148280"/>
-          </a:xfrm>
-          <a:prstGeom prst="rect">
-            <a:avLst/>
-          </a:prstGeom>
-          <a:solidFill>
-            <a:srgbClr val="5f6369">
-              <a:alpha val="30000"/>
-            </a:srgbClr>
-          </a:solidFill>
-          <a:ln w="0">
-            <a:noFill/>
-          </a:ln>
-        </p:spPr>
-        <p:txBody>
-          <a:bodyPr lIns="90000" rIns="90000" tIns="914400" bIns="0" anchor="ctr">
-            <a:noAutofit/>
-          </a:bodyPr>
-          <a:p>
-            <a:pPr algn="ctr">
-              <a:lnSpc>
-                <a:spcPct val="100000"/>
-              </a:lnSpc>
-              <a:buNone/>
-            </a:pPr>
-            <a:r>
-              <a:rPr b="0" i="1" lang="en-US" sz="1200" spc="-1" strike="noStrike">
-                <a:solidFill>
-                  <a:srgbClr val="919191"/>
-                </a:solidFill>
-                <a:latin typeface="Arial"/>
-              </a:rPr>
-              <a:t>Click icon to insert image</a:t>
-            </a:r>
-            <a:br>
-              <a:rPr sz="1200"/>
-            </a:br>
-            <a:r>
-              <a:rPr b="0" i="1" lang="en-US" sz="1200" spc="-1" strike="noStrike">
-                <a:solidFill>
-                  <a:srgbClr val="919191"/>
-                </a:solidFill>
-                <a:latin typeface="Arial"/>
-              </a:rPr>
-              <a:t>DOWNLOAD AVNET-BRANDED IMAGES AT</a:t>
-            </a:r>
-            <a:br>
-              <a:rPr sz="1200"/>
-            </a:br>
-            <a:r>
-              <a:rPr b="0" i="1" lang="en-US" sz="1200" spc="-1" strike="noStrike">
-                <a:solidFill>
-                  <a:srgbClr val="919191"/>
-                </a:solidFill>
-                <a:latin typeface="Arial"/>
-              </a:rPr>
-              <a:t>BRAND.AVNET.COM </a:t>
-            </a:r>
-            <a:endParaRPr b="1" lang="en-US" sz="1200" spc="-1" strike="noStrike">
-              <a:solidFill>
-                <a:srgbClr val="41c363"/>
-              </a:solidFill>
-              <a:latin typeface="Arial Narrow"/>
-            </a:endParaRPr>
-          </a:p>
-        </p:txBody>
-      </p:sp>
-      <p:sp>
-        <p:nvSpPr>
-          <p:cNvPr id="5" name="PlaceHolder 2"/>
-          <p:cNvSpPr>
-            <a:spLocks noGrp="1"/>
-          </p:cNvSpPr>
-          <p:nvPr>
-            <p:ph type="body"/>
-          </p:nvPr>
-        </p:nvSpPr>
-        <p:spPr>
-          <a:xfrm>
-            <a:off x="624240" y="1172520"/>
-            <a:ext cx="8534160" cy="338400"/>
+            <a:off x="609480" y="1604520"/>
+            <a:ext cx="10972440" cy="3977280"/>
           </a:xfrm>
           <a:prstGeom prst="rect">
             <a:avLst/>
@@ -6805,7 +6646,7 @@
         </p:spPr>
         <p:txBody>
           <a:bodyPr lIns="0" rIns="0" tIns="0" bIns="0" anchor="t">
-            <a:noAutofit/>
+            <a:normAutofit/>
           </a:bodyPr>
           <a:p>
             <a:pPr marL="432000" indent="-324000">
@@ -6820,25 +6661,41 @@
               <a:buChar char=""/>
             </a:pPr>
             <a:r>
-              <a:rPr b="1" lang="de-DE" sz="2660" spc="-1" strike="noStrike">
-                <a:solidFill>
-                  <a:srgbClr val="41c363"/>
-                </a:solidFill>
-                <a:latin typeface="Arial Narrow"/>
-              </a:rPr>
-              <a:t>Mastertextformat bearbeiten</a:t>
+              <a:rPr b="0" lang="en-US" sz="3200" spc="-1" strike="noStrike">
+                <a:latin typeface="Arial"/>
+              </a:rPr>
+              <a:t>Click to edit the outline text format</a:t>
             </a:r>
-            <a:endParaRPr b="1" lang="en-US" sz="2660" spc="-1" strike="noStrike">
-              <a:solidFill>
-                <a:srgbClr val="41c363"/>
-              </a:solidFill>
-              <a:latin typeface="Arial Narrow"/>
-            </a:endParaRPr>
-          </a:p>
-          <a:p>
-            <a:pPr marL="432000" indent="-324000">
+            <a:endParaRPr b="0" lang="en-US" sz="3200" spc="-1" strike="noStrike">
+              <a:latin typeface="Arial"/>
+            </a:endParaRPr>
+          </a:p>
+          <a:p>
+            <a:pPr lvl="1" marL="864000" indent="-324000">
               <a:spcBef>
-                <a:spcPts val="1417"/>
+                <a:spcPts val="1134"/>
+              </a:spcBef>
+              <a:buClr>
+                <a:srgbClr val="000000"/>
+              </a:buClr>
+              <a:buSzPct val="75000"/>
+              <a:buFont typeface="Symbol" charset="2"/>
+              <a:buChar char=""/>
+            </a:pPr>
+            <a:r>
+              <a:rPr b="0" lang="en-US" sz="2800" spc="-1" strike="noStrike">
+                <a:latin typeface="Arial"/>
+              </a:rPr>
+              <a:t>Second Outline Level</a:t>
+            </a:r>
+            <a:endParaRPr b="0" lang="en-US" sz="2800" spc="-1" strike="noStrike">
+              <a:latin typeface="Arial"/>
+            </a:endParaRPr>
+          </a:p>
+          <a:p>
+            <a:pPr lvl="2" marL="1296000" indent="-288000">
+              <a:spcBef>
+                <a:spcPts val="850"/>
               </a:spcBef>
               <a:buClr>
                 <a:srgbClr val="000000"/>
@@ -6848,25 +6705,41 @@
               <a:buChar char=""/>
             </a:pPr>
             <a:r>
-              <a:rPr b="1" lang="de-DE" sz="2660" spc="-1" strike="noStrike">
-                <a:solidFill>
-                  <a:srgbClr val="41c363"/>
-                </a:solidFill>
-                <a:latin typeface="Arial Narrow"/>
-              </a:rPr>
-              <a:t>Zweite Ebene</a:t>
+              <a:rPr b="0" lang="en-US" sz="2400" spc="-1" strike="noStrike">
+                <a:latin typeface="Arial"/>
+              </a:rPr>
+              <a:t>Third Outline Level</a:t>
             </a:r>
-            <a:endParaRPr b="1" lang="en-US" sz="2660" spc="-1" strike="noStrike">
-              <a:solidFill>
-                <a:srgbClr val="41c363"/>
-              </a:solidFill>
-              <a:latin typeface="Arial Narrow"/>
-            </a:endParaRPr>
-          </a:p>
-          <a:p>
-            <a:pPr marL="432000" indent="-324000">
+            <a:endParaRPr b="0" lang="en-US" sz="2400" spc="-1" strike="noStrike">
+              <a:latin typeface="Arial"/>
+            </a:endParaRPr>
+          </a:p>
+          <a:p>
+            <a:pPr lvl="3" marL="1728000" indent="-216000">
               <a:spcBef>
-                <a:spcPts val="1417"/>
+                <a:spcPts val="567"/>
+              </a:spcBef>
+              <a:buClr>
+                <a:srgbClr val="000000"/>
+              </a:buClr>
+              <a:buSzPct val="75000"/>
+              <a:buFont typeface="Symbol" charset="2"/>
+              <a:buChar char=""/>
+            </a:pPr>
+            <a:r>
+              <a:rPr b="0" lang="en-US" sz="2000" spc="-1" strike="noStrike">
+                <a:latin typeface="Arial"/>
+              </a:rPr>
+              <a:t>Fourth Outline Level</a:t>
+            </a:r>
+            <a:endParaRPr b="0" lang="en-US" sz="2000" spc="-1" strike="noStrike">
+              <a:latin typeface="Arial"/>
+            </a:endParaRPr>
+          </a:p>
+          <a:p>
+            <a:pPr lvl="4" marL="2160000" indent="-216000">
+              <a:spcBef>
+                <a:spcPts val="283"/>
               </a:spcBef>
               <a:buClr>
                 <a:srgbClr val="000000"/>
@@ -6876,25 +6749,19 @@
               <a:buChar char=""/>
             </a:pPr>
             <a:r>
-              <a:rPr b="1" lang="de-DE" sz="2660" spc="-1" strike="noStrike">
-                <a:solidFill>
-                  <a:srgbClr val="41c363"/>
-                </a:solidFill>
-                <a:latin typeface="Arial Narrow"/>
-              </a:rPr>
-              <a:t>Dritte Ebene</a:t>
+              <a:rPr b="0" lang="en-US" sz="2000" spc="-1" strike="noStrike">
+                <a:latin typeface="Arial"/>
+              </a:rPr>
+              <a:t>Fifth Outline Level</a:t>
             </a:r>
-            <a:endParaRPr b="1" lang="en-US" sz="2660" spc="-1" strike="noStrike">
-              <a:solidFill>
-                <a:srgbClr val="41c363"/>
-              </a:solidFill>
-              <a:latin typeface="Arial Narrow"/>
-            </a:endParaRPr>
-          </a:p>
-          <a:p>
-            <a:pPr marL="432000" indent="-324000">
+            <a:endParaRPr b="0" lang="en-US" sz="2000" spc="-1" strike="noStrike">
+              <a:latin typeface="Arial"/>
+            </a:endParaRPr>
+          </a:p>
+          <a:p>
+            <a:pPr lvl="5" marL="2592000" indent="-216000">
               <a:spcBef>
-                <a:spcPts val="1417"/>
+                <a:spcPts val="283"/>
               </a:spcBef>
               <a:buClr>
                 <a:srgbClr val="000000"/>
@@ -6904,238 +6771,39 @@
               <a:buChar char=""/>
             </a:pPr>
             <a:r>
-              <a:rPr b="1" lang="de-DE" sz="2660" spc="-1" strike="noStrike">
-                <a:solidFill>
-                  <a:srgbClr val="41c363"/>
-                </a:solidFill>
-                <a:latin typeface="Arial Narrow"/>
-              </a:rPr>
-              <a:t>Vierte Ebene</a:t>
+              <a:rPr b="0" lang="en-US" sz="2000" spc="-1" strike="noStrike">
+                <a:latin typeface="Arial"/>
+              </a:rPr>
+              <a:t>Sixth Outline Level</a:t>
             </a:r>
-            <a:endParaRPr b="1" lang="en-US" sz="2660" spc="-1" strike="noStrike">
-              <a:solidFill>
-                <a:srgbClr val="41c363"/>
-              </a:solidFill>
-              <a:latin typeface="Arial Narrow"/>
-            </a:endParaRPr>
-          </a:p>
-          <a:p>
-            <a:pPr>
-              <a:lnSpc>
-                <a:spcPct val="100000"/>
-              </a:lnSpc>
+            <a:endParaRPr b="0" lang="en-US" sz="2000" spc="-1" strike="noStrike">
+              <a:latin typeface="Arial"/>
+            </a:endParaRPr>
+          </a:p>
+          <a:p>
+            <a:pPr lvl="6" marL="3024000" indent="-216000">
               <a:spcBef>
-                <a:spcPts val="266"/>
+                <a:spcPts val="283"/>
               </a:spcBef>
-              <a:spcAft>
-                <a:spcPts val="1599"/>
-              </a:spcAft>
-              <a:buNone/>
-              <a:tabLst>
-                <a:tab algn="l" pos="0"/>
-              </a:tabLst>
+              <a:buClr>
+                <a:srgbClr val="000000"/>
+              </a:buClr>
+              <a:buSzPct val="45000"/>
+              <a:buFont typeface="Wingdings" charset="2"/>
+              <a:buChar char=""/>
             </a:pPr>
             <a:r>
-              <a:rPr b="1" lang="de-DE" sz="2660" spc="-1" strike="noStrike">
-                <a:solidFill>
-                  <a:srgbClr val="41c363"/>
-                </a:solidFill>
-                <a:latin typeface="Arial Narrow"/>
-              </a:rPr>
-              <a:t>Fünfte Ebene</a:t>
+              <a:rPr b="0" lang="en-US" sz="2000" spc="-1" strike="noStrike">
+                <a:latin typeface="Arial"/>
+              </a:rPr>
+              <a:t>Seventh Outline Level</a:t>
             </a:r>
-            <a:endParaRPr b="1" lang="en-US" sz="2660" spc="-1" strike="noStrike">
-              <a:solidFill>
-                <a:srgbClr val="41c363"/>
-              </a:solidFill>
-              <a:latin typeface="Arial Narrow"/>
-            </a:endParaRPr>
-          </a:p>
-        </p:txBody>
-      </p:sp>
-      <p:pic>
-        <p:nvPicPr>
-          <p:cNvPr id="6" name="Picture 10" descr=""/>
-          <p:cNvPicPr/>
-          <p:nvPr/>
-        </p:nvPicPr>
-        <p:blipFill>
-          <a:blip r:embed="rId5"/>
-          <a:srcRect l="0" t="74417" r="61165" b="0"/>
-          <a:stretch/>
-        </p:blipFill>
-        <p:spPr>
-          <a:xfrm>
-            <a:off x="281520" y="254880"/>
-            <a:ext cx="341640" cy="660960"/>
-          </a:xfrm>
-          <a:prstGeom prst="rect">
-            <a:avLst/>
-          </a:prstGeom>
-          <a:ln w="0">
-            <a:noFill/>
-          </a:ln>
-        </p:spPr>
-      </p:pic>
-      <p:sp>
-        <p:nvSpPr>
-          <p:cNvPr id="7" name="PlaceHolder 3"/>
-          <p:cNvSpPr>
-            <a:spLocks noGrp="1"/>
-          </p:cNvSpPr>
-          <p:nvPr>
-            <p:ph type="body"/>
-          </p:nvPr>
-        </p:nvSpPr>
-        <p:spPr>
-          <a:xfrm>
-            <a:off x="624240" y="2084760"/>
-            <a:ext cx="5486040" cy="251640"/>
-          </a:xfrm>
-          <a:prstGeom prst="rect">
-            <a:avLst/>
-          </a:prstGeom>
-          <a:noFill/>
-          <a:ln w="0">
-            <a:noFill/>
-          </a:ln>
-        </p:spPr>
-        <p:txBody>
-          <a:bodyPr lIns="0" rIns="0" tIns="0" bIns="0" anchor="b">
-            <a:noAutofit/>
-          </a:bodyPr>
-          <a:p>
-            <a:pPr>
-              <a:lnSpc>
-                <a:spcPct val="100000"/>
-              </a:lnSpc>
-              <a:spcBef>
-                <a:spcPts val="266"/>
-              </a:spcBef>
-              <a:spcAft>
-                <a:spcPts val="1599"/>
-              </a:spcAft>
-              <a:buNone/>
-              <a:tabLst>
-                <a:tab algn="l" pos="0"/>
-              </a:tabLst>
-            </a:pPr>
-            <a:r>
-              <a:rPr b="0" lang="en-US" sz="1200" spc="-1" strike="noStrike">
-                <a:solidFill>
-                  <a:srgbClr val="000000"/>
-                </a:solidFill>
-                <a:latin typeface="Arial"/>
-              </a:rPr>
-              <a:t>MM.DD.YYYY  |  Presenter’s Name, Title (optional)</a:t>
-            </a:r>
-            <a:endParaRPr b="1" lang="en-US" sz="1200" spc="-1" strike="noStrike">
-              <a:solidFill>
-                <a:srgbClr val="41c363"/>
-              </a:solidFill>
-              <a:latin typeface="Arial Narrow"/>
-            </a:endParaRPr>
-          </a:p>
-        </p:txBody>
-      </p:sp>
-      <p:pic>
-        <p:nvPicPr>
-          <p:cNvPr id="8" name="Picture 9" descr=""/>
-          <p:cNvPicPr/>
-          <p:nvPr/>
-        </p:nvPicPr>
-        <p:blipFill>
-          <a:blip r:embed="rId6"/>
-          <a:stretch/>
-        </p:blipFill>
-        <p:spPr>
-          <a:xfrm>
-            <a:off x="9628560" y="1965240"/>
-            <a:ext cx="2330640" cy="289440"/>
-          </a:xfrm>
-          <a:prstGeom prst="rect">
-            <a:avLst/>
-          </a:prstGeom>
-          <a:ln w="0">
-            <a:noFill/>
-          </a:ln>
-        </p:spPr>
-      </p:pic>
-      <p:sp>
-        <p:nvSpPr>
-          <p:cNvPr id="9" name="PlaceHolder 4"/>
-          <p:cNvSpPr>
-            <a:spLocks noGrp="1"/>
-          </p:cNvSpPr>
-          <p:nvPr>
-            <p:ph type="title"/>
-          </p:nvPr>
-        </p:nvSpPr>
-        <p:spPr>
-          <a:xfrm>
-            <a:off x="623520" y="357840"/>
-            <a:ext cx="10368000" cy="716040"/>
-          </a:xfrm>
-          <a:prstGeom prst="rect">
-            <a:avLst/>
-          </a:prstGeom>
-          <a:noFill/>
-          <a:ln w="0">
-            <a:noFill/>
-          </a:ln>
-        </p:spPr>
-        <p:txBody>
-          <a:bodyPr lIns="0" rIns="0" tIns="0" bIns="0" anchor="t">
-            <a:noAutofit/>
-          </a:bodyPr>
-          <a:p>
-            <a:pPr>
-              <a:lnSpc>
-                <a:spcPct val="85000"/>
-              </a:lnSpc>
-              <a:buNone/>
-            </a:pPr>
-            <a:r>
-              <a:rPr b="0" lang="de-DE" sz="3000" spc="-1" strike="noStrike">
-                <a:solidFill>
-                  <a:srgbClr val="41c363"/>
-                </a:solidFill>
-                <a:latin typeface="Arial Narrow"/>
-              </a:rPr>
-              <a:t>Mastertitelformat bearbeiten</a:t>
-            </a:r>
-            <a:endParaRPr b="0" lang="en-US" sz="3000" spc="-1" strike="noStrike">
-              <a:solidFill>
-                <a:srgbClr val="000000"/>
-              </a:solidFill>
-              <a:latin typeface="Arial"/>
-            </a:endParaRPr>
-          </a:p>
-        </p:txBody>
-      </p:sp>
-      <p:pic>
-        <p:nvPicPr>
-          <p:cNvPr id="10" name="Picture 12" descr=""/>
-          <p:cNvPicPr/>
-          <p:nvPr/>
-        </p:nvPicPr>
-        <p:blipFill>
-          <a:blip r:embed="rId7"/>
-          <a:stretch/>
-        </p:blipFill>
-        <p:spPr>
-          <a:xfrm>
-            <a:off x="6939360" y="1874880"/>
-            <a:ext cx="2418120" cy="419760"/>
-          </a:xfrm>
-          <a:prstGeom prst="rect">
-            <a:avLst/>
-          </a:prstGeom>
-          <a:ln w="0">
-            <a:noFill/>
-          </a:ln>
-        </p:spPr>
-      </p:pic>
+            <a:endParaRPr b="0" lang="en-US" sz="2000" spc="-1" strike="noStrike">
+              <a:latin typeface="Arial"/>
+            </a:endParaRPr>
+          </a:p>
+        </p:txBody>
+      </p:sp>
     </p:spTree>
   </p:cSld>
   <p:clrMap bg1="lt1" bg2="lt2" tx1="dk1" tx2="dk2" accent1="accent1" accent2="accent2" accent3="accent3" accent4="accent4" accent5="accent5" accent6="accent6" hlink="hlink" folHlink="folHlink"/>
@@ -7182,7 +6850,7 @@
       </p:grpSpPr>
       <p:pic>
         <p:nvPicPr>
-          <p:cNvPr id="47" name="Picture 9" descr=""/>
+          <p:cNvPr id="45" name="Picture 9" descr=""/>
           <p:cNvPicPr/>
           <p:nvPr/>
         </p:nvPicPr>
@@ -7194,7 +6862,7 @@
         <p:spPr>
           <a:xfrm>
             <a:off x="281520" y="254880"/>
-            <a:ext cx="341640" cy="660960"/>
+            <a:ext cx="341280" cy="660600"/>
           </a:xfrm>
           <a:prstGeom prst="rect">
             <a:avLst/>
@@ -7206,7 +6874,7 @@
       </p:pic>
       <p:pic>
         <p:nvPicPr>
-          <p:cNvPr id="48" name="Picture 8" descr=""/>
+          <p:cNvPr id="46" name="Picture 8" descr=""/>
           <p:cNvPicPr/>
           <p:nvPr/>
         </p:nvPicPr>
@@ -7217,7 +6885,7 @@
         <p:spPr>
           <a:xfrm>
             <a:off x="10667160" y="246240"/>
-            <a:ext cx="1403640" cy="174240"/>
+            <a:ext cx="1403280" cy="173880"/>
           </a:xfrm>
           <a:prstGeom prst="rect">
             <a:avLst/>
@@ -7229,7 +6897,7 @@
       </p:pic>
       <p:pic>
         <p:nvPicPr>
-          <p:cNvPr id="49" name="Picture 10" descr=""/>
+          <p:cNvPr id="47" name="Picture 10" descr=""/>
           <p:cNvPicPr/>
           <p:nvPr/>
         </p:nvPicPr>
@@ -7240,7 +6908,7 @@
         <p:spPr>
           <a:xfrm>
             <a:off x="10667160" y="475200"/>
-            <a:ext cx="1403640" cy="243360"/>
+            <a:ext cx="1403280" cy="243000"/>
           </a:xfrm>
           <a:prstGeom prst="rect">
             <a:avLst/>
@@ -7252,7 +6920,7 @@
       </p:pic>
       <p:sp>
         <p:nvSpPr>
-          <p:cNvPr id="50" name="Straight Connector 12"/>
+          <p:cNvPr id="48" name="Straight Connector 12"/>
           <p:cNvSpPr/>
           <p:nvPr/>
         </p:nvSpPr>
@@ -7286,59 +6954,7 @@
       </p:sp>
       <p:sp>
         <p:nvSpPr>
-          <p:cNvPr id="51" name="PlaceHolder 1"/>
-          <p:cNvSpPr>
-            <a:spLocks noGrp="1"/>
-          </p:cNvSpPr>
-          <p:nvPr>
-            <p:ph type="title"/>
-          </p:nvPr>
-        </p:nvSpPr>
-        <p:spPr>
-          <a:xfrm>
-            <a:off x="624240" y="357840"/>
-            <a:ext cx="10366920" cy="691200"/>
-          </a:xfrm>
-          <a:prstGeom prst="rect">
-            <a:avLst/>
-          </a:prstGeom>
-          <a:noFill/>
-          <a:ln w="0">
-            <a:noFill/>
-          </a:ln>
-        </p:spPr>
-        <p:txBody>
-          <a:bodyPr lIns="0" rIns="0" tIns="0" bIns="0" anchor="t">
-            <a:noAutofit/>
-          </a:bodyPr>
-          <a:p>
-            <a:pPr>
-              <a:lnSpc>
-                <a:spcPct val="85000"/>
-              </a:lnSpc>
-              <a:buNone/>
-            </a:pPr>
-            <a:r>
-              <a:rPr b="0" lang="de-DE" sz="3000" spc="-1" strike="noStrike">
-                <a:solidFill>
-                  <a:srgbClr val="41c363"/>
-                </a:solidFill>
-                <a:latin typeface="Arial Narrow"/>
-              </a:rPr>
-              <a:t>Mastertitelformat bearbeiten</a:t>
-            </a:r>
-            <a:endParaRPr b="0" lang="en-US" sz="3000" spc="-1" strike="noStrike">
-              <a:solidFill>
-                <a:srgbClr val="000000"/>
-              </a:solidFill>
-              <a:latin typeface="Arial"/>
-            </a:endParaRPr>
-          </a:p>
-        </p:txBody>
-      </p:sp>
-      <p:sp>
-        <p:nvSpPr>
-          <p:cNvPr id="52" name="PlaceHolder 2"/>
+          <p:cNvPr id="49" name="PlaceHolder 1"/>
           <p:cNvSpPr>
             <a:spLocks noGrp="1"/>
           </p:cNvSpPr>
@@ -7349,7 +6965,7 @@
         <p:spPr>
           <a:xfrm>
             <a:off x="187920" y="6521400"/>
-            <a:ext cx="328680" cy="163080"/>
+            <a:ext cx="328320" cy="162720"/>
           </a:xfrm>
           <a:prstGeom prst="rect">
             <a:avLst/>
@@ -7384,7 +7000,7 @@
               </a:lnSpc>
               <a:buNone/>
             </a:pPr>
-            <a:fld id="{83139BC3-07F1-4293-BE8B-DF0D796DFD87}" type="slidenum">
+            <a:fld id="{D6CD8F45-B563-475A-A192-D7A405B74388}" type="slidenum">
               <a:rPr b="0" lang="en-US" sz="1070" spc="-1" strike="noStrike">
                 <a:solidFill>
                   <a:srgbClr val="919191"/>
@@ -7401,7 +7017,50 @@
       </p:sp>
       <p:sp>
         <p:nvSpPr>
-          <p:cNvPr id="53" name="PlaceHolder 3"/>
+          <p:cNvPr id="50" name="PlaceHolder 2"/>
+          <p:cNvSpPr>
+            <a:spLocks noGrp="1"/>
+          </p:cNvSpPr>
+          <p:nvPr>
+            <p:ph type="title"/>
+          </p:nvPr>
+        </p:nvSpPr>
+        <p:spPr>
+          <a:xfrm>
+            <a:off x="609480" y="273600"/>
+            <a:ext cx="10972440" cy="1144800"/>
+          </a:xfrm>
+          <a:prstGeom prst="rect">
+            <a:avLst/>
+          </a:prstGeom>
+          <a:noFill/>
+          <a:ln w="0">
+            <a:noFill/>
+          </a:ln>
+        </p:spPr>
+        <p:txBody>
+          <a:bodyPr lIns="0" rIns="0" tIns="0" bIns="0" anchor="ctr">
+            <a:noAutofit/>
+          </a:bodyPr>
+          <a:p>
+            <a:pPr algn="ctr">
+              <a:buNone/>
+            </a:pPr>
+            <a:r>
+              <a:rPr b="0" lang="en-US" sz="4400" spc="-1" strike="noStrike">
+                <a:latin typeface="Arial"/>
+              </a:rPr>
+              <a:t>Click to edit the title text format</a:t>
+            </a:r>
+            <a:endParaRPr b="0" lang="en-US" sz="4400" spc="-1" strike="noStrike">
+              <a:latin typeface="Arial"/>
+            </a:endParaRPr>
+          </a:p>
+        </p:txBody>
+      </p:sp>
+      <p:sp>
+        <p:nvSpPr>
+          <p:cNvPr id="51" name="PlaceHolder 3"/>
           <p:cNvSpPr>
             <a:spLocks noGrp="1"/>
           </p:cNvSpPr>
@@ -7439,19 +7098,13 @@
               <a:buChar char=""/>
             </a:pPr>
             <a:r>
-              <a:rPr b="1" lang="en-US" sz="2660" spc="-1" strike="noStrike">
-                <a:solidFill>
-                  <a:srgbClr val="41c363"/>
-                </a:solidFill>
-                <a:latin typeface="Arial Narrow"/>
+              <a:rPr b="0" lang="en-US" sz="3200" spc="-1" strike="noStrike">
+                <a:latin typeface="Arial"/>
               </a:rPr>
               <a:t>Click to edit the outline text format</a:t>
             </a:r>
-            <a:endParaRPr b="1" lang="en-US" sz="2660" spc="-1" strike="noStrike">
-              <a:solidFill>
-                <a:srgbClr val="41c363"/>
-              </a:solidFill>
-              <a:latin typeface="Arial Narrow"/>
+            <a:endParaRPr b="0" lang="en-US" sz="3200" spc="-1" strike="noStrike">
+              <a:latin typeface="Arial"/>
             </a:endParaRPr>
           </a:p>
           <a:p>
@@ -7467,18 +7120,12 @@
               <a:buChar char=""/>
             </a:pPr>
             <a:r>
-              <a:rPr b="0" lang="en-US" sz="2130" spc="-1" strike="noStrike">
-                <a:solidFill>
-                  <a:srgbClr val="000000"/>
-                </a:solidFill>
+              <a:rPr b="0" lang="en-US" sz="2800" spc="-1" strike="noStrike">
                 <a:latin typeface="Arial"/>
               </a:rPr>
               <a:t>Second Outline Level</a:t>
             </a:r>
-            <a:endParaRPr b="0" lang="en-US" sz="2130" spc="-1" strike="noStrike">
-              <a:solidFill>
-                <a:srgbClr val="000000"/>
-              </a:solidFill>
+            <a:endParaRPr b="0" lang="en-US" sz="2800" spc="-1" strike="noStrike">
               <a:latin typeface="Arial"/>
             </a:endParaRPr>
           </a:p>
@@ -7495,18 +7142,12 @@
               <a:buChar char=""/>
             </a:pPr>
             <a:r>
-              <a:rPr b="0" lang="en-US" sz="1600" spc="-1" strike="noStrike">
-                <a:solidFill>
-                  <a:srgbClr val="000000"/>
-                </a:solidFill>
+              <a:rPr b="0" lang="en-US" sz="2400" spc="-1" strike="noStrike">
                 <a:latin typeface="Arial"/>
               </a:rPr>
               <a:t>Third Outline Level</a:t>
             </a:r>
-            <a:endParaRPr b="0" lang="en-US" sz="1600" spc="-1" strike="noStrike">
-              <a:solidFill>
-                <a:srgbClr val="000000"/>
-              </a:solidFill>
+            <a:endParaRPr b="0" lang="en-US" sz="2400" spc="-1" strike="noStrike">
               <a:latin typeface="Arial"/>
             </a:endParaRPr>
           </a:p>
@@ -7523,18 +7164,12 @@
               <a:buChar char=""/>
             </a:pPr>
             <a:r>
-              <a:rPr b="0" lang="en-US" sz="1600" spc="-1" strike="noStrike">
-                <a:solidFill>
-                  <a:srgbClr val="000000"/>
-                </a:solidFill>
+              <a:rPr b="0" lang="en-US" sz="2000" spc="-1" strike="noStrike">
                 <a:latin typeface="Arial"/>
               </a:rPr>
               <a:t>Fourth Outline Level</a:t>
             </a:r>
-            <a:endParaRPr b="0" lang="en-US" sz="1600" spc="-1" strike="noStrike">
-              <a:solidFill>
-                <a:srgbClr val="000000"/>
-              </a:solidFill>
+            <a:endParaRPr b="0" lang="en-US" sz="2000" spc="-1" strike="noStrike">
               <a:latin typeface="Arial"/>
             </a:endParaRPr>
           </a:p>
@@ -7552,17 +7187,11 @@
             </a:pPr>
             <a:r>
               <a:rPr b="0" lang="en-US" sz="2000" spc="-1" strike="noStrike">
-                <a:solidFill>
-                  <a:srgbClr val="000000"/>
-                </a:solidFill>
                 <a:latin typeface="Arial"/>
               </a:rPr>
               <a:t>Fifth Outline Level</a:t>
             </a:r>
             <a:endParaRPr b="0" lang="en-US" sz="2000" spc="-1" strike="noStrike">
-              <a:solidFill>
-                <a:srgbClr val="000000"/>
-              </a:solidFill>
               <a:latin typeface="Arial"/>
             </a:endParaRPr>
           </a:p>
@@ -7580,17 +7209,11 @@
             </a:pPr>
             <a:r>
               <a:rPr b="0" lang="en-US" sz="2000" spc="-1" strike="noStrike">
-                <a:solidFill>
-                  <a:srgbClr val="000000"/>
-                </a:solidFill>
                 <a:latin typeface="Arial"/>
               </a:rPr>
               <a:t>Sixth Outline Level</a:t>
             </a:r>
             <a:endParaRPr b="0" lang="en-US" sz="2000" spc="-1" strike="noStrike">
-              <a:solidFill>
-                <a:srgbClr val="000000"/>
-              </a:solidFill>
               <a:latin typeface="Arial"/>
             </a:endParaRPr>
           </a:p>
@@ -7608,17 +7231,11 @@
             </a:pPr>
             <a:r>
               <a:rPr b="0" lang="en-US" sz="2000" spc="-1" strike="noStrike">
-                <a:solidFill>
-                  <a:srgbClr val="000000"/>
-                </a:solidFill>
                 <a:latin typeface="Arial"/>
               </a:rPr>
               <a:t>Seventh Outline Level</a:t>
             </a:r>
             <a:endParaRPr b="0" lang="en-US" sz="2000" spc="-1" strike="noStrike">
-              <a:solidFill>
-                <a:srgbClr val="000000"/>
-              </a:solidFill>
               <a:latin typeface="Arial"/>
             </a:endParaRPr>
           </a:p>
@@ -7670,7 +7287,7 @@
       </p:grpSpPr>
       <p:pic>
         <p:nvPicPr>
-          <p:cNvPr id="90" name="Picture 9" descr=""/>
+          <p:cNvPr id="88" name="Picture 9" descr=""/>
           <p:cNvPicPr/>
           <p:nvPr/>
         </p:nvPicPr>
@@ -7682,7 +7299,7 @@
         <p:spPr>
           <a:xfrm>
             <a:off x="281520" y="254880"/>
-            <a:ext cx="341640" cy="660960"/>
+            <a:ext cx="341280" cy="660600"/>
           </a:xfrm>
           <a:prstGeom prst="rect">
             <a:avLst/>
@@ -7694,7 +7311,7 @@
       </p:pic>
       <p:pic>
         <p:nvPicPr>
-          <p:cNvPr id="91" name="Picture 8" descr=""/>
+          <p:cNvPr id="89" name="Picture 8" descr=""/>
           <p:cNvPicPr/>
           <p:nvPr/>
         </p:nvPicPr>
@@ -7705,7 +7322,7 @@
         <p:spPr>
           <a:xfrm>
             <a:off x="10667160" y="246240"/>
-            <a:ext cx="1403640" cy="174240"/>
+            <a:ext cx="1403280" cy="173880"/>
           </a:xfrm>
           <a:prstGeom prst="rect">
             <a:avLst/>
@@ -7717,7 +7334,7 @@
       </p:pic>
       <p:pic>
         <p:nvPicPr>
-          <p:cNvPr id="92" name="Picture 10" descr=""/>
+          <p:cNvPr id="90" name="Picture 10" descr=""/>
           <p:cNvPicPr/>
           <p:nvPr/>
         </p:nvPicPr>
@@ -7728,7 +7345,7 @@
         <p:spPr>
           <a:xfrm>
             <a:off x="10667160" y="475200"/>
-            <a:ext cx="1403640" cy="243360"/>
+            <a:ext cx="1403280" cy="243000"/>
           </a:xfrm>
           <a:prstGeom prst="rect">
             <a:avLst/>
@@ -7740,7 +7357,7 @@
       </p:pic>
       <p:sp>
         <p:nvSpPr>
-          <p:cNvPr id="93" name="Straight Connector 12"/>
+          <p:cNvPr id="91" name="Straight Connector 12"/>
           <p:cNvSpPr/>
           <p:nvPr/>
         </p:nvSpPr>
@@ -7774,59 +7391,7 @@
       </p:sp>
       <p:sp>
         <p:nvSpPr>
-          <p:cNvPr id="94" name="PlaceHolder 1"/>
-          <p:cNvSpPr>
-            <a:spLocks noGrp="1"/>
-          </p:cNvSpPr>
-          <p:nvPr>
-            <p:ph type="title"/>
-          </p:nvPr>
-        </p:nvSpPr>
-        <p:spPr>
-          <a:xfrm>
-            <a:off x="624240" y="357840"/>
-            <a:ext cx="10366920" cy="691200"/>
-          </a:xfrm>
-          <a:prstGeom prst="rect">
-            <a:avLst/>
-          </a:prstGeom>
-          <a:noFill/>
-          <a:ln w="0">
-            <a:noFill/>
-          </a:ln>
-        </p:spPr>
-        <p:txBody>
-          <a:bodyPr lIns="0" rIns="0" tIns="0" bIns="0" anchor="t">
-            <a:noAutofit/>
-          </a:bodyPr>
-          <a:p>
-            <a:pPr>
-              <a:lnSpc>
-                <a:spcPct val="85000"/>
-              </a:lnSpc>
-              <a:buNone/>
-            </a:pPr>
-            <a:r>
-              <a:rPr b="0" lang="de-DE" sz="3000" spc="-1" strike="noStrike">
-                <a:solidFill>
-                  <a:srgbClr val="41c363"/>
-                </a:solidFill>
-                <a:latin typeface="Arial Narrow"/>
-              </a:rPr>
-              <a:t>Mastertitelformat bearbeiten</a:t>
-            </a:r>
-            <a:endParaRPr b="0" lang="en-US" sz="3000" spc="-1" strike="noStrike">
-              <a:solidFill>
-                <a:srgbClr val="000000"/>
-              </a:solidFill>
-              <a:latin typeface="Arial"/>
-            </a:endParaRPr>
-          </a:p>
-        </p:txBody>
-      </p:sp>
-      <p:sp>
-        <p:nvSpPr>
-          <p:cNvPr id="95" name="PlaceHolder 2"/>
+          <p:cNvPr id="92" name="PlaceHolder 1"/>
           <p:cNvSpPr>
             <a:spLocks noGrp="1"/>
           </p:cNvSpPr>
@@ -7837,7 +7402,7 @@
         <p:spPr>
           <a:xfrm>
             <a:off x="187920" y="6521400"/>
-            <a:ext cx="328680" cy="163080"/>
+            <a:ext cx="328320" cy="162720"/>
           </a:xfrm>
           <a:prstGeom prst="rect">
             <a:avLst/>
@@ -7872,7 +7437,7 @@
               </a:lnSpc>
               <a:buNone/>
             </a:pPr>
-            <a:fld id="{55A4F70A-B7EE-4D6F-8DA6-E6F10A64A393}" type="slidenum">
+            <a:fld id="{CE584150-4013-4040-8383-5087FA8164C1}" type="slidenum">
               <a:rPr b="0" lang="en-US" sz="1070" spc="-1" strike="noStrike">
                 <a:solidFill>
                   <a:srgbClr val="919191"/>
@@ -7889,7 +7454,50 @@
       </p:sp>
       <p:sp>
         <p:nvSpPr>
-          <p:cNvPr id="96" name="PlaceHolder 3"/>
+          <p:cNvPr id="93" name="PlaceHolder 2"/>
+          <p:cNvSpPr>
+            <a:spLocks noGrp="1"/>
+          </p:cNvSpPr>
+          <p:nvPr>
+            <p:ph type="title"/>
+          </p:nvPr>
+        </p:nvSpPr>
+        <p:spPr>
+          <a:xfrm>
+            <a:off x="609480" y="273600"/>
+            <a:ext cx="10972440" cy="1144800"/>
+          </a:xfrm>
+          <a:prstGeom prst="rect">
+            <a:avLst/>
+          </a:prstGeom>
+          <a:noFill/>
+          <a:ln w="0">
+            <a:noFill/>
+          </a:ln>
+        </p:spPr>
+        <p:txBody>
+          <a:bodyPr lIns="0" rIns="0" tIns="0" bIns="0" anchor="ctr">
+            <a:noAutofit/>
+          </a:bodyPr>
+          <a:p>
+            <a:pPr algn="ctr">
+              <a:buNone/>
+            </a:pPr>
+            <a:r>
+              <a:rPr b="0" lang="en-US" sz="4400" spc="-1" strike="noStrike">
+                <a:latin typeface="Arial"/>
+              </a:rPr>
+              <a:t>Click to edit the title text format</a:t>
+            </a:r>
+            <a:endParaRPr b="0" lang="en-US" sz="4400" spc="-1" strike="noStrike">
+              <a:latin typeface="Arial"/>
+            </a:endParaRPr>
+          </a:p>
+        </p:txBody>
+      </p:sp>
+      <p:sp>
+        <p:nvSpPr>
+          <p:cNvPr id="94" name="PlaceHolder 3"/>
           <p:cNvSpPr>
             <a:spLocks noGrp="1"/>
           </p:cNvSpPr>
@@ -7899,8 +7507,8 @@
         </p:nvSpPr>
         <p:spPr>
           <a:xfrm>
-            <a:off x="624240" y="2084760"/>
-            <a:ext cx="10366920" cy="4224600"/>
+            <a:off x="609480" y="1604520"/>
+            <a:ext cx="10972440" cy="3977280"/>
           </a:xfrm>
           <a:prstGeom prst="rect">
             <a:avLst/>
@@ -7912,7 +7520,7 @@
         </p:spPr>
         <p:txBody>
           <a:bodyPr lIns="0" rIns="0" tIns="0" bIns="0" anchor="t">
-            <a:noAutofit/>
+            <a:normAutofit/>
           </a:bodyPr>
           <a:p>
             <a:pPr marL="432000" indent="-324000">
@@ -7927,25 +7535,41 @@
               <a:buChar char=""/>
             </a:pPr>
             <a:r>
-              <a:rPr b="0" lang="de-DE" sz="2400" spc="-1" strike="noStrike">
-                <a:solidFill>
-                  <a:srgbClr val="000000"/>
-                </a:solidFill>
+              <a:rPr b="0" lang="en-US" sz="3200" spc="-1" strike="noStrike">
                 <a:latin typeface="Arial"/>
               </a:rPr>
-              <a:t>Mastertextformat bearbeiten</a:t>
+              <a:t>Click to edit the outline text format</a:t>
             </a:r>
-            <a:endParaRPr b="1" lang="en-US" sz="2400" spc="-1" strike="noStrike">
-              <a:solidFill>
-                <a:srgbClr val="41c363"/>
-              </a:solidFill>
-              <a:latin typeface="Arial Narrow"/>
-            </a:endParaRPr>
-          </a:p>
-          <a:p>
-            <a:pPr marL="432000" indent="-324000">
+            <a:endParaRPr b="0" lang="en-US" sz="3200" spc="-1" strike="noStrike">
+              <a:latin typeface="Arial"/>
+            </a:endParaRPr>
+          </a:p>
+          <a:p>
+            <a:pPr lvl="1" marL="864000" indent="-324000">
               <a:spcBef>
-                <a:spcPts val="1417"/>
+                <a:spcPts val="1134"/>
+              </a:spcBef>
+              <a:buClr>
+                <a:srgbClr val="000000"/>
+              </a:buClr>
+              <a:buSzPct val="75000"/>
+              <a:buFont typeface="Symbol" charset="2"/>
+              <a:buChar char=""/>
+            </a:pPr>
+            <a:r>
+              <a:rPr b="0" lang="en-US" sz="2800" spc="-1" strike="noStrike">
+                <a:latin typeface="Arial"/>
+              </a:rPr>
+              <a:t>Second Outline Level</a:t>
+            </a:r>
+            <a:endParaRPr b="0" lang="en-US" sz="2800" spc="-1" strike="noStrike">
+              <a:latin typeface="Arial"/>
+            </a:endParaRPr>
+          </a:p>
+          <a:p>
+            <a:pPr lvl="2" marL="1296000" indent="-288000">
+              <a:spcBef>
+                <a:spcPts val="850"/>
               </a:spcBef>
               <a:buClr>
                 <a:srgbClr val="000000"/>
@@ -7955,25 +7579,41 @@
               <a:buChar char=""/>
             </a:pPr>
             <a:r>
-              <a:rPr b="0" lang="de-DE" sz="2400" spc="-1" strike="noStrike">
-                <a:solidFill>
-                  <a:srgbClr val="000000"/>
-                </a:solidFill>
+              <a:rPr b="0" lang="en-US" sz="2400" spc="-1" strike="noStrike">
                 <a:latin typeface="Arial"/>
               </a:rPr>
-              <a:t>Zweite Ebene</a:t>
+              <a:t>Third Outline Level</a:t>
             </a:r>
-            <a:endParaRPr b="1" lang="en-US" sz="2400" spc="-1" strike="noStrike">
-              <a:solidFill>
-                <a:srgbClr val="41c363"/>
-              </a:solidFill>
-              <a:latin typeface="Arial Narrow"/>
-            </a:endParaRPr>
-          </a:p>
-          <a:p>
-            <a:pPr marL="432000" indent="-324000">
+            <a:endParaRPr b="0" lang="en-US" sz="2400" spc="-1" strike="noStrike">
+              <a:latin typeface="Arial"/>
+            </a:endParaRPr>
+          </a:p>
+          <a:p>
+            <a:pPr lvl="3" marL="1728000" indent="-216000">
               <a:spcBef>
-                <a:spcPts val="1417"/>
+                <a:spcPts val="567"/>
+              </a:spcBef>
+              <a:buClr>
+                <a:srgbClr val="000000"/>
+              </a:buClr>
+              <a:buSzPct val="75000"/>
+              <a:buFont typeface="Symbol" charset="2"/>
+              <a:buChar char=""/>
+            </a:pPr>
+            <a:r>
+              <a:rPr b="0" lang="en-US" sz="2000" spc="-1" strike="noStrike">
+                <a:latin typeface="Arial"/>
+              </a:rPr>
+              <a:t>Fourth Outline Level</a:t>
+            </a:r>
+            <a:endParaRPr b="0" lang="en-US" sz="2000" spc="-1" strike="noStrike">
+              <a:latin typeface="Arial"/>
+            </a:endParaRPr>
+          </a:p>
+          <a:p>
+            <a:pPr lvl="4" marL="2160000" indent="-216000">
+              <a:spcBef>
+                <a:spcPts val="283"/>
               </a:spcBef>
               <a:buClr>
                 <a:srgbClr val="000000"/>
@@ -7983,25 +7623,19 @@
               <a:buChar char=""/>
             </a:pPr>
             <a:r>
-              <a:rPr b="0" lang="de-DE" sz="2400" spc="-1" strike="noStrike">
-                <a:solidFill>
-                  <a:srgbClr val="000000"/>
-                </a:solidFill>
+              <a:rPr b="0" lang="en-US" sz="2000" spc="-1" strike="noStrike">
                 <a:latin typeface="Arial"/>
               </a:rPr>
-              <a:t>Dritte Ebene</a:t>
+              <a:t>Fifth Outline Level</a:t>
             </a:r>
-            <a:endParaRPr b="1" lang="en-US" sz="2400" spc="-1" strike="noStrike">
-              <a:solidFill>
-                <a:srgbClr val="41c363"/>
-              </a:solidFill>
-              <a:latin typeface="Arial Narrow"/>
-            </a:endParaRPr>
-          </a:p>
-          <a:p>
-            <a:pPr marL="432000" indent="-324000">
+            <a:endParaRPr b="0" lang="en-US" sz="2000" spc="-1" strike="noStrike">
+              <a:latin typeface="Arial"/>
+            </a:endParaRPr>
+          </a:p>
+          <a:p>
+            <a:pPr lvl="5" marL="2592000" indent="-216000">
               <a:spcBef>
-                <a:spcPts val="1417"/>
+                <a:spcPts val="283"/>
               </a:spcBef>
               <a:buClr>
                 <a:srgbClr val="000000"/>
@@ -8011,86 +7645,19 @@
               <a:buChar char=""/>
             </a:pPr>
             <a:r>
-              <a:rPr b="0" lang="de-DE" sz="2400" spc="-1" strike="noStrike">
-                <a:solidFill>
-                  <a:srgbClr val="000000"/>
-                </a:solidFill>
+              <a:rPr b="0" lang="en-US" sz="2000" spc="-1" strike="noStrike">
                 <a:latin typeface="Arial"/>
               </a:rPr>
-              <a:t>Vierte Ebene</a:t>
+              <a:t>Sixth Outline Level</a:t>
             </a:r>
-            <a:endParaRPr b="1" lang="en-US" sz="2400" spc="-1" strike="noStrike">
-              <a:solidFill>
-                <a:srgbClr val="41c363"/>
-              </a:solidFill>
-              <a:latin typeface="Arial Narrow"/>
-            </a:endParaRPr>
-          </a:p>
-          <a:p>
-            <a:pPr>
-              <a:lnSpc>
-                <a:spcPct val="100000"/>
-              </a:lnSpc>
+            <a:endParaRPr b="0" lang="en-US" sz="2000" spc="-1" strike="noStrike">
+              <a:latin typeface="Arial"/>
+            </a:endParaRPr>
+          </a:p>
+          <a:p>
+            <a:pPr lvl="6" marL="3024000" indent="-216000">
               <a:spcBef>
-                <a:spcPts val="266"/>
-              </a:spcBef>
-              <a:spcAft>
-                <a:spcPts val="1599"/>
-              </a:spcAft>
-              <a:buNone/>
-              <a:tabLst>
-                <a:tab algn="l" pos="0"/>
-              </a:tabLst>
-            </a:pPr>
-            <a:r>
-              <a:rPr b="0" lang="de-DE" sz="2400" spc="-1" strike="noStrike">
-                <a:solidFill>
-                  <a:srgbClr val="000000"/>
-                </a:solidFill>
-                <a:latin typeface="Arial"/>
-              </a:rPr>
-              <a:t>Fünfte Ebene</a:t>
-            </a:r>
-            <a:endParaRPr b="1" lang="en-US" sz="2400" spc="-1" strike="noStrike">
-              <a:solidFill>
-                <a:srgbClr val="41c363"/>
-              </a:solidFill>
-              <a:latin typeface="Arial Narrow"/>
-            </a:endParaRPr>
-          </a:p>
-        </p:txBody>
-      </p:sp>
-      <p:sp>
-        <p:nvSpPr>
-          <p:cNvPr id="97" name="PlaceHolder 4"/>
-          <p:cNvSpPr>
-            <a:spLocks noGrp="1"/>
-          </p:cNvSpPr>
-          <p:nvPr>
-            <p:ph type="body"/>
-          </p:nvPr>
-        </p:nvSpPr>
-        <p:spPr>
-          <a:xfrm>
-            <a:off x="624240" y="1172880"/>
-            <a:ext cx="8534160" cy="338400"/>
-          </a:xfrm>
-          <a:prstGeom prst="rect">
-            <a:avLst/>
-          </a:prstGeom>
-          <a:noFill/>
-          <a:ln w="0">
-            <a:noFill/>
-          </a:ln>
-        </p:spPr>
-        <p:txBody>
-          <a:bodyPr lIns="0" rIns="0" tIns="0" bIns="0" anchor="t">
-            <a:noAutofit/>
-          </a:bodyPr>
-          <a:p>
-            <a:pPr marL="432000" indent="-324000">
-              <a:spcBef>
-                <a:spcPts val="1417"/>
+                <a:spcPts val="283"/>
               </a:spcBef>
               <a:buClr>
                 <a:srgbClr val="000000"/>
@@ -8100,135 +7667,13 @@
               <a:buChar char=""/>
             </a:pPr>
             <a:r>
-              <a:rPr b="1" lang="de-DE" sz="2660" spc="-1" strike="noStrike">
-                <a:solidFill>
-                  <a:srgbClr val="41c363"/>
-                </a:solidFill>
-                <a:latin typeface="Arial Narrow"/>
-              </a:rPr>
-              <a:t>Mastertextformat bearbeiten</a:t>
+              <a:rPr b="0" lang="en-US" sz="2000" spc="-1" strike="noStrike">
+                <a:latin typeface="Arial"/>
+              </a:rPr>
+              <a:t>Seventh Outline Level</a:t>
             </a:r>
-            <a:endParaRPr b="1" lang="en-US" sz="2660" spc="-1" strike="noStrike">
-              <a:solidFill>
-                <a:srgbClr val="41c363"/>
-              </a:solidFill>
-              <a:latin typeface="Arial Narrow"/>
-            </a:endParaRPr>
-          </a:p>
-          <a:p>
-            <a:pPr marL="432000" indent="-324000">
-              <a:spcBef>
-                <a:spcPts val="1417"/>
-              </a:spcBef>
-              <a:buClr>
-                <a:srgbClr val="000000"/>
-              </a:buClr>
-              <a:buSzPct val="45000"/>
-              <a:buFont typeface="Wingdings" charset="2"/>
-              <a:buChar char=""/>
-            </a:pPr>
-            <a:r>
-              <a:rPr b="1" lang="de-DE" sz="2660" spc="-1" strike="noStrike">
-                <a:solidFill>
-                  <a:srgbClr val="41c363"/>
-                </a:solidFill>
-                <a:latin typeface="Arial Narrow"/>
-              </a:rPr>
-              <a:t>Zweite Ebene</a:t>
-            </a:r>
-            <a:endParaRPr b="1" lang="en-US" sz="2660" spc="-1" strike="noStrike">
-              <a:solidFill>
-                <a:srgbClr val="41c363"/>
-              </a:solidFill>
-              <a:latin typeface="Arial Narrow"/>
-            </a:endParaRPr>
-          </a:p>
-          <a:p>
-            <a:pPr marL="432000" indent="-324000">
-              <a:spcBef>
-                <a:spcPts val="1417"/>
-              </a:spcBef>
-              <a:buClr>
-                <a:srgbClr val="000000"/>
-              </a:buClr>
-              <a:buSzPct val="45000"/>
-              <a:buFont typeface="Wingdings" charset="2"/>
-              <a:buChar char=""/>
-            </a:pPr>
-            <a:r>
-              <a:rPr b="1" lang="de-DE" sz="2660" spc="-1" strike="noStrike">
-                <a:solidFill>
-                  <a:srgbClr val="41c363"/>
-                </a:solidFill>
-                <a:latin typeface="Arial Narrow"/>
-              </a:rPr>
-              <a:t>Dritte Ebene</a:t>
-            </a:r>
-            <a:endParaRPr b="1" lang="en-US" sz="2660" spc="-1" strike="noStrike">
-              <a:solidFill>
-                <a:srgbClr val="41c363"/>
-              </a:solidFill>
-              <a:latin typeface="Arial Narrow"/>
-            </a:endParaRPr>
-          </a:p>
-          <a:p>
-            <a:pPr marL="432000" indent="-324000">
-              <a:spcBef>
-                <a:spcPts val="1417"/>
-              </a:spcBef>
-              <a:buClr>
-                <a:srgbClr val="000000"/>
-              </a:buClr>
-              <a:buSzPct val="45000"/>
-              <a:buFont typeface="Wingdings" charset="2"/>
-              <a:buChar char=""/>
-            </a:pPr>
-            <a:r>
-              <a:rPr b="1" lang="de-DE" sz="2660" spc="-1" strike="noStrike">
-                <a:solidFill>
-                  <a:srgbClr val="41c363"/>
-                </a:solidFill>
-                <a:latin typeface="Arial Narrow"/>
-              </a:rPr>
-              <a:t>Vierte Ebene</a:t>
-            </a:r>
-            <a:endParaRPr b="1" lang="en-US" sz="2660" spc="-1" strike="noStrike">
-              <a:solidFill>
-                <a:srgbClr val="41c363"/>
-              </a:solidFill>
-              <a:latin typeface="Arial Narrow"/>
-            </a:endParaRPr>
-          </a:p>
-          <a:p>
-            <a:pPr>
-              <a:lnSpc>
-                <a:spcPct val="100000"/>
-              </a:lnSpc>
-              <a:spcBef>
-                <a:spcPts val="266"/>
-              </a:spcBef>
-              <a:spcAft>
-                <a:spcPts val="1599"/>
-              </a:spcAft>
-              <a:buNone/>
-              <a:tabLst>
-                <a:tab algn="l" pos="0"/>
-              </a:tabLst>
-            </a:pPr>
-            <a:r>
-              <a:rPr b="1" lang="de-DE" sz="2660" spc="-1" strike="noStrike">
-                <a:solidFill>
-                  <a:srgbClr val="41c363"/>
-                </a:solidFill>
-                <a:latin typeface="Arial Narrow"/>
-              </a:rPr>
-              <a:t>Fünfte Ebene</a:t>
-            </a:r>
-            <a:endParaRPr b="1" lang="en-US" sz="2660" spc="-1" strike="noStrike">
-              <a:solidFill>
-                <a:srgbClr val="41c363"/>
-              </a:solidFill>
-              <a:latin typeface="Arial Narrow"/>
+            <a:endParaRPr b="0" lang="en-US" sz="2000" spc="-1" strike="noStrike">
+              <a:latin typeface="Arial"/>
             </a:endParaRPr>
           </a:p>
         </p:txBody>
@@ -8272,7 +7717,7 @@
       </p:grpSpPr>
       <p:sp>
         <p:nvSpPr>
-          <p:cNvPr id="140" name="PlaceHolder 1"/>
+          <p:cNvPr id="137" name="PlaceHolder 1"/>
           <p:cNvSpPr>
             <a:spLocks noGrp="1"/>
           </p:cNvSpPr>
@@ -8283,7 +7728,7 @@
         <p:spPr>
           <a:xfrm>
             <a:off x="624240" y="270000"/>
-            <a:ext cx="11491200" cy="716040"/>
+            <a:ext cx="11490840" cy="715680"/>
           </a:xfrm>
           <a:prstGeom prst="rect">
             <a:avLst/>
@@ -8349,20 +7794,17 @@
               <a:t>michael.hierl@avnet.eu</a:t>
             </a:r>
             <a:br>
-              <a:rPr sz="3200"/>
+              <a:rPr sz="1800"/>
             </a:br>
             <a:endParaRPr b="0" lang="en-US" sz="1800" spc="-1" strike="noStrike">
-              <a:solidFill>
-                <a:srgbClr val="000000"/>
-              </a:solidFill>
-              <a:latin typeface="Arial"/>
-            </a:endParaRPr>
-          </a:p>
-        </p:txBody>
-      </p:sp>
-      <p:sp>
-        <p:nvSpPr>
-          <p:cNvPr id="141" name="PlaceHolder 2"/>
+              <a:latin typeface="Arial"/>
+            </a:endParaRPr>
+          </a:p>
+        </p:txBody>
+      </p:sp>
+      <p:sp>
+        <p:nvSpPr>
+          <p:cNvPr id="138" name="PlaceHolder 2"/>
           <p:cNvSpPr>
             <a:spLocks noGrp="1"/>
           </p:cNvSpPr>
@@ -8373,7 +7815,7 @@
         <p:spPr>
           <a:xfrm>
             <a:off x="0" y="6521400"/>
-            <a:ext cx="327600" cy="162720"/>
+            <a:ext cx="327240" cy="162360"/>
           </a:xfrm>
           <a:prstGeom prst="rect">
             <a:avLst/>
@@ -8408,7 +7850,7 @@
               </a:lnSpc>
               <a:buNone/>
             </a:pPr>
-            <a:fld id="{78AA37CB-F566-41C3-B304-00ED6FDBC62B}" type="slidenum">
+            <a:fld id="{93F11EE0-9D76-4EC4-A90E-342D2DFE7B47}" type="slidenum">
               <a:rPr b="0" lang="en-US" sz="1070" spc="-1" strike="noStrike">
                 <a:solidFill>
                   <a:srgbClr val="919191"/>
@@ -8425,7 +7867,7 @@
       </p:sp>
       <p:pic>
         <p:nvPicPr>
-          <p:cNvPr id="142" name="Bildplatzhalter 3" descr=""/>
+          <p:cNvPr id="139" name="Bildplatzhalter 3" descr=""/>
           <p:cNvPicPr/>
           <p:nvPr/>
         </p:nvPicPr>
@@ -8438,7 +7880,7 @@
         <p:spPr>
           <a:xfrm>
             <a:off x="0" y="3459240"/>
-            <a:ext cx="12191760" cy="3389040"/>
+            <a:ext cx="12191400" cy="3388680"/>
           </a:xfrm>
           <a:prstGeom prst="rect">
             <a:avLst/>
@@ -8480,7 +7922,7 @@
       </p:grpSpPr>
       <p:sp>
         <p:nvSpPr>
-          <p:cNvPr id="143" name="PlaceHolder 1"/>
+          <p:cNvPr id="140" name="PlaceHolder 1"/>
           <p:cNvSpPr>
             <a:spLocks noGrp="1"/>
           </p:cNvSpPr>
@@ -8491,7 +7933,7 @@
         <p:spPr>
           <a:xfrm>
             <a:off x="624240" y="357840"/>
-            <a:ext cx="9921600" cy="691200"/>
+            <a:ext cx="9921240" cy="690840"/>
           </a:xfrm>
           <a:prstGeom prst="rect">
             <a:avLst/>
@@ -8522,17 +7964,14 @@
               <a:t>What is TuxPipes?</a:t>
             </a:r>
             <a:endParaRPr b="0" lang="en-US" sz="3200" spc="-1" strike="noStrike">
-              <a:solidFill>
-                <a:srgbClr val="000000"/>
-              </a:solidFill>
-              <a:latin typeface="Arial"/>
-            </a:endParaRPr>
-          </a:p>
-        </p:txBody>
-      </p:sp>
-      <p:sp>
-        <p:nvSpPr>
-          <p:cNvPr id="144" name="PlaceHolder 2"/>
+              <a:latin typeface="Arial"/>
+            </a:endParaRPr>
+          </a:p>
+        </p:txBody>
+      </p:sp>
+      <p:sp>
+        <p:nvSpPr>
+          <p:cNvPr id="141" name="PlaceHolder 2"/>
           <p:cNvSpPr>
             <a:spLocks noGrp="1"/>
           </p:cNvSpPr>
@@ -8543,7 +7982,7 @@
         <p:spPr>
           <a:xfrm>
             <a:off x="996840" y="1305000"/>
-            <a:ext cx="10304280" cy="5082120"/>
+            <a:ext cx="10303920" cy="5081760"/>
           </a:xfrm>
           <a:prstGeom prst="rect">
             <a:avLst/>
@@ -8576,11 +8015,8 @@
               </a:rPr>
               <a:t>A python script for …</a:t>
             </a:r>
-            <a:endParaRPr b="1" lang="en-US" sz="2800" spc="-1" strike="noStrike">
-              <a:solidFill>
-                <a:srgbClr val="41c363"/>
-              </a:solidFill>
-              <a:latin typeface="Arial Narrow"/>
+            <a:endParaRPr b="0" lang="en-US" sz="2800" spc="-1" strike="noStrike">
+              <a:latin typeface="Arial"/>
             </a:endParaRPr>
           </a:p>
           <a:p>
@@ -8610,9 +8046,6 @@
               <a:t>saving</a:t>
             </a:r>
             <a:endParaRPr b="0" lang="en-US" sz="2000" spc="-1" strike="noStrike">
-              <a:solidFill>
-                <a:srgbClr val="000000"/>
-              </a:solidFill>
               <a:latin typeface="Arial"/>
             </a:endParaRPr>
           </a:p>
@@ -8643,9 +8076,6 @@
               <a:t>editing</a:t>
             </a:r>
             <a:endParaRPr b="0" lang="en-US" sz="2000" spc="-1" strike="noStrike">
-              <a:solidFill>
-                <a:srgbClr val="000000"/>
-              </a:solidFill>
               <a:latin typeface="Arial"/>
             </a:endParaRPr>
           </a:p>
@@ -8676,9 +8106,6 @@
               <a:t>executing</a:t>
             </a:r>
             <a:endParaRPr b="0" lang="en-US" sz="2000" spc="-1" strike="noStrike">
-              <a:solidFill>
-                <a:srgbClr val="000000"/>
-              </a:solidFill>
               <a:latin typeface="Arial"/>
             </a:endParaRPr>
           </a:p>
@@ -8710,11 +8137,8 @@
               </a:rPr>
               <a:t>complete GStreamer pipelines or just parts of it.</a:t>
             </a:r>
-            <a:endParaRPr b="1" lang="en-US" sz="2800" spc="-1" strike="noStrike">
-              <a:solidFill>
-                <a:srgbClr val="41c363"/>
-              </a:solidFill>
-              <a:latin typeface="Arial Narrow"/>
+            <a:endParaRPr b="0" lang="en-US" sz="2800" spc="-1" strike="noStrike">
+              <a:latin typeface="Arial"/>
             </a:endParaRPr>
           </a:p>
           <a:p>
@@ -8727,11 +8151,8 @@
                 <a:tab algn="l" pos="0"/>
               </a:tabLst>
             </a:pPr>
-            <a:endParaRPr b="1" lang="en-US" sz="2800" spc="-1" strike="noStrike">
-              <a:solidFill>
-                <a:srgbClr val="41c363"/>
-              </a:solidFill>
-              <a:latin typeface="Arial Narrow"/>
+            <a:endParaRPr b="0" lang="en-US" sz="2800" spc="-1" strike="noStrike">
+              <a:latin typeface="Arial"/>
             </a:endParaRPr>
           </a:p>
           <a:p>
@@ -8753,11 +8174,8 @@
               </a:rPr>
               <a:t>It works like and alias program that …</a:t>
             </a:r>
-            <a:endParaRPr b="1" lang="en-US" sz="2800" spc="-1" strike="noStrike">
-              <a:solidFill>
-                <a:srgbClr val="41c363"/>
-              </a:solidFill>
-              <a:latin typeface="Arial Narrow"/>
+            <a:endParaRPr b="0" lang="en-US" sz="2800" spc="-1" strike="noStrike">
+              <a:latin typeface="Arial"/>
             </a:endParaRPr>
           </a:p>
           <a:p>
@@ -8787,9 +8205,6 @@
               <a:t>gives long pipelines a short name</a:t>
             </a:r>
             <a:endParaRPr b="0" lang="en-US" sz="2000" spc="-1" strike="noStrike">
-              <a:solidFill>
-                <a:srgbClr val="000000"/>
-              </a:solidFill>
               <a:latin typeface="Arial"/>
             </a:endParaRPr>
           </a:p>
@@ -8820,9 +8235,6 @@
               <a:t>can be used with variables and default values</a:t>
             </a:r>
             <a:endParaRPr b="0" lang="en-US" sz="2000" spc="-1" strike="noStrike">
-              <a:solidFill>
-                <a:srgbClr val="000000"/>
-              </a:solidFill>
               <a:latin typeface="Arial"/>
             </a:endParaRPr>
           </a:p>
@@ -8853,9 +8265,6 @@
               <a:t>can combine pipelines</a:t>
             </a:r>
             <a:endParaRPr b="0" lang="en-US" sz="2000" spc="-1" strike="noStrike">
-              <a:solidFill>
-                <a:srgbClr val="000000"/>
-              </a:solidFill>
               <a:latin typeface="Arial"/>
             </a:endParaRPr>
           </a:p>
@@ -8887,11 +8296,8 @@
               </a:rPr>
               <a:t>to execute a desired GStreamer command.</a:t>
             </a:r>
-            <a:endParaRPr b="1" lang="en-US" sz="2800" spc="-1" strike="noStrike">
-              <a:solidFill>
-                <a:srgbClr val="41c363"/>
-              </a:solidFill>
-              <a:latin typeface="Arial Narrow"/>
+            <a:endParaRPr b="0" lang="en-US" sz="2800" spc="-1" strike="noStrike">
+              <a:latin typeface="Arial"/>
             </a:endParaRPr>
           </a:p>
         </p:txBody>
@@ -8940,7 +8346,7 @@
                                           </p:stCondLst>
                                         </p:cTn>
                                         <p:tgtEl>
-                                          <p:spTgt spid="144">
+                                          <p:spTgt spid="141">
                                             <p:txEl>
                                               <p:pRg st="0" end="0"/>
                                             </p:txEl>
@@ -8980,7 +8386,7 @@
                                           </p:stCondLst>
                                         </p:cTn>
                                         <p:tgtEl>
-                                          <p:spTgt spid="144">
+                                          <p:spTgt spid="141">
                                             <p:txEl>
                                               <p:pRg st="1" end="1"/>
                                             </p:txEl>
@@ -9020,7 +8426,7 @@
                                           </p:stCondLst>
                                         </p:cTn>
                                         <p:tgtEl>
-                                          <p:spTgt spid="144">
+                                          <p:spTgt spid="141">
                                             <p:txEl>
                                               <p:pRg st="2" end="2"/>
                                             </p:txEl>
@@ -9060,7 +8466,7 @@
                                           </p:stCondLst>
                                         </p:cTn>
                                         <p:tgtEl>
-                                          <p:spTgt spid="144">
+                                          <p:spTgt spid="141">
                                             <p:txEl>
                                               <p:pRg st="3" end="3"/>
                                             </p:txEl>
@@ -9100,7 +8506,7 @@
                                           </p:stCondLst>
                                         </p:cTn>
                                         <p:tgtEl>
-                                          <p:spTgt spid="144">
+                                          <p:spTgt spid="141">
                                             <p:txEl>
                                               <p:pRg st="4" end="4"/>
                                             </p:txEl>
@@ -9149,7 +8555,7 @@
                                           </p:stCondLst>
                                         </p:cTn>
                                         <p:tgtEl>
-                                          <p:spTgt spid="144">
+                                          <p:spTgt spid="141">
                                             <p:txEl>
                                               <p:pRg st="6" end="6"/>
                                             </p:txEl>
@@ -9189,7 +8595,7 @@
                                           </p:stCondLst>
                                         </p:cTn>
                                         <p:tgtEl>
-                                          <p:spTgt spid="144">
+                                          <p:spTgt spid="141">
                                             <p:txEl>
                                               <p:pRg st="7" end="7"/>
                                             </p:txEl>
@@ -9229,7 +8635,7 @@
                                           </p:stCondLst>
                                         </p:cTn>
                                         <p:tgtEl>
-                                          <p:spTgt spid="144">
+                                          <p:spTgt spid="141">
                                             <p:txEl>
                                               <p:pRg st="8" end="8"/>
                                             </p:txEl>
@@ -9269,7 +8675,7 @@
                                           </p:stCondLst>
                                         </p:cTn>
                                         <p:tgtEl>
-                                          <p:spTgt spid="144">
+                                          <p:spTgt spid="141">
                                             <p:txEl>
                                               <p:pRg st="9" end="9"/>
                                             </p:txEl>
@@ -9309,7 +8715,7 @@
                                           </p:stCondLst>
                                         </p:cTn>
                                         <p:tgtEl>
-                                          <p:spTgt spid="144">
+                                          <p:spTgt spid="141">
                                             <p:txEl>
                                               <p:pRg st="10" end="10"/>
                                             </p:txEl>
@@ -9376,7 +8782,7 @@
       </p:grpSpPr>
       <p:sp>
         <p:nvSpPr>
-          <p:cNvPr id="145" name="PlaceHolder 1"/>
+          <p:cNvPr id="142" name="PlaceHolder 1"/>
           <p:cNvSpPr>
             <a:spLocks noGrp="1"/>
           </p:cNvSpPr>
@@ -9387,7 +8793,7 @@
         <p:spPr>
           <a:xfrm>
             <a:off x="624240" y="357840"/>
-            <a:ext cx="10366920" cy="691200"/>
+            <a:ext cx="10366560" cy="690840"/>
           </a:xfrm>
           <a:prstGeom prst="rect">
             <a:avLst/>
@@ -9418,17 +8824,14 @@
               <a:t>How to use it? – commands </a:t>
             </a:r>
             <a:endParaRPr b="0" lang="en-US" sz="3000" spc="-1" strike="noStrike">
-              <a:solidFill>
-                <a:srgbClr val="000000"/>
-              </a:solidFill>
-              <a:latin typeface="Arial"/>
-            </a:endParaRPr>
-          </a:p>
-        </p:txBody>
-      </p:sp>
-      <p:sp>
-        <p:nvSpPr>
-          <p:cNvPr id="146" name="PlaceHolder 2"/>
+              <a:latin typeface="Arial"/>
+            </a:endParaRPr>
+          </a:p>
+        </p:txBody>
+      </p:sp>
+      <p:sp>
+        <p:nvSpPr>
+          <p:cNvPr id="143" name="PlaceHolder 2"/>
           <p:cNvSpPr>
             <a:spLocks noGrp="1"/>
           </p:cNvSpPr>
@@ -9439,7 +8842,7 @@
         <p:spPr>
           <a:xfrm>
             <a:off x="187920" y="6521400"/>
-            <a:ext cx="328680" cy="163080"/>
+            <a:ext cx="328320" cy="162720"/>
           </a:xfrm>
           <a:prstGeom prst="rect">
             <a:avLst/>
@@ -9474,7 +8877,7 @@
               </a:lnSpc>
               <a:buNone/>
             </a:pPr>
-            <a:fld id="{19073903-6C38-4B49-8B1F-CE699C445ED0}" type="slidenum">
+            <a:fld id="{5B5B4540-27E3-403D-A4B9-6A353CECD284}" type="slidenum">
               <a:rPr b="0" lang="en-US" sz="1070" spc="-1" strike="noStrike">
                 <a:solidFill>
                   <a:srgbClr val="919191"/>
@@ -9491,14 +8894,14 @@
       </p:sp>
       <p:sp>
         <p:nvSpPr>
-          <p:cNvPr id="147" name="Content Placeholder 2"/>
+          <p:cNvPr id="144" name="Content Placeholder 2"/>
           <p:cNvSpPr/>
           <p:nvPr/>
         </p:nvSpPr>
         <p:spPr>
           <a:xfrm>
             <a:off x="996840" y="1305000"/>
-            <a:ext cx="10304280" cy="5082120"/>
+            <a:ext cx="10303920" cy="5081760"/>
           </a:xfrm>
           <a:prstGeom prst="rect">
             <a:avLst/>
@@ -9535,6 +8938,7 @@
                   <a:srgbClr val="000000"/>
                 </a:solidFill>
                 <a:latin typeface="Arial"/>
+                <a:ea typeface="DejaVu Sans"/>
               </a:rPr>
               <a:t>Run the script like any other python script</a:t>
             </a:r>
@@ -9547,6 +8951,7 @@
                   <a:srgbClr val="000000"/>
                 </a:solidFill>
                 <a:latin typeface="Arial"/>
+                <a:ea typeface="DejaVu Sans"/>
               </a:rPr>
               <a:t>	</a:t>
             </a:r>
@@ -9556,6 +8961,7 @@
                   <a:srgbClr val="000000"/>
                 </a:solidFill>
                 <a:latin typeface="Arial"/>
+                <a:ea typeface="DejaVu Sans"/>
               </a:rPr>
               <a:t>$ python tuxpipes.py</a:t>
             </a:r>
@@ -9591,6 +8997,7 @@
                   <a:srgbClr val="000000"/>
                 </a:solidFill>
                 <a:latin typeface="Arial"/>
+                <a:ea typeface="DejaVu Sans"/>
               </a:rPr>
               <a:t>You can use different command line arguments</a:t>
             </a:r>
@@ -9619,6 +9026,7 @@
                   <a:srgbClr val="000000"/>
                 </a:solidFill>
                 <a:latin typeface="Arial"/>
+                <a:ea typeface="DejaVu Sans"/>
               </a:rPr>
               <a:t>--add</a:t>
             </a:r>
@@ -9628,6 +9036,7 @@
                   <a:srgbClr val="000000"/>
                 </a:solidFill>
                 <a:latin typeface="Arial"/>
+                <a:ea typeface="DejaVu Sans"/>
               </a:rPr>
               <a:t>	</a:t>
             </a:r>
@@ -9637,6 +9046,7 @@
                   <a:srgbClr val="000000"/>
                 </a:solidFill>
                 <a:latin typeface="Arial"/>
+                <a:ea typeface="DejaVu Sans"/>
               </a:rPr>
               <a:t>	</a:t>
             </a:r>
@@ -9646,6 +9056,7 @@
                   <a:srgbClr val="000000"/>
                 </a:solidFill>
                 <a:latin typeface="Arial"/>
+                <a:ea typeface="DejaVu Sans"/>
               </a:rPr>
               <a:t>to add a new pipeline to be used later</a:t>
             </a:r>
@@ -9674,6 +9085,7 @@
                   <a:srgbClr val="000000"/>
                 </a:solidFill>
                 <a:latin typeface="Arial"/>
+                <a:ea typeface="DejaVu Sans"/>
               </a:rPr>
               <a:t>--delete</a:t>
             </a:r>
@@ -9683,6 +9095,7 @@
                   <a:srgbClr val="000000"/>
                 </a:solidFill>
                 <a:latin typeface="Arial"/>
+                <a:ea typeface="DejaVu Sans"/>
               </a:rPr>
               <a:t>	</a:t>
             </a:r>
@@ -9692,6 +9105,7 @@
                   <a:srgbClr val="000000"/>
                 </a:solidFill>
                 <a:latin typeface="Arial"/>
+                <a:ea typeface="DejaVu Sans"/>
               </a:rPr>
               <a:t>will remove a pipeline with a provided name</a:t>
             </a:r>
@@ -9720,6 +9134,7 @@
                   <a:srgbClr val="000000"/>
                 </a:solidFill>
                 <a:latin typeface="Arial"/>
+                <a:ea typeface="DejaVu Sans"/>
               </a:rPr>
               <a:t>--rename  </a:t>
             </a:r>
@@ -9729,6 +9144,7 @@
                   <a:srgbClr val="000000"/>
                 </a:solidFill>
                 <a:latin typeface="Arial"/>
+                <a:ea typeface="DejaVu Sans"/>
               </a:rPr>
               <a:t>	</a:t>
             </a:r>
@@ -9738,6 +9154,7 @@
                   <a:srgbClr val="000000"/>
                 </a:solidFill>
                 <a:latin typeface="Arial"/>
+                <a:ea typeface="DejaVu Sans"/>
               </a:rPr>
               <a:t>will change the name of a pipeline</a:t>
             </a:r>
@@ -9766,6 +9183,7 @@
                   <a:srgbClr val="000000"/>
                 </a:solidFill>
                 <a:latin typeface="Arial"/>
+                <a:ea typeface="DejaVu Sans"/>
               </a:rPr>
               <a:t>--list</a:t>
             </a:r>
@@ -9775,6 +9193,7 @@
                   <a:srgbClr val="000000"/>
                 </a:solidFill>
                 <a:latin typeface="Arial"/>
+                <a:ea typeface="DejaVu Sans"/>
               </a:rPr>
               <a:t>	</a:t>
             </a:r>
@@ -9784,6 +9203,7 @@
                   <a:srgbClr val="000000"/>
                 </a:solidFill>
                 <a:latin typeface="Arial"/>
+                <a:ea typeface="DejaVu Sans"/>
               </a:rPr>
               <a:t>	</a:t>
             </a:r>
@@ -9793,6 +9213,7 @@
                   <a:srgbClr val="000000"/>
                 </a:solidFill>
                 <a:latin typeface="Arial"/>
+                <a:ea typeface="DejaVu Sans"/>
               </a:rPr>
               <a:t>will show all available pipelines (can be filtered)</a:t>
             </a:r>
@@ -9821,8 +9242,9 @@
                   <a:srgbClr val="000000"/>
                 </a:solidFill>
                 <a:latin typeface="Arial"/>
-              </a:rPr>
-              <a:t>--run</a:t>
+                <a:ea typeface="DejaVu Sans"/>
+              </a:rPr>
+              <a:t>pipename</a:t>
             </a:r>
             <a:r>
               <a:rPr b="0" lang="de-DE" sz="2530" spc="-1" strike="noStrike">
@@ -9830,6 +9252,7 @@
                   <a:srgbClr val="000000"/>
                 </a:solidFill>
                 <a:latin typeface="Arial"/>
+                <a:ea typeface="DejaVu Sans"/>
               </a:rPr>
               <a:t>	</a:t>
             </a:r>
@@ -9839,15 +9262,7 @@
                   <a:srgbClr val="000000"/>
                 </a:solidFill>
                 <a:latin typeface="Arial"/>
-              </a:rPr>
-              <a:t>	</a:t>
-            </a:r>
-            <a:r>
-              <a:rPr b="0" lang="de-DE" sz="2530" spc="-1" strike="noStrike">
-                <a:solidFill>
-                  <a:srgbClr val="000000"/>
-                </a:solidFill>
-                <a:latin typeface="Arial"/>
+                <a:ea typeface="DejaVu Sans"/>
               </a:rPr>
               <a:t>this will try to execute a pipeline</a:t>
             </a:r>
@@ -9886,6 +9301,7 @@
                   <a:srgbClr val="000000"/>
                 </a:solidFill>
                 <a:latin typeface="Arial"/>
+                <a:ea typeface="DejaVu Sans"/>
               </a:rPr>
               <a:t>For a complete list, type --help or check the docs.</a:t>
             </a:r>
@@ -9939,7 +9355,7 @@
                                           </p:stCondLst>
                                         </p:cTn>
                                         <p:tgtEl>
-                                          <p:spTgt spid="147">
+                                          <p:spTgt spid="144">
                                             <p:txEl>
                                               <p:pRg st="0" end="0"/>
                                             </p:txEl>
@@ -9988,7 +9404,7 @@
                                           </p:stCondLst>
                                         </p:cTn>
                                         <p:tgtEl>
-                                          <p:spTgt spid="147">
+                                          <p:spTgt spid="144">
                                             <p:txEl>
                                               <p:pRg st="2" end="2"/>
                                             </p:txEl>
@@ -10019,7 +9435,7 @@
                                           </p:stCondLst>
                                         </p:cTn>
                                         <p:tgtEl>
-                                          <p:spTgt spid="147">
+                                          <p:spTgt spid="144">
                                             <p:txEl>
                                               <p:pRg st="3" end="3"/>
                                             </p:txEl>
@@ -10050,7 +9466,7 @@
                                           </p:stCondLst>
                                         </p:cTn>
                                         <p:tgtEl>
-                                          <p:spTgt spid="147">
+                                          <p:spTgt spid="144">
                                             <p:txEl>
                                               <p:pRg st="4" end="4"/>
                                             </p:txEl>
@@ -10081,7 +9497,7 @@
                                           </p:stCondLst>
                                         </p:cTn>
                                         <p:tgtEl>
-                                          <p:spTgt spid="147">
+                                          <p:spTgt spid="144">
                                             <p:txEl>
                                               <p:pRg st="5" end="5"/>
                                             </p:txEl>
@@ -10112,7 +9528,7 @@
                                           </p:stCondLst>
                                         </p:cTn>
                                         <p:tgtEl>
-                                          <p:spTgt spid="147">
+                                          <p:spTgt spid="144">
                                             <p:txEl>
                                               <p:pRg st="6" end="6"/>
                                             </p:txEl>
@@ -10143,7 +9559,7 @@
                                           </p:stCondLst>
                                         </p:cTn>
                                         <p:tgtEl>
-                                          <p:spTgt spid="147">
+                                          <p:spTgt spid="144">
                                             <p:txEl>
                                               <p:pRg st="7" end="7"/>
                                             </p:txEl>
@@ -10192,7 +9608,7 @@
                                           </p:stCondLst>
                                         </p:cTn>
                                         <p:tgtEl>
-                                          <p:spTgt spid="147">
+                                          <p:spTgt spid="144">
                                             <p:txEl>
                                               <p:pRg st="9" end="9"/>
                                             </p:txEl>
@@ -10259,7 +9675,7 @@
       </p:grpSpPr>
       <p:sp>
         <p:nvSpPr>
-          <p:cNvPr id="148" name="PlaceHolder 1"/>
+          <p:cNvPr id="145" name="PlaceHolder 1"/>
           <p:cNvSpPr>
             <a:spLocks noGrp="1"/>
           </p:cNvSpPr>
@@ -10270,7 +9686,7 @@
         <p:spPr>
           <a:xfrm>
             <a:off x="624240" y="357840"/>
-            <a:ext cx="10366920" cy="691200"/>
+            <a:ext cx="10366560" cy="690840"/>
           </a:xfrm>
           <a:prstGeom prst="rect">
             <a:avLst/>
@@ -10301,17 +9717,14 @@
               <a:t>How to use it? – Add a pipeline (example)</a:t>
             </a:r>
             <a:endParaRPr b="0" lang="en-US" sz="3200" spc="-1" strike="noStrike">
-              <a:solidFill>
-                <a:srgbClr val="000000"/>
-              </a:solidFill>
-              <a:latin typeface="Arial"/>
-            </a:endParaRPr>
-          </a:p>
-        </p:txBody>
-      </p:sp>
-      <p:sp>
-        <p:nvSpPr>
-          <p:cNvPr id="149" name="PlaceHolder 2"/>
+              <a:latin typeface="Arial"/>
+            </a:endParaRPr>
+          </a:p>
+        </p:txBody>
+      </p:sp>
+      <p:sp>
+        <p:nvSpPr>
+          <p:cNvPr id="146" name="PlaceHolder 2"/>
           <p:cNvSpPr>
             <a:spLocks noGrp="1"/>
           </p:cNvSpPr>
@@ -10322,7 +9735,7 @@
         <p:spPr>
           <a:xfrm>
             <a:off x="624240" y="1198440"/>
-            <a:ext cx="10366920" cy="5110920"/>
+            <a:ext cx="10366560" cy="5110560"/>
           </a:xfrm>
           <a:prstGeom prst="rect">
             <a:avLst/>
@@ -10395,11 +9808,8 @@
               </a:rPr>
               <a:t>tuxpipes.py --add </a:t>
             </a:r>
-            <a:endParaRPr b="1" lang="en-US" sz="1800" spc="-1" strike="noStrike">
-              <a:solidFill>
-                <a:srgbClr val="41c363"/>
-              </a:solidFill>
-              <a:latin typeface="Arial Narrow"/>
+            <a:endParaRPr b="0" lang="en-US" sz="1800" spc="-1" strike="noStrike">
+              <a:latin typeface="Arial"/>
             </a:endParaRPr>
           </a:p>
           <a:p>
@@ -10461,11 +9871,8 @@
               </a:rPr>
               <a:t>“gst</a:t>
             </a:r>
-            <a:endParaRPr b="1" lang="en-US" sz="1800" spc="-1" strike="noStrike">
-              <a:solidFill>
-                <a:srgbClr val="41c363"/>
-              </a:solidFill>
-              <a:latin typeface="Arial Narrow"/>
+            <a:endParaRPr b="0" lang="en-US" sz="1800" spc="-1" strike="noStrike">
+              <a:latin typeface="Arial"/>
             </a:endParaRPr>
           </a:p>
           <a:p>
@@ -10527,11 +9934,8 @@
               </a:rPr>
               <a:t>:gst-launch-1.0 v4l2src device=/dev/video</a:t>
             </a:r>
-            <a:endParaRPr b="1" lang="en-US" sz="1800" spc="-1" strike="noStrike">
-              <a:solidFill>
-                <a:srgbClr val="41c363"/>
-              </a:solidFill>
-              <a:latin typeface="Arial Narrow"/>
+            <a:endParaRPr b="0" lang="en-US" sz="1800" spc="-1" strike="noStrike">
+              <a:latin typeface="Arial"/>
             </a:endParaRPr>
           </a:p>
           <a:p>
@@ -10608,11 +10012,8 @@
               </a:rPr>
               <a:t>Note: Default values are not needed.</a:t>
             </a:r>
-            <a:endParaRPr b="1" lang="en-US" sz="1800" spc="-1" strike="noStrike">
-              <a:solidFill>
-                <a:srgbClr val="41c363"/>
-              </a:solidFill>
-              <a:latin typeface="Arial Narrow"/>
+            <a:endParaRPr b="0" lang="en-US" sz="1800" spc="-1" strike="noStrike">
+              <a:latin typeface="Arial"/>
             </a:endParaRPr>
           </a:p>
           <a:p>
@@ -10641,11 +10042,8 @@
               </a:rPr>
               <a:t>The pipeline will be stored inside the “pipes.json“ file </a:t>
             </a:r>
-            <a:endParaRPr b="1" lang="en-US" sz="1800" spc="-1" strike="noStrike">
-              <a:solidFill>
-                <a:srgbClr val="41c363"/>
-              </a:solidFill>
-              <a:latin typeface="Arial Narrow"/>
+            <a:endParaRPr b="0" lang="en-US" sz="1800" spc="-1" strike="noStrike">
+              <a:latin typeface="Arial"/>
             </a:endParaRPr>
           </a:p>
         </p:txBody>
@@ -10694,7 +10092,7 @@
                                           </p:stCondLst>
                                         </p:cTn>
                                         <p:tgtEl>
-                                          <p:spTgt spid="149">
+                                          <p:spTgt spid="146">
                                             <p:txEl>
                                               <p:pRg st="0" end="0"/>
                                             </p:txEl>
@@ -10743,7 +10141,7 @@
                                           </p:stCondLst>
                                         </p:cTn>
                                         <p:tgtEl>
-                                          <p:spTgt spid="149">
+                                          <p:spTgt spid="146">
                                             <p:txEl>
                                               <p:pRg st="1" end="1"/>
                                             </p:txEl>
@@ -10792,7 +10190,7 @@
                                           </p:stCondLst>
                                         </p:cTn>
                                         <p:tgtEl>
-                                          <p:spTgt spid="149">
+                                          <p:spTgt spid="146">
                                             <p:txEl>
                                               <p:pRg st="2" end="2"/>
                                             </p:txEl>
@@ -10841,7 +10239,7 @@
                                           </p:stCondLst>
                                         </p:cTn>
                                         <p:tgtEl>
-                                          <p:spTgt spid="149">
+                                          <p:spTgt spid="146">
                                             <p:txEl>
                                               <p:pRg st="3" end="3"/>
                                             </p:txEl>
@@ -10890,7 +10288,7 @@
                                           </p:stCondLst>
                                         </p:cTn>
                                         <p:tgtEl>
-                                          <p:spTgt spid="149">
+                                          <p:spTgt spid="146">
                                             <p:txEl>
                                               <p:pRg st="4" end="4"/>
                                             </p:txEl>
@@ -10957,7 +10355,7 @@
       </p:grpSpPr>
       <p:sp>
         <p:nvSpPr>
-          <p:cNvPr id="150" name="PlaceHolder 1"/>
+          <p:cNvPr id="147" name="PlaceHolder 1"/>
           <p:cNvSpPr>
             <a:spLocks noGrp="1"/>
           </p:cNvSpPr>
@@ -10968,7 +10366,7 @@
         <p:spPr>
           <a:xfrm>
             <a:off x="624240" y="357840"/>
-            <a:ext cx="10366920" cy="691200"/>
+            <a:ext cx="10366560" cy="690840"/>
           </a:xfrm>
           <a:prstGeom prst="rect">
             <a:avLst/>
@@ -10999,17 +10397,14 @@
               <a:t>How to use it? – Run a pipeline</a:t>
             </a:r>
             <a:endParaRPr b="0" lang="en-US" sz="3200" spc="-1" strike="noStrike">
-              <a:solidFill>
-                <a:srgbClr val="000000"/>
-              </a:solidFill>
-              <a:latin typeface="Arial"/>
-            </a:endParaRPr>
-          </a:p>
-        </p:txBody>
-      </p:sp>
-      <p:sp>
-        <p:nvSpPr>
-          <p:cNvPr id="151" name="PlaceHolder 2"/>
+              <a:latin typeface="Arial"/>
+            </a:endParaRPr>
+          </a:p>
+        </p:txBody>
+      </p:sp>
+      <p:sp>
+        <p:nvSpPr>
+          <p:cNvPr id="148" name="PlaceHolder 2"/>
           <p:cNvSpPr>
             <a:spLocks noGrp="1"/>
           </p:cNvSpPr>
@@ -11020,7 +10415,7 @@
         <p:spPr>
           <a:xfrm>
             <a:off x="624240" y="1198440"/>
-            <a:ext cx="10366920" cy="5110920"/>
+            <a:ext cx="10366560" cy="5110560"/>
           </a:xfrm>
           <a:prstGeom prst="rect">
             <a:avLst/>
@@ -11058,7 +10453,7 @@
                 </a:solidFill>
                 <a:latin typeface="Arial"/>
               </a:rPr>
-              <a:t>Call the script with the “run“ argument and ask for the “gst“ pipeline we added before</a:t>
+              <a:t>Calling the script just with pipeline name like “gst“ will try to run it</a:t>
             </a:r>
             <a:br>
               <a:rPr sz="1800"/>
@@ -11091,13 +10486,10 @@
                 </a:solidFill>
                 <a:latin typeface="Arial"/>
               </a:rPr>
-              <a:t>tuxpipes.py --run “gst</a:t>
+              <a:t>tuxpipes.py “gst</a:t>
             </a:r>
-            <a:endParaRPr b="1" lang="en-US" sz="1800" spc="-1" strike="noStrike">
-              <a:solidFill>
-                <a:srgbClr val="41c363"/>
-              </a:solidFill>
-              <a:latin typeface="Arial Narrow"/>
+            <a:endParaRPr b="0" lang="en-US" sz="1800" spc="-1" strike="noStrike">
+              <a:latin typeface="Arial"/>
             </a:endParaRPr>
           </a:p>
           <a:p>
@@ -11157,7 +10549,7 @@
                 </a:solidFill>
                 <a:latin typeface="Arial"/>
               </a:rPr>
-              <a:t>:(#NUM=3)</a:t>
+              <a:t>(#NUM=3)</a:t>
             </a:r>
             <a:br>
               <a:rPr sz="1800"/>
@@ -11210,11 +10602,8 @@
               </a:rPr>
               <a:t>(First variable gets replaced by the first value etc.)</a:t>
             </a:r>
-            <a:endParaRPr b="1" lang="en-US" sz="1800" spc="-1" strike="noStrike">
-              <a:solidFill>
-                <a:srgbClr val="41c363"/>
-              </a:solidFill>
-              <a:latin typeface="Arial Narrow"/>
+            <a:endParaRPr b="0" lang="en-US" sz="1800" spc="-1" strike="noStrike">
+              <a:latin typeface="Arial"/>
             </a:endParaRPr>
           </a:p>
           <a:p>
@@ -11265,7 +10654,7 @@
                 </a:solidFill>
                 <a:latin typeface="Arial"/>
               </a:rPr>
-              <a:t>$ python tuxpipes.py --run “gst:(#NUM=3)</a:t>
+              <a:t>$ python tuxpipes.py --run “gst(#NUM=3)</a:t>
             </a:r>
             <a:r>
               <a:rPr b="0" lang="de-DE" sz="1800" spc="-1" strike="noStrike">
@@ -11276,11 +10665,8 @@
               </a:rPr>
               <a:t>:videoconvert ! autovideosink“</a:t>
             </a:r>
-            <a:endParaRPr b="1" lang="en-US" sz="1800" spc="-1" strike="noStrike">
-              <a:solidFill>
-                <a:srgbClr val="41c363"/>
-              </a:solidFill>
-              <a:latin typeface="Arial Narrow"/>
+            <a:endParaRPr b="0" lang="en-US" sz="1800" spc="-1" strike="noStrike">
+              <a:latin typeface="Arial"/>
             </a:endParaRPr>
           </a:p>
         </p:txBody>
@@ -11329,7 +10715,7 @@
                                           </p:stCondLst>
                                         </p:cTn>
                                         <p:tgtEl>
-                                          <p:spTgt spid="151">
+                                          <p:spTgt spid="148">
                                             <p:txEl>
                                               <p:pRg st="0" end="0"/>
                                             </p:txEl>
@@ -11378,7 +10764,7 @@
                                           </p:stCondLst>
                                         </p:cTn>
                                         <p:tgtEl>
-                                          <p:spTgt spid="151">
+                                          <p:spTgt spid="148">
                                             <p:txEl>
                                               <p:pRg st="1" end="1"/>
                                             </p:txEl>
@@ -11427,7 +10813,7 @@
                                           </p:stCondLst>
                                         </p:cTn>
                                         <p:tgtEl>
-                                          <p:spTgt spid="151">
+                                          <p:spTgt spid="148">
                                             <p:txEl>
                                               <p:pRg st="2" end="2"/>
                                             </p:txEl>
@@ -11494,7 +10880,7 @@
       </p:grpSpPr>
       <p:sp>
         <p:nvSpPr>
-          <p:cNvPr id="152" name="PlaceHolder 1"/>
+          <p:cNvPr id="149" name="PlaceHolder 1"/>
           <p:cNvSpPr>
             <a:spLocks noGrp="1"/>
           </p:cNvSpPr>
@@ -11505,7 +10891,7 @@
         <p:spPr>
           <a:xfrm>
             <a:off x="624240" y="357840"/>
-            <a:ext cx="10366920" cy="691200"/>
+            <a:ext cx="10366560" cy="690840"/>
           </a:xfrm>
           <a:prstGeom prst="rect">
             <a:avLst/>
@@ -11536,17 +10922,14 @@
               <a:t>How to get it?</a:t>
             </a:r>
             <a:endParaRPr b="0" lang="en-US" sz="3200" spc="-1" strike="noStrike">
-              <a:solidFill>
-                <a:srgbClr val="000000"/>
-              </a:solidFill>
-              <a:latin typeface="Arial"/>
-            </a:endParaRPr>
-          </a:p>
-        </p:txBody>
-      </p:sp>
-      <p:sp>
-        <p:nvSpPr>
-          <p:cNvPr id="153" name="PlaceHolder 2"/>
+              <a:latin typeface="Arial"/>
+            </a:endParaRPr>
+          </a:p>
+        </p:txBody>
+      </p:sp>
+      <p:sp>
+        <p:nvSpPr>
+          <p:cNvPr id="150" name="PlaceHolder 2"/>
           <p:cNvSpPr>
             <a:spLocks noGrp="1"/>
           </p:cNvSpPr>
@@ -11557,7 +10940,7 @@
         <p:spPr>
           <a:xfrm>
             <a:off x="624240" y="1198440"/>
-            <a:ext cx="10366920" cy="5110920"/>
+            <a:ext cx="10366560" cy="5110560"/>
           </a:xfrm>
           <a:prstGeom prst="rect">
             <a:avLst/>
@@ -11596,11 +10979,8 @@
               </a:rPr>
               <a:t>The project can be found on Github on the Software and Service team's organization account</a:t>
             </a:r>
-            <a:endParaRPr b="1" lang="en-US" sz="2800" spc="-1" strike="noStrike">
-              <a:solidFill>
-                <a:srgbClr val="41c363"/>
-              </a:solidFill>
-              <a:latin typeface="Arial Narrow"/>
+            <a:endParaRPr b="0" lang="en-US" sz="2800" spc="-1" strike="noStrike">
+              <a:latin typeface="Arial"/>
             </a:endParaRPr>
           </a:p>
           <a:p>
@@ -11628,18 +11008,15 @@
               </a:rPr>
               <a:t>https://github.com/Software-and-Services/tuxpipes</a:t>
             </a:r>
-            <a:endParaRPr b="1" lang="en-US" sz="2800" spc="-1" strike="noStrike">
-              <a:solidFill>
-                <a:srgbClr val="41c363"/>
-              </a:solidFill>
-              <a:latin typeface="Arial Narrow"/>
+            <a:endParaRPr b="0" lang="en-US" sz="2800" spc="-1" strike="noStrike">
+              <a:latin typeface="Arial"/>
             </a:endParaRPr>
           </a:p>
         </p:txBody>
       </p:sp>
       <p:pic>
         <p:nvPicPr>
-          <p:cNvPr id="154" name="Picture 3" descr=""/>
+          <p:cNvPr id="151" name="Picture 3" descr=""/>
           <p:cNvPicPr/>
           <p:nvPr/>
         </p:nvPicPr>
@@ -11650,7 +11027,7 @@
         <p:spPr>
           <a:xfrm>
             <a:off x="2947320" y="2880720"/>
-            <a:ext cx="5720760" cy="3428640"/>
+            <a:ext cx="5720400" cy="3428280"/>
           </a:xfrm>
           <a:prstGeom prst="rect">
             <a:avLst/>
@@ -11704,7 +11081,7 @@
                                           </p:stCondLst>
                                         </p:cTn>
                                         <p:tgtEl>
-                                          <p:spTgt spid="153">
+                                          <p:spTgt spid="150">
                                             <p:txEl>
                                               <p:pRg st="1" end="1"/>
                                             </p:txEl>
@@ -11771,7 +11148,7 @@
       </p:grpSpPr>
       <p:sp>
         <p:nvSpPr>
-          <p:cNvPr id="155" name="PlaceHolder 1"/>
+          <p:cNvPr id="152" name="PlaceHolder 1"/>
           <p:cNvSpPr>
             <a:spLocks noGrp="1"/>
           </p:cNvSpPr>
@@ -11782,7 +11159,7 @@
         <p:spPr>
           <a:xfrm>
             <a:off x="624240" y="357840"/>
-            <a:ext cx="10366920" cy="691200"/>
+            <a:ext cx="10366560" cy="690840"/>
           </a:xfrm>
           <a:prstGeom prst="rect">
             <a:avLst/>
@@ -11813,17 +11190,14 @@
               <a:t>Future plans?</a:t>
             </a:r>
             <a:endParaRPr b="0" lang="en-US" sz="3200" spc="-1" strike="noStrike">
-              <a:solidFill>
-                <a:srgbClr val="000000"/>
-              </a:solidFill>
-              <a:latin typeface="Arial"/>
-            </a:endParaRPr>
-          </a:p>
-        </p:txBody>
-      </p:sp>
-      <p:sp>
-        <p:nvSpPr>
-          <p:cNvPr id="156" name="PlaceHolder 2"/>
+              <a:latin typeface="Arial"/>
+            </a:endParaRPr>
+          </a:p>
+        </p:txBody>
+      </p:sp>
+      <p:sp>
+        <p:nvSpPr>
+          <p:cNvPr id="153" name="PlaceHolder 2"/>
           <p:cNvSpPr>
             <a:spLocks noGrp="1"/>
           </p:cNvSpPr>
@@ -11834,7 +11208,7 @@
         <p:spPr>
           <a:xfrm>
             <a:off x="700560" y="1265040"/>
-            <a:ext cx="10366920" cy="5110920"/>
+            <a:ext cx="10366560" cy="5110560"/>
           </a:xfrm>
           <a:prstGeom prst="rect">
             <a:avLst/>
@@ -11850,6 +11224,9 @@
           </a:bodyPr>
           <a:p>
             <a:pPr marL="432000" indent="-324000">
+              <a:lnSpc>
+                <a:spcPct val="100000"/>
+              </a:lnSpc>
               <a:spcBef>
                 <a:spcPts val="1417"/>
               </a:spcBef>
@@ -11870,22 +11247,10 @@
                 </a:solidFill>
                 <a:latin typeface="Arial"/>
               </a:rPr>
-              <a:t>Config</a:t>
+              <a:t>Config files</a:t>
             </a:r>
-            <a:r>
-              <a:rPr b="0" lang="de-DE" sz="2400" spc="-1" strike="noStrike">
-                <a:solidFill>
-                  <a:srgbClr val="000000"/>
-                </a:solidFill>
-                <a:latin typeface="Arial"/>
-              </a:rPr>
-              <a:t> files</a:t>
-            </a:r>
-            <a:endParaRPr b="1" lang="en-US" sz="2400" spc="-1" strike="noStrike">
-              <a:solidFill>
-                <a:srgbClr val="41c363"/>
-              </a:solidFill>
-              <a:latin typeface="Arial Narrow"/>
+            <a:endParaRPr b="0" lang="en-US" sz="2400" spc="-1" strike="noStrike">
+              <a:latin typeface="Arial"/>
             </a:endParaRPr>
           </a:p>
           <a:p>
@@ -11912,9 +11277,6 @@
               <a:t>Store settings</a:t>
             </a:r>
             <a:endParaRPr b="0" lang="en-US" sz="2400" spc="-1" strike="noStrike">
-              <a:solidFill>
-                <a:srgbClr val="000000"/>
-              </a:solidFill>
               <a:latin typeface="Arial"/>
             </a:endParaRPr>
           </a:p>
@@ -11942,14 +11304,14 @@
               <a:t>Different sets of pipelines for testing etc.</a:t>
             </a:r>
             <a:endParaRPr b="0" lang="en-US" sz="2400" spc="-1" strike="noStrike">
-              <a:solidFill>
-                <a:srgbClr val="000000"/>
-              </a:solidFill>
               <a:latin typeface="Arial"/>
             </a:endParaRPr>
           </a:p>
           <a:p>
             <a:pPr marL="432000" indent="-324000">
+              <a:lnSpc>
+                <a:spcPct val="100000"/>
+              </a:lnSpc>
               <a:spcBef>
                 <a:spcPts val="1417"/>
               </a:spcBef>
@@ -11972,15 +11334,15 @@
               </a:rPr>
               <a:t>Add pipeline checks</a:t>
             </a:r>
-            <a:endParaRPr b="1" lang="en-US" sz="2400" spc="-1" strike="noStrike">
-              <a:solidFill>
-                <a:srgbClr val="41c363"/>
-              </a:solidFill>
-              <a:latin typeface="Arial Narrow"/>
+            <a:endParaRPr b="0" lang="en-US" sz="2400" spc="-1" strike="noStrike">
+              <a:latin typeface="Arial"/>
             </a:endParaRPr>
           </a:p>
           <a:p>
             <a:pPr lvl="1" marL="759960" indent="-457200">
+              <a:lnSpc>
+                <a:spcPct val="100000"/>
+              </a:lnSpc>
               <a:spcBef>
                 <a:spcPts val="1134"/>
               </a:spcBef>
@@ -12003,14 +11365,14 @@
               <a:t>Finding errors</a:t>
             </a:r>
             <a:endParaRPr b="0" lang="en-US" sz="2400" spc="-1" strike="noStrike">
-              <a:solidFill>
-                <a:srgbClr val="000000"/>
-              </a:solidFill>
               <a:latin typeface="Arial"/>
             </a:endParaRPr>
           </a:p>
           <a:p>
             <a:pPr lvl="1" marL="759960" indent="-457200">
+              <a:lnSpc>
+                <a:spcPct val="100000"/>
+              </a:lnSpc>
               <a:spcBef>
                 <a:spcPts val="1134"/>
               </a:spcBef>
@@ -12033,14 +11395,14 @@
               <a:t>Automatic replacements/insertions</a:t>
             </a:r>
             <a:endParaRPr b="0" lang="en-US" sz="2400" spc="-1" strike="noStrike">
-              <a:solidFill>
-                <a:srgbClr val="000000"/>
-              </a:solidFill>
               <a:latin typeface="Arial"/>
             </a:endParaRPr>
           </a:p>
           <a:p>
             <a:pPr marL="432000" indent="-324000">
+              <a:lnSpc>
+                <a:spcPct val="100000"/>
+              </a:lnSpc>
               <a:spcBef>
                 <a:spcPts val="1417"/>
               </a:spcBef>
@@ -12061,26 +11423,17 @@
                 </a:solidFill>
                 <a:latin typeface="Arial"/>
               </a:rPr>
-              <a:t>Commandline</a:t>
+              <a:t>Commandline tutorial (WIP)</a:t>
             </a:r>
-            <a:r>
-              <a:rPr b="0" lang="de-DE" sz="2400" spc="-1" strike="noStrike">
-                <a:solidFill>
-                  <a:srgbClr val="000000"/>
-                </a:solidFill>
-                <a:latin typeface="Arial"/>
-              </a:rPr>
-              <a:t> tutorial (WIP)</a:t>
-            </a:r>
-            <a:endParaRPr b="1" lang="en-US" sz="2400" spc="-1" strike="noStrike">
-              <a:solidFill>
-                <a:srgbClr val="41c363"/>
-              </a:solidFill>
-              <a:latin typeface="Arial Narrow"/>
+            <a:endParaRPr b="0" lang="en-US" sz="2400" spc="-1" strike="noStrike">
+              <a:latin typeface="Arial"/>
             </a:endParaRPr>
           </a:p>
           <a:p>
             <a:pPr lvl="1" marL="759960" indent="-457200">
+              <a:lnSpc>
+                <a:spcPct val="100000"/>
+              </a:lnSpc>
               <a:spcBef>
                 <a:spcPts val="1134"/>
               </a:spcBef>
@@ -12103,9 +11456,6 @@
               <a:t>A guided tutorial in a bash script</a:t>
             </a:r>
             <a:endParaRPr b="0" lang="en-US" sz="2400" spc="-1" strike="noStrike">
-              <a:solidFill>
-                <a:srgbClr val="000000"/>
-              </a:solidFill>
               <a:latin typeface="Arial"/>
             </a:endParaRPr>
           </a:p>
@@ -12125,11 +11475,8 @@
                 <a:tab algn="l" pos="0"/>
               </a:tabLst>
             </a:pPr>
-            <a:endParaRPr b="1" lang="en-US" sz="2400" spc="-1" strike="noStrike">
-              <a:solidFill>
-                <a:srgbClr val="41c363"/>
-              </a:solidFill>
-              <a:latin typeface="Arial Narrow"/>
+            <a:endParaRPr b="0" lang="en-US" sz="2400" spc="-1" strike="noStrike">
+              <a:latin typeface="Arial"/>
             </a:endParaRPr>
           </a:p>
           <a:p>
@@ -12148,11 +11495,8 @@
                 <a:tab algn="l" pos="0"/>
               </a:tabLst>
             </a:pPr>
-            <a:endParaRPr b="1" lang="en-US" sz="2400" spc="-1" strike="noStrike">
-              <a:solidFill>
-                <a:srgbClr val="41c363"/>
-              </a:solidFill>
-              <a:latin typeface="Arial Narrow"/>
+            <a:endParaRPr b="0" lang="en-US" sz="2400" spc="-1" strike="noStrike">
+              <a:latin typeface="Arial"/>
             </a:endParaRPr>
           </a:p>
         </p:txBody>
